--- a/vue-webpack/vue-webpack.pptx
+++ b/vue-webpack/vue-webpack.pptx
@@ -10153,7 +10153,7 @@
               <a:rPr lang="en-US" altLang="zh-CN" sz="3200" dirty="0">
                 <a:sym typeface="+mn-ea"/>
               </a:rPr>
-              <a:t>-router --save</a:t>
+              <a:t>-router bootstrap --save</a:t>
             </a:r>
           </a:p>
           <a:p>

--- a/vue-webpack/vue-webpack.pptx
+++ b/vue-webpack/vue-webpack.pptx
@@ -5,7 +5,7 @@
     <p:sldMasterId id="2147483648" r:id="rId1"/>
   </p:sldMasterIdLst>
   <p:notesMasterIdLst>
-    <p:notesMasterId r:id="rId26"/>
+    <p:notesMasterId r:id="rId20"/>
   </p:notesMasterIdLst>
   <p:sldIdLst>
     <p:sldId id="256" r:id="rId2"/>
@@ -20,18 +20,12 @@
     <p:sldId id="336" r:id="rId11"/>
     <p:sldId id="331" r:id="rId12"/>
     <p:sldId id="304" r:id="rId13"/>
-    <p:sldId id="327" r:id="rId14"/>
-    <p:sldId id="332" r:id="rId15"/>
-    <p:sldId id="328" r:id="rId16"/>
-    <p:sldId id="320" r:id="rId17"/>
-    <p:sldId id="326" r:id="rId18"/>
-    <p:sldId id="309" r:id="rId19"/>
-    <p:sldId id="321" r:id="rId20"/>
-    <p:sldId id="329" r:id="rId21"/>
-    <p:sldId id="306" r:id="rId22"/>
-    <p:sldId id="297" r:id="rId23"/>
-    <p:sldId id="324" r:id="rId24"/>
-    <p:sldId id="280" r:id="rId25"/>
+    <p:sldId id="338" r:id="rId14"/>
+    <p:sldId id="337" r:id="rId15"/>
+    <p:sldId id="327" r:id="rId16"/>
+    <p:sldId id="297" r:id="rId17"/>
+    <p:sldId id="324" r:id="rId18"/>
+    <p:sldId id="280" r:id="rId19"/>
   </p:sldIdLst>
   <p:sldSz cx="12192000" cy="6858000"/>
   <p:notesSz cx="6858000" cy="9144000"/>
@@ -4308,14 +4302,14 @@
           <a:p>
             <a:pPr algn="ctr"/>
             <a:r>
-              <a:rPr lang="zh-CN" altLang="en-US" sz="4000" b="1" dirty="0">
+              <a:rPr lang="en-US" altLang="zh-CN" sz="4000" b="1" dirty="0" err="1">
                 <a:solidFill>
                   <a:schemeClr val="bg1"/>
                 </a:solidFill>
                 <a:latin typeface="Corbel" panose="020B0503020204020204" charset="0"/>
                 <a:ea typeface="方正正纤黑简体" panose="02000000000000000000" pitchFamily="2" charset="-122"/>
               </a:rPr>
-              <a:t>前期准备</a:t>
+              <a:t>WebPack</a:t>
             </a:r>
             <a:endParaRPr lang="en-US" altLang="zh-CN" sz="4000" b="1" dirty="0">
               <a:solidFill>
@@ -4736,6 +4730,9 @@
             <a:endParaRPr lang="en-US" altLang="zh-CN" dirty="0"/>
           </a:p>
           <a:p>
+            <a:pPr marL="0" indent="0">
+              <a:buNone/>
+            </a:pPr>
             <a:r>
               <a:rPr lang="en-US" altLang="zh-CN" dirty="0">
                 <a:hlinkClick r:id="rId2"/>
@@ -4795,6 +4792,10 @@
             <a:r>
               <a:rPr lang="en-US" altLang="zh-CN" dirty="0" err="1"/>
               <a:t>npm</a:t>
+            </a:r>
+            <a:r>
+              <a:rPr lang="en-US" altLang="zh-CN" dirty="0"/>
+              <a:t>(Node Package Manager)</a:t>
             </a:r>
             <a:r>
               <a:rPr lang="zh-CN" altLang="en-US" dirty="0"/>
@@ -4851,9 +4852,10 @@
           <a:lstStyle/>
           <a:p>
             <a:r>
-              <a:rPr lang="zh-CN" altLang="en-US" dirty="0"/>
-              <a:t>安装依赖</a:t>
-            </a:r>
+              <a:rPr lang="en-US" altLang="zh-CN" dirty="0" err="1"/>
+              <a:t>WebPack</a:t>
+            </a:r>
+            <a:endParaRPr lang="zh-CN" altLang="en-US" dirty="0"/>
           </a:p>
         </p:txBody>
       </p:sp>
@@ -4870,156 +4872,95 @@
         <p:spPr/>
         <p:txBody>
           <a:bodyPr>
-            <a:normAutofit/>
+            <a:normAutofit fontScale="92500" lnSpcReduction="20000"/>
           </a:bodyPr>
           <a:lstStyle/>
           <a:p>
             <a:r>
-              <a:rPr lang="en-US" altLang="zh-CN" sz="3200" dirty="0" err="1"/>
-              <a:t>npm</a:t>
-            </a:r>
-            <a:r>
-              <a:rPr lang="en-US" altLang="zh-CN" sz="3200" dirty="0"/>
-              <a:t> </a:t>
-            </a:r>
-            <a:r>
-              <a:rPr lang="en-US" altLang="zh-CN" sz="3200" dirty="0" err="1"/>
-              <a:t>init</a:t>
-            </a:r>
-            <a:endParaRPr lang="en-US" altLang="zh-CN" sz="3200" dirty="0">
-              <a:sym typeface="+mn-ea"/>
-            </a:endParaRPr>
-          </a:p>
-          <a:p>
-            <a:r>
-              <a:rPr lang="zh-CN" altLang="en-US" sz="3200" dirty="0">
-                <a:sym typeface="+mn-ea"/>
-              </a:rPr>
-              <a:t>初始化</a:t>
-            </a:r>
-            <a:r>
-              <a:rPr lang="en-US" altLang="zh-CN" sz="3200" dirty="0" err="1">
-                <a:sym typeface="+mn-ea"/>
-              </a:rPr>
-              <a:t>package.json</a:t>
-            </a:r>
-            <a:r>
-              <a:rPr lang="zh-CN" altLang="en-US" sz="3200" dirty="0">
-                <a:sym typeface="+mn-ea"/>
-              </a:rPr>
-              <a:t>文件</a:t>
-            </a:r>
-            <a:endParaRPr lang="en-US" altLang="zh-CN" sz="3200" dirty="0">
-              <a:sym typeface="+mn-ea"/>
-            </a:endParaRPr>
-          </a:p>
-          <a:p>
-            <a:r>
-              <a:rPr lang="en-US" altLang="zh-CN" sz="3200" dirty="0" err="1">
-                <a:sym typeface="+mn-ea"/>
-              </a:rPr>
-              <a:t>npm</a:t>
-            </a:r>
+              <a:rPr lang="zh-CN" altLang="en-US" dirty="0"/>
+              <a:t>中文网站</a:t>
+            </a:r>
+            <a:endParaRPr lang="en-US" altLang="zh-CN" dirty="0"/>
+          </a:p>
+          <a:p>
+            <a:pPr marL="0" indent="0">
+              <a:buNone/>
+            </a:pPr>
             <a:r>
               <a:rPr lang="en-US" altLang="zh-CN" sz="3200" dirty="0">
                 <a:sym typeface="+mn-ea"/>
               </a:rPr>
-              <a:t> install </a:t>
-            </a:r>
-            <a:r>
-              <a:rPr lang="en-US" altLang="zh-CN" sz="3200" dirty="0" err="1">
-                <a:sym typeface="+mn-ea"/>
-              </a:rPr>
-              <a:t>vue</a:t>
-            </a:r>
-            <a:r>
-              <a:rPr lang="en-US" altLang="zh-CN" sz="3200" dirty="0">
-                <a:sym typeface="+mn-ea"/>
-              </a:rPr>
-              <a:t> </a:t>
-            </a:r>
-            <a:r>
-              <a:rPr lang="en-US" altLang="zh-CN" sz="3200" dirty="0" err="1">
-                <a:sym typeface="+mn-ea"/>
-              </a:rPr>
-              <a:t>vue</a:t>
-            </a:r>
-            <a:r>
-              <a:rPr lang="en-US" altLang="zh-CN" sz="3200" dirty="0">
-                <a:sym typeface="+mn-ea"/>
-              </a:rPr>
-              <a:t>-router bootstrap --save</a:t>
-            </a:r>
-          </a:p>
-          <a:p>
-            <a:r>
-              <a:rPr lang="en-US" altLang="zh-CN" sz="3200" dirty="0" err="1">
-                <a:sym typeface="+mn-ea"/>
-              </a:rPr>
-              <a:t>npm</a:t>
-            </a:r>
-            <a:r>
-              <a:rPr lang="en-US" altLang="zh-CN" sz="3200" dirty="0">
-                <a:sym typeface="+mn-ea"/>
-              </a:rPr>
-              <a:t> install webpack </a:t>
-            </a:r>
-            <a:r>
-              <a:rPr lang="en-US" altLang="zh-CN" sz="3200" dirty="0"/>
-              <a:t>webpack-cli</a:t>
-            </a:r>
-            <a:r>
-              <a:rPr lang="en-US" altLang="zh-CN" sz="3200" dirty="0">
-                <a:sym typeface="+mn-ea"/>
-              </a:rPr>
-              <a:t> html-webpack-plugin webpack-dev-server </a:t>
-            </a:r>
-            <a:r>
-              <a:rPr lang="en-US" altLang="zh-CN" sz="3200" dirty="0" err="1">
-                <a:sym typeface="+mn-ea"/>
-              </a:rPr>
-              <a:t>vue</a:t>
-            </a:r>
-            <a:r>
-              <a:rPr lang="en-US" altLang="zh-CN" sz="3200" dirty="0">
-                <a:sym typeface="+mn-ea"/>
-              </a:rPr>
-              <a:t>-loader </a:t>
-            </a:r>
-            <a:r>
-              <a:rPr lang="en-US" altLang="zh-CN" sz="3200" dirty="0" err="1">
-                <a:sym typeface="+mn-ea"/>
-              </a:rPr>
-              <a:t>vue</a:t>
-            </a:r>
-            <a:r>
-              <a:rPr lang="en-US" altLang="zh-CN" sz="3200" dirty="0">
-                <a:sym typeface="+mn-ea"/>
-              </a:rPr>
-              <a:t>-template-compiler style-loader </a:t>
-            </a:r>
-            <a:r>
-              <a:rPr lang="en-US" altLang="zh-CN" sz="3200" dirty="0" err="1">
-                <a:sym typeface="+mn-ea"/>
-              </a:rPr>
-              <a:t>css</a:t>
-            </a:r>
-            <a:r>
-              <a:rPr lang="en-US" altLang="zh-CN" sz="3200" dirty="0">
-                <a:sym typeface="+mn-ea"/>
-              </a:rPr>
-              <a:t>-loader  --save-dev</a:t>
-            </a:r>
-          </a:p>
-          <a:p>
-            <a:endParaRPr lang="zh-CN" altLang="en-US" dirty="0"/>
+              <a:t>https://www.webpackjs.com/</a:t>
+            </a:r>
+          </a:p>
+          <a:p>
+            <a:r>
+              <a:rPr lang="zh-CN" altLang="en-US" dirty="0"/>
+              <a:t>本质上，</a:t>
+            </a:r>
+            <a:r>
+              <a:rPr lang="en-US" altLang="zh-CN" i="1" dirty="0"/>
+              <a:t>webpack</a:t>
+            </a:r>
+            <a:r>
+              <a:rPr lang="zh-CN" altLang="en-US" dirty="0"/>
+              <a:t> 是一个现代 </a:t>
+            </a:r>
+            <a:r>
+              <a:rPr lang="en-US" altLang="zh-CN" dirty="0"/>
+              <a:t>JavaScript </a:t>
+            </a:r>
+            <a:r>
+              <a:rPr lang="zh-CN" altLang="en-US" dirty="0"/>
+              <a:t>应用程序的</a:t>
+            </a:r>
+            <a:r>
+              <a:rPr lang="zh-CN" altLang="en-US" i="1" dirty="0"/>
+              <a:t>静态模块打包器</a:t>
+            </a:r>
+            <a:r>
+              <a:rPr lang="en-US" altLang="zh-CN" i="1" dirty="0"/>
+              <a:t>(module bundler)</a:t>
+            </a:r>
+            <a:r>
+              <a:rPr lang="zh-CN" altLang="en-US" dirty="0"/>
+              <a:t>。当 </a:t>
+            </a:r>
+            <a:r>
+              <a:rPr lang="en-US" altLang="zh-CN" dirty="0"/>
+              <a:t>webpack </a:t>
+            </a:r>
+            <a:r>
+              <a:rPr lang="zh-CN" altLang="en-US" dirty="0"/>
+              <a:t>处理应用程序时，它会递归地构建一个</a:t>
+            </a:r>
+            <a:r>
+              <a:rPr lang="zh-CN" altLang="en-US" i="1" dirty="0"/>
+              <a:t>依赖关系图</a:t>
+            </a:r>
+            <a:r>
+              <a:rPr lang="en-US" altLang="zh-CN" i="1" dirty="0"/>
+              <a:t>(dependency graph)</a:t>
+            </a:r>
+            <a:r>
+              <a:rPr lang="zh-CN" altLang="en-US" dirty="0"/>
+              <a:t>，其中包含应用程序需要的每个模块，然后将所有这些模块打包成一个或多个 </a:t>
+            </a:r>
+            <a:r>
+              <a:rPr lang="en-US" altLang="zh-CN" i="1" dirty="0"/>
+              <a:t>bundle</a:t>
+            </a:r>
+            <a:r>
+              <a:rPr lang="zh-CN" altLang="en-US" dirty="0"/>
+              <a:t>。</a:t>
+            </a:r>
           </a:p>
         </p:txBody>
       </p:sp>
     </p:spTree>
     <p:extLst>
       <p:ext uri="{BB962C8B-B14F-4D97-AF65-F5344CB8AC3E}">
-        <p14:creationId xmlns:p14="http://schemas.microsoft.com/office/powerpoint/2010/main" val="3660574939"/>
+        <p14:creationId xmlns:p14="http://schemas.microsoft.com/office/powerpoint/2010/main" val="632022128"/>
       </p:ext>
     </p:extLst>
   </p:cSld>
@@ -5051,1281 +4992,70 @@
       </p:grpSpPr>
       <p:sp>
         <p:nvSpPr>
-          <p:cNvPr id="15" name="任意多边形 14"/>
-          <p:cNvSpPr/>
+          <p:cNvPr id="2" name="标题 1"/>
+          <p:cNvSpPr>
+            <a:spLocks noGrp="1"/>
+          </p:cNvSpPr>
+          <p:nvPr>
+            <p:ph type="ctrTitle"/>
+          </p:nvPr>
+        </p:nvSpPr>
+        <p:spPr/>
+        <p:txBody>
+          <a:bodyPr/>
+          <a:lstStyle/>
+          <a:p>
+            <a:r>
+              <a:rPr lang="en-US" altLang="zh-CN" dirty="0"/>
+              <a:t>Webpack</a:t>
+            </a:r>
+            <a:endParaRPr lang="zh-CN" altLang="en-US" dirty="0"/>
+          </a:p>
+        </p:txBody>
+      </p:sp>
+      <p:pic>
+        <p:nvPicPr>
+          <p:cNvPr id="4" name="图片 3">
+            <a:extLst>
+              <a:ext uri="{FF2B5EF4-FFF2-40B4-BE49-F238E27FC236}">
+                <a16:creationId xmlns:a16="http://schemas.microsoft.com/office/drawing/2014/main" id="{DD7472EC-9493-4FF6-84F6-84E2DEDD4B95}"/>
+              </a:ext>
+            </a:extLst>
+          </p:cNvPr>
+          <p:cNvPicPr>
+            <a:picLocks noChangeAspect="1"/>
+          </p:cNvPicPr>
           <p:nvPr/>
-        </p:nvSpPr>
+        </p:nvPicPr>
+        <p:blipFill>
+          <a:blip r:embed="rId2"/>
+          <a:stretch>
+            <a:fillRect/>
+          </a:stretch>
+        </p:blipFill>
         <p:spPr>
           <a:xfrm>
-            <a:off x="4249692" y="1037774"/>
-            <a:ext cx="3741644" cy="3360060"/>
-          </a:xfrm>
-          <a:custGeom>
-            <a:avLst/>
-            <a:gdLst>
-              <a:gd name="connsiteX0" fmla="*/ 949445 w 3191647"/>
-              <a:gd name="connsiteY0" fmla="*/ 0 h 2866152"/>
-              <a:gd name="connsiteX1" fmla="*/ 2234352 w 3191647"/>
-              <a:gd name="connsiteY1" fmla="*/ 0 h 2866152"/>
-              <a:gd name="connsiteX2" fmla="*/ 2402131 w 3191647"/>
-              <a:gd name="connsiteY2" fmla="*/ 51249 h 2866152"/>
-              <a:gd name="connsiteX3" fmla="*/ 2409685 w 3191647"/>
-              <a:gd name="connsiteY3" fmla="*/ 57482 h 2866152"/>
-              <a:gd name="connsiteX4" fmla="*/ 2430115 w 3191647"/>
-              <a:gd name="connsiteY4" fmla="*/ 70005 h 2866152"/>
-              <a:gd name="connsiteX5" fmla="*/ 2508940 w 3191647"/>
-              <a:gd name="connsiteY5" fmla="*/ 159371 h 2866152"/>
-              <a:gd name="connsiteX6" fmla="*/ 3151394 w 3191647"/>
-              <a:gd name="connsiteY6" fmla="*/ 1272133 h 2866152"/>
-              <a:gd name="connsiteX7" fmla="*/ 3181372 w 3191647"/>
-              <a:gd name="connsiteY7" fmla="*/ 1499841 h 2866152"/>
-              <a:gd name="connsiteX8" fmla="*/ 3172981 w 3191647"/>
-              <a:gd name="connsiteY8" fmla="*/ 1522315 h 2866152"/>
-              <a:gd name="connsiteX9" fmla="*/ 3170003 w 3191647"/>
-              <a:gd name="connsiteY9" fmla="*/ 1535472 h 2866152"/>
-              <a:gd name="connsiteX10" fmla="*/ 3145044 w 3191647"/>
-              <a:gd name="connsiteY10" fmla="*/ 1590895 h 2866152"/>
-              <a:gd name="connsiteX11" fmla="*/ 2502590 w 3191647"/>
-              <a:gd name="connsiteY11" fmla="*/ 2703657 h 2866152"/>
-              <a:gd name="connsiteX12" fmla="*/ 2488794 w 3191647"/>
-              <a:gd name="connsiteY12" fmla="*/ 2722817 h 2866152"/>
-              <a:gd name="connsiteX13" fmla="*/ 2482806 w 3191647"/>
-              <a:gd name="connsiteY13" fmla="*/ 2733849 h 2866152"/>
-              <a:gd name="connsiteX14" fmla="*/ 2467439 w 3191647"/>
-              <a:gd name="connsiteY14" fmla="*/ 2752474 h 2866152"/>
-              <a:gd name="connsiteX15" fmla="*/ 2467072 w 3191647"/>
-              <a:gd name="connsiteY15" fmla="*/ 2752984 h 2866152"/>
-              <a:gd name="connsiteX16" fmla="*/ 2466846 w 3191647"/>
-              <a:gd name="connsiteY16" fmla="*/ 2753192 h 2866152"/>
-              <a:gd name="connsiteX17" fmla="*/ 2446163 w 3191647"/>
-              <a:gd name="connsiteY17" fmla="*/ 2778260 h 2866152"/>
-              <a:gd name="connsiteX18" fmla="*/ 2233973 w 3191647"/>
-              <a:gd name="connsiteY18" fmla="*/ 2866152 h 2866152"/>
-              <a:gd name="connsiteX19" fmla="*/ 949066 w 3191647"/>
-              <a:gd name="connsiteY19" fmla="*/ 2866152 h 2866152"/>
-              <a:gd name="connsiteX20" fmla="*/ 700233 w 3191647"/>
-              <a:gd name="connsiteY20" fmla="*/ 2733849 h 2866152"/>
-              <a:gd name="connsiteX21" fmla="*/ 689623 w 3191647"/>
-              <a:gd name="connsiteY21" fmla="*/ 2714300 h 2866152"/>
-              <a:gd name="connsiteX22" fmla="*/ 681960 w 3191647"/>
-              <a:gd name="connsiteY22" fmla="*/ 2703658 h 2866152"/>
-              <a:gd name="connsiteX23" fmla="*/ 39506 w 3191647"/>
-              <a:gd name="connsiteY23" fmla="*/ 1590896 h 2866152"/>
-              <a:gd name="connsiteX24" fmla="*/ 1526 w 3191647"/>
-              <a:gd name="connsiteY24" fmla="*/ 1477948 h 2866152"/>
-              <a:gd name="connsiteX25" fmla="*/ 720 w 3191647"/>
-              <a:gd name="connsiteY25" fmla="*/ 1447354 h 2866152"/>
-              <a:gd name="connsiteX26" fmla="*/ 0 w 3191647"/>
-              <a:gd name="connsiteY26" fmla="*/ 1443059 h 2866152"/>
-              <a:gd name="connsiteX27" fmla="*/ 303 w 3191647"/>
-              <a:gd name="connsiteY27" fmla="*/ 1431516 h 2866152"/>
-              <a:gd name="connsiteX28" fmla="*/ 0 w 3191647"/>
-              <a:gd name="connsiteY28" fmla="*/ 1419970 h 2866152"/>
-              <a:gd name="connsiteX29" fmla="*/ 720 w 3191647"/>
-              <a:gd name="connsiteY29" fmla="*/ 1415675 h 2866152"/>
-              <a:gd name="connsiteX30" fmla="*/ 1526 w 3191647"/>
-              <a:gd name="connsiteY30" fmla="*/ 1385081 h 2866152"/>
-              <a:gd name="connsiteX31" fmla="*/ 39506 w 3191647"/>
-              <a:gd name="connsiteY31" fmla="*/ 1272134 h 2866152"/>
-              <a:gd name="connsiteX32" fmla="*/ 681960 w 3191647"/>
-              <a:gd name="connsiteY32" fmla="*/ 159372 h 2866152"/>
-              <a:gd name="connsiteX33" fmla="*/ 698045 w 3191647"/>
-              <a:gd name="connsiteY33" fmla="*/ 137034 h 2866152"/>
-              <a:gd name="connsiteX34" fmla="*/ 700612 w 3191647"/>
-              <a:gd name="connsiteY34" fmla="*/ 132303 h 2866152"/>
-              <a:gd name="connsiteX35" fmla="*/ 707202 w 3191647"/>
-              <a:gd name="connsiteY35" fmla="*/ 124316 h 2866152"/>
-              <a:gd name="connsiteX36" fmla="*/ 717478 w 3191647"/>
-              <a:gd name="connsiteY36" fmla="*/ 110046 h 2866152"/>
-              <a:gd name="connsiteX37" fmla="*/ 723796 w 3191647"/>
-              <a:gd name="connsiteY37" fmla="*/ 104204 h 2866152"/>
-              <a:gd name="connsiteX38" fmla="*/ 737255 w 3191647"/>
-              <a:gd name="connsiteY38" fmla="*/ 87892 h 2866152"/>
-              <a:gd name="connsiteX39" fmla="*/ 949445 w 3191647"/>
-              <a:gd name="connsiteY39" fmla="*/ 0 h 2866152"/>
-            </a:gdLst>
-            <a:ahLst/>
-            <a:cxnLst>
-              <a:cxn ang="0">
-                <a:pos x="connsiteX0" y="connsiteY0"/>
-              </a:cxn>
-              <a:cxn ang="0">
-                <a:pos x="connsiteX1" y="connsiteY1"/>
-              </a:cxn>
-              <a:cxn ang="0">
-                <a:pos x="connsiteX2" y="connsiteY2"/>
-              </a:cxn>
-              <a:cxn ang="0">
-                <a:pos x="connsiteX3" y="connsiteY3"/>
-              </a:cxn>
-              <a:cxn ang="0">
-                <a:pos x="connsiteX4" y="connsiteY4"/>
-              </a:cxn>
-              <a:cxn ang="0">
-                <a:pos x="connsiteX5" y="connsiteY5"/>
-              </a:cxn>
-              <a:cxn ang="0">
-                <a:pos x="connsiteX6" y="connsiteY6"/>
-              </a:cxn>
-              <a:cxn ang="0">
-                <a:pos x="connsiteX7" y="connsiteY7"/>
-              </a:cxn>
-              <a:cxn ang="0">
-                <a:pos x="connsiteX8" y="connsiteY8"/>
-              </a:cxn>
-              <a:cxn ang="0">
-                <a:pos x="connsiteX9" y="connsiteY9"/>
-              </a:cxn>
-              <a:cxn ang="0">
-                <a:pos x="connsiteX10" y="connsiteY10"/>
-              </a:cxn>
-              <a:cxn ang="0">
-                <a:pos x="connsiteX11" y="connsiteY11"/>
-              </a:cxn>
-              <a:cxn ang="0">
-                <a:pos x="connsiteX12" y="connsiteY12"/>
-              </a:cxn>
-              <a:cxn ang="0">
-                <a:pos x="connsiteX13" y="connsiteY13"/>
-              </a:cxn>
-              <a:cxn ang="0">
-                <a:pos x="connsiteX14" y="connsiteY14"/>
-              </a:cxn>
-              <a:cxn ang="0">
-                <a:pos x="connsiteX15" y="connsiteY15"/>
-              </a:cxn>
-              <a:cxn ang="0">
-                <a:pos x="connsiteX16" y="connsiteY16"/>
-              </a:cxn>
-              <a:cxn ang="0">
-                <a:pos x="connsiteX17" y="connsiteY17"/>
-              </a:cxn>
-              <a:cxn ang="0">
-                <a:pos x="connsiteX18" y="connsiteY18"/>
-              </a:cxn>
-              <a:cxn ang="0">
-                <a:pos x="connsiteX19" y="connsiteY19"/>
-              </a:cxn>
-              <a:cxn ang="0">
-                <a:pos x="connsiteX20" y="connsiteY20"/>
-              </a:cxn>
-              <a:cxn ang="0">
-                <a:pos x="connsiteX21" y="connsiteY21"/>
-              </a:cxn>
-              <a:cxn ang="0">
-                <a:pos x="connsiteX22" y="connsiteY22"/>
-              </a:cxn>
-              <a:cxn ang="0">
-                <a:pos x="connsiteX23" y="connsiteY23"/>
-              </a:cxn>
-              <a:cxn ang="0">
-                <a:pos x="connsiteX24" y="connsiteY24"/>
-              </a:cxn>
-              <a:cxn ang="0">
-                <a:pos x="connsiteX25" y="connsiteY25"/>
-              </a:cxn>
-              <a:cxn ang="0">
-                <a:pos x="connsiteX26" y="connsiteY26"/>
-              </a:cxn>
-              <a:cxn ang="0">
-                <a:pos x="connsiteX27" y="connsiteY27"/>
-              </a:cxn>
-              <a:cxn ang="0">
-                <a:pos x="connsiteX28" y="connsiteY28"/>
-              </a:cxn>
-              <a:cxn ang="0">
-                <a:pos x="connsiteX29" y="connsiteY29"/>
-              </a:cxn>
-              <a:cxn ang="0">
-                <a:pos x="connsiteX30" y="connsiteY30"/>
-              </a:cxn>
-              <a:cxn ang="0">
-                <a:pos x="connsiteX31" y="connsiteY31"/>
-              </a:cxn>
-              <a:cxn ang="0">
-                <a:pos x="connsiteX32" y="connsiteY32"/>
-              </a:cxn>
-              <a:cxn ang="0">
-                <a:pos x="connsiteX33" y="connsiteY33"/>
-              </a:cxn>
-              <a:cxn ang="0">
-                <a:pos x="connsiteX34" y="connsiteY34"/>
-              </a:cxn>
-              <a:cxn ang="0">
-                <a:pos x="connsiteX35" y="connsiteY35"/>
-              </a:cxn>
-              <a:cxn ang="0">
-                <a:pos x="connsiteX36" y="connsiteY36"/>
-              </a:cxn>
-              <a:cxn ang="0">
-                <a:pos x="connsiteX37" y="connsiteY37"/>
-              </a:cxn>
-              <a:cxn ang="0">
-                <a:pos x="connsiteX38" y="connsiteY38"/>
-              </a:cxn>
-              <a:cxn ang="0">
-                <a:pos x="connsiteX39" y="connsiteY39"/>
-              </a:cxn>
-            </a:cxnLst>
-            <a:rect l="l" t="t" r="r" b="b"/>
-            <a:pathLst>
-              <a:path w="3191647" h="2866152">
-                <a:moveTo>
-                  <a:pt x="949445" y="0"/>
-                </a:moveTo>
-                <a:lnTo>
-                  <a:pt x="2234352" y="0"/>
-                </a:lnTo>
-                <a:cubicBezTo>
-                  <a:pt x="2296501" y="0"/>
-                  <a:pt x="2354237" y="18893"/>
-                  <a:pt x="2402131" y="51249"/>
-                </a:cubicBezTo>
-                <a:lnTo>
-                  <a:pt x="2409685" y="57482"/>
-                </a:lnTo>
-                <a:lnTo>
-                  <a:pt x="2430115" y="70005"/>
-                </a:lnTo>
-                <a:cubicBezTo>
-                  <a:pt x="2461216" y="93504"/>
-                  <a:pt x="2488224" y="123489"/>
-                  <a:pt x="2508940" y="159371"/>
-                </a:cubicBezTo>
-                <a:lnTo>
-                  <a:pt x="3151394" y="1272133"/>
-                </a:lnTo>
-                <a:cubicBezTo>
-                  <a:pt x="3192826" y="1343897"/>
-                  <a:pt x="3201249" y="1425660"/>
-                  <a:pt x="3181372" y="1499841"/>
-                </a:cubicBezTo>
-                <a:lnTo>
-                  <a:pt x="3172981" y="1522315"/>
-                </a:lnTo>
-                <a:lnTo>
-                  <a:pt x="3170003" y="1535472"/>
-                </a:lnTo>
-                <a:cubicBezTo>
-                  <a:pt x="3163697" y="1554388"/>
-                  <a:pt x="3155402" y="1572954"/>
-                  <a:pt x="3145044" y="1590895"/>
-                </a:cubicBezTo>
-                <a:lnTo>
-                  <a:pt x="2502590" y="2703657"/>
-                </a:lnTo>
-                <a:lnTo>
-                  <a:pt x="2488794" y="2722817"/>
-                </a:lnTo>
-                <a:lnTo>
-                  <a:pt x="2482806" y="2733849"/>
-                </a:lnTo>
-                <a:lnTo>
-                  <a:pt x="2467439" y="2752474"/>
-                </a:lnTo>
-                <a:lnTo>
-                  <a:pt x="2467072" y="2752984"/>
-                </a:lnTo>
-                <a:lnTo>
-                  <a:pt x="2466846" y="2753192"/>
-                </a:lnTo>
-                <a:lnTo>
-                  <a:pt x="2446163" y="2778260"/>
-                </a:lnTo>
-                <a:cubicBezTo>
-                  <a:pt x="2391859" y="2832565"/>
-                  <a:pt x="2316839" y="2866152"/>
-                  <a:pt x="2233973" y="2866152"/>
-                </a:cubicBezTo>
-                <a:lnTo>
-                  <a:pt x="949066" y="2866152"/>
-                </a:lnTo>
-                <a:cubicBezTo>
-                  <a:pt x="845484" y="2866152"/>
-                  <a:pt x="754160" y="2813671"/>
-                  <a:pt x="700233" y="2733849"/>
-                </a:cubicBezTo>
-                <a:lnTo>
-                  <a:pt x="689623" y="2714300"/>
-                </a:lnTo>
-                <a:lnTo>
-                  <a:pt x="681960" y="2703658"/>
-                </a:lnTo>
-                <a:lnTo>
-                  <a:pt x="39506" y="1590896"/>
-                </a:lnTo>
-                <a:cubicBezTo>
-                  <a:pt x="18789" y="1555014"/>
-                  <a:pt x="6326" y="1516632"/>
-                  <a:pt x="1526" y="1477948"/>
-                </a:cubicBezTo>
-                <a:lnTo>
-                  <a:pt x="720" y="1447354"/>
-                </a:lnTo>
-                <a:lnTo>
-                  <a:pt x="0" y="1443059"/>
-                </a:lnTo>
-                <a:lnTo>
-                  <a:pt x="303" y="1431516"/>
-                </a:lnTo>
-                <a:lnTo>
-                  <a:pt x="0" y="1419970"/>
-                </a:lnTo>
-                <a:lnTo>
-                  <a:pt x="720" y="1415675"/>
-                </a:lnTo>
-                <a:lnTo>
-                  <a:pt x="1526" y="1385081"/>
-                </a:lnTo>
-                <a:cubicBezTo>
-                  <a:pt x="6326" y="1346398"/>
-                  <a:pt x="18789" y="1308016"/>
-                  <a:pt x="39506" y="1272134"/>
-                </a:cubicBezTo>
-                <a:lnTo>
-                  <a:pt x="681960" y="159372"/>
-                </a:lnTo>
-                <a:lnTo>
-                  <a:pt x="698045" y="137034"/>
-                </a:lnTo>
-                <a:lnTo>
-                  <a:pt x="700612" y="132303"/>
-                </a:lnTo>
-                <a:lnTo>
-                  <a:pt x="707202" y="124316"/>
-                </a:lnTo>
-                <a:lnTo>
-                  <a:pt x="717478" y="110046"/>
-                </a:lnTo>
-                <a:lnTo>
-                  <a:pt x="723796" y="104204"/>
-                </a:lnTo>
-                <a:lnTo>
-                  <a:pt x="737255" y="87892"/>
-                </a:lnTo>
-                <a:cubicBezTo>
-                  <a:pt x="791559" y="33588"/>
-                  <a:pt x="866580" y="0"/>
-                  <a:pt x="949445" y="0"/>
-                </a:cubicBezTo>
-                <a:close/>
-              </a:path>
-            </a:pathLst>
-          </a:custGeom>
-          <a:noFill/>
-          <a:ln w="25400">
-            <a:solidFill>
-              <a:schemeClr val="bg1">
-                <a:alpha val="22000"/>
-              </a:schemeClr>
-            </a:solidFill>
-          </a:ln>
-          <a:effectLst>
-            <a:outerShdw blurRad="571500" dist="342900" dir="2280000" algn="tl" rotWithShape="0">
-              <a:prstClr val="black">
-                <a:alpha val="15000"/>
-              </a:prstClr>
-            </a:outerShdw>
-          </a:effectLst>
-        </p:spPr>
-        <p:style>
-          <a:lnRef idx="2">
-            <a:schemeClr val="accent1">
-              <a:shade val="50000"/>
-            </a:schemeClr>
-          </a:lnRef>
-          <a:fillRef idx="1">
-            <a:schemeClr val="accent1"/>
-          </a:fillRef>
-          <a:effectRef idx="0">
-            <a:schemeClr val="accent1"/>
-          </a:effectRef>
-          <a:fontRef idx="minor">
-            <a:schemeClr val="lt1"/>
-          </a:fontRef>
-        </p:style>
-        <p:txBody>
-          <a:bodyPr rtlCol="0" anchor="ctr"/>
-          <a:lstStyle/>
-          <a:p>
-            <a:pPr algn="ctr"/>
-            <a:endParaRPr lang="zh-CN" altLang="en-US"/>
-          </a:p>
-        </p:txBody>
-      </p:sp>
-      <p:grpSp>
-        <p:nvGrpSpPr>
-          <p:cNvPr id="5" name="组合 4"/>
-          <p:cNvGrpSpPr/>
-          <p:nvPr/>
-        </p:nvGrpSpPr>
-        <p:grpSpPr>
-          <a:xfrm>
-            <a:off x="4706286" y="1447803"/>
-            <a:ext cx="2828456" cy="2540001"/>
-            <a:chOff x="4706287" y="1447803"/>
-            <a:chExt cx="2828456" cy="2540001"/>
-          </a:xfrm>
-        </p:grpSpPr>
-        <p:sp>
-          <p:nvSpPr>
-            <p:cNvPr id="3" name="任意多边形 2"/>
-            <p:cNvSpPr/>
-            <p:nvPr/>
-          </p:nvSpPr>
-          <p:spPr>
-            <a:xfrm>
-              <a:off x="4706287" y="1447803"/>
-              <a:ext cx="2828456" cy="2540001"/>
-            </a:xfrm>
-            <a:custGeom>
-              <a:avLst/>
-              <a:gdLst>
-                <a:gd name="connsiteX0" fmla="*/ 949445 w 3191647"/>
-                <a:gd name="connsiteY0" fmla="*/ 0 h 2866152"/>
-                <a:gd name="connsiteX1" fmla="*/ 2234352 w 3191647"/>
-                <a:gd name="connsiteY1" fmla="*/ 0 h 2866152"/>
-                <a:gd name="connsiteX2" fmla="*/ 2402131 w 3191647"/>
-                <a:gd name="connsiteY2" fmla="*/ 51249 h 2866152"/>
-                <a:gd name="connsiteX3" fmla="*/ 2409685 w 3191647"/>
-                <a:gd name="connsiteY3" fmla="*/ 57482 h 2866152"/>
-                <a:gd name="connsiteX4" fmla="*/ 2430115 w 3191647"/>
-                <a:gd name="connsiteY4" fmla="*/ 70005 h 2866152"/>
-                <a:gd name="connsiteX5" fmla="*/ 2508940 w 3191647"/>
-                <a:gd name="connsiteY5" fmla="*/ 159371 h 2866152"/>
-                <a:gd name="connsiteX6" fmla="*/ 3151394 w 3191647"/>
-                <a:gd name="connsiteY6" fmla="*/ 1272133 h 2866152"/>
-                <a:gd name="connsiteX7" fmla="*/ 3181372 w 3191647"/>
-                <a:gd name="connsiteY7" fmla="*/ 1499841 h 2866152"/>
-                <a:gd name="connsiteX8" fmla="*/ 3172981 w 3191647"/>
-                <a:gd name="connsiteY8" fmla="*/ 1522315 h 2866152"/>
-                <a:gd name="connsiteX9" fmla="*/ 3170003 w 3191647"/>
-                <a:gd name="connsiteY9" fmla="*/ 1535472 h 2866152"/>
-                <a:gd name="connsiteX10" fmla="*/ 3145044 w 3191647"/>
-                <a:gd name="connsiteY10" fmla="*/ 1590895 h 2866152"/>
-                <a:gd name="connsiteX11" fmla="*/ 2502590 w 3191647"/>
-                <a:gd name="connsiteY11" fmla="*/ 2703657 h 2866152"/>
-                <a:gd name="connsiteX12" fmla="*/ 2488794 w 3191647"/>
-                <a:gd name="connsiteY12" fmla="*/ 2722817 h 2866152"/>
-                <a:gd name="connsiteX13" fmla="*/ 2482806 w 3191647"/>
-                <a:gd name="connsiteY13" fmla="*/ 2733849 h 2866152"/>
-                <a:gd name="connsiteX14" fmla="*/ 2467439 w 3191647"/>
-                <a:gd name="connsiteY14" fmla="*/ 2752474 h 2866152"/>
-                <a:gd name="connsiteX15" fmla="*/ 2467072 w 3191647"/>
-                <a:gd name="connsiteY15" fmla="*/ 2752984 h 2866152"/>
-                <a:gd name="connsiteX16" fmla="*/ 2466846 w 3191647"/>
-                <a:gd name="connsiteY16" fmla="*/ 2753192 h 2866152"/>
-                <a:gd name="connsiteX17" fmla="*/ 2446163 w 3191647"/>
-                <a:gd name="connsiteY17" fmla="*/ 2778260 h 2866152"/>
-                <a:gd name="connsiteX18" fmla="*/ 2233973 w 3191647"/>
-                <a:gd name="connsiteY18" fmla="*/ 2866152 h 2866152"/>
-                <a:gd name="connsiteX19" fmla="*/ 949066 w 3191647"/>
-                <a:gd name="connsiteY19" fmla="*/ 2866152 h 2866152"/>
-                <a:gd name="connsiteX20" fmla="*/ 700233 w 3191647"/>
-                <a:gd name="connsiteY20" fmla="*/ 2733849 h 2866152"/>
-                <a:gd name="connsiteX21" fmla="*/ 689623 w 3191647"/>
-                <a:gd name="connsiteY21" fmla="*/ 2714300 h 2866152"/>
-                <a:gd name="connsiteX22" fmla="*/ 681960 w 3191647"/>
-                <a:gd name="connsiteY22" fmla="*/ 2703658 h 2866152"/>
-                <a:gd name="connsiteX23" fmla="*/ 39506 w 3191647"/>
-                <a:gd name="connsiteY23" fmla="*/ 1590896 h 2866152"/>
-                <a:gd name="connsiteX24" fmla="*/ 1526 w 3191647"/>
-                <a:gd name="connsiteY24" fmla="*/ 1477948 h 2866152"/>
-                <a:gd name="connsiteX25" fmla="*/ 720 w 3191647"/>
-                <a:gd name="connsiteY25" fmla="*/ 1447354 h 2866152"/>
-                <a:gd name="connsiteX26" fmla="*/ 0 w 3191647"/>
-                <a:gd name="connsiteY26" fmla="*/ 1443059 h 2866152"/>
-                <a:gd name="connsiteX27" fmla="*/ 303 w 3191647"/>
-                <a:gd name="connsiteY27" fmla="*/ 1431516 h 2866152"/>
-                <a:gd name="connsiteX28" fmla="*/ 0 w 3191647"/>
-                <a:gd name="connsiteY28" fmla="*/ 1419970 h 2866152"/>
-                <a:gd name="connsiteX29" fmla="*/ 720 w 3191647"/>
-                <a:gd name="connsiteY29" fmla="*/ 1415675 h 2866152"/>
-                <a:gd name="connsiteX30" fmla="*/ 1526 w 3191647"/>
-                <a:gd name="connsiteY30" fmla="*/ 1385081 h 2866152"/>
-                <a:gd name="connsiteX31" fmla="*/ 39506 w 3191647"/>
-                <a:gd name="connsiteY31" fmla="*/ 1272134 h 2866152"/>
-                <a:gd name="connsiteX32" fmla="*/ 681960 w 3191647"/>
-                <a:gd name="connsiteY32" fmla="*/ 159372 h 2866152"/>
-                <a:gd name="connsiteX33" fmla="*/ 698045 w 3191647"/>
-                <a:gd name="connsiteY33" fmla="*/ 137034 h 2866152"/>
-                <a:gd name="connsiteX34" fmla="*/ 700612 w 3191647"/>
-                <a:gd name="connsiteY34" fmla="*/ 132303 h 2866152"/>
-                <a:gd name="connsiteX35" fmla="*/ 707202 w 3191647"/>
-                <a:gd name="connsiteY35" fmla="*/ 124316 h 2866152"/>
-                <a:gd name="connsiteX36" fmla="*/ 717478 w 3191647"/>
-                <a:gd name="connsiteY36" fmla="*/ 110046 h 2866152"/>
-                <a:gd name="connsiteX37" fmla="*/ 723796 w 3191647"/>
-                <a:gd name="connsiteY37" fmla="*/ 104204 h 2866152"/>
-                <a:gd name="connsiteX38" fmla="*/ 737255 w 3191647"/>
-                <a:gd name="connsiteY38" fmla="*/ 87892 h 2866152"/>
-                <a:gd name="connsiteX39" fmla="*/ 949445 w 3191647"/>
-                <a:gd name="connsiteY39" fmla="*/ 0 h 2866152"/>
-              </a:gdLst>
-              <a:ahLst/>
-              <a:cxnLst>
-                <a:cxn ang="0">
-                  <a:pos x="connsiteX0" y="connsiteY0"/>
-                </a:cxn>
-                <a:cxn ang="0">
-                  <a:pos x="connsiteX1" y="connsiteY1"/>
-                </a:cxn>
-                <a:cxn ang="0">
-                  <a:pos x="connsiteX2" y="connsiteY2"/>
-                </a:cxn>
-                <a:cxn ang="0">
-                  <a:pos x="connsiteX3" y="connsiteY3"/>
-                </a:cxn>
-                <a:cxn ang="0">
-                  <a:pos x="connsiteX4" y="connsiteY4"/>
-                </a:cxn>
-                <a:cxn ang="0">
-                  <a:pos x="connsiteX5" y="connsiteY5"/>
-                </a:cxn>
-                <a:cxn ang="0">
-                  <a:pos x="connsiteX6" y="connsiteY6"/>
-                </a:cxn>
-                <a:cxn ang="0">
-                  <a:pos x="connsiteX7" y="connsiteY7"/>
-                </a:cxn>
-                <a:cxn ang="0">
-                  <a:pos x="connsiteX8" y="connsiteY8"/>
-                </a:cxn>
-                <a:cxn ang="0">
-                  <a:pos x="connsiteX9" y="connsiteY9"/>
-                </a:cxn>
-                <a:cxn ang="0">
-                  <a:pos x="connsiteX10" y="connsiteY10"/>
-                </a:cxn>
-                <a:cxn ang="0">
-                  <a:pos x="connsiteX11" y="connsiteY11"/>
-                </a:cxn>
-                <a:cxn ang="0">
-                  <a:pos x="connsiteX12" y="connsiteY12"/>
-                </a:cxn>
-                <a:cxn ang="0">
-                  <a:pos x="connsiteX13" y="connsiteY13"/>
-                </a:cxn>
-                <a:cxn ang="0">
-                  <a:pos x="connsiteX14" y="connsiteY14"/>
-                </a:cxn>
-                <a:cxn ang="0">
-                  <a:pos x="connsiteX15" y="connsiteY15"/>
-                </a:cxn>
-                <a:cxn ang="0">
-                  <a:pos x="connsiteX16" y="connsiteY16"/>
-                </a:cxn>
-                <a:cxn ang="0">
-                  <a:pos x="connsiteX17" y="connsiteY17"/>
-                </a:cxn>
-                <a:cxn ang="0">
-                  <a:pos x="connsiteX18" y="connsiteY18"/>
-                </a:cxn>
-                <a:cxn ang="0">
-                  <a:pos x="connsiteX19" y="connsiteY19"/>
-                </a:cxn>
-                <a:cxn ang="0">
-                  <a:pos x="connsiteX20" y="connsiteY20"/>
-                </a:cxn>
-                <a:cxn ang="0">
-                  <a:pos x="connsiteX21" y="connsiteY21"/>
-                </a:cxn>
-                <a:cxn ang="0">
-                  <a:pos x="connsiteX22" y="connsiteY22"/>
-                </a:cxn>
-                <a:cxn ang="0">
-                  <a:pos x="connsiteX23" y="connsiteY23"/>
-                </a:cxn>
-                <a:cxn ang="0">
-                  <a:pos x="connsiteX24" y="connsiteY24"/>
-                </a:cxn>
-                <a:cxn ang="0">
-                  <a:pos x="connsiteX25" y="connsiteY25"/>
-                </a:cxn>
-                <a:cxn ang="0">
-                  <a:pos x="connsiteX26" y="connsiteY26"/>
-                </a:cxn>
-                <a:cxn ang="0">
-                  <a:pos x="connsiteX27" y="connsiteY27"/>
-                </a:cxn>
-                <a:cxn ang="0">
-                  <a:pos x="connsiteX28" y="connsiteY28"/>
-                </a:cxn>
-                <a:cxn ang="0">
-                  <a:pos x="connsiteX29" y="connsiteY29"/>
-                </a:cxn>
-                <a:cxn ang="0">
-                  <a:pos x="connsiteX30" y="connsiteY30"/>
-                </a:cxn>
-                <a:cxn ang="0">
-                  <a:pos x="connsiteX31" y="connsiteY31"/>
-                </a:cxn>
-                <a:cxn ang="0">
-                  <a:pos x="connsiteX32" y="connsiteY32"/>
-                </a:cxn>
-                <a:cxn ang="0">
-                  <a:pos x="connsiteX33" y="connsiteY33"/>
-                </a:cxn>
-                <a:cxn ang="0">
-                  <a:pos x="connsiteX34" y="connsiteY34"/>
-                </a:cxn>
-                <a:cxn ang="0">
-                  <a:pos x="connsiteX35" y="connsiteY35"/>
-                </a:cxn>
-                <a:cxn ang="0">
-                  <a:pos x="connsiteX36" y="connsiteY36"/>
-                </a:cxn>
-                <a:cxn ang="0">
-                  <a:pos x="connsiteX37" y="connsiteY37"/>
-                </a:cxn>
-                <a:cxn ang="0">
-                  <a:pos x="connsiteX38" y="connsiteY38"/>
-                </a:cxn>
-                <a:cxn ang="0">
-                  <a:pos x="connsiteX39" y="connsiteY39"/>
-                </a:cxn>
-              </a:cxnLst>
-              <a:rect l="l" t="t" r="r" b="b"/>
-              <a:pathLst>
-                <a:path w="3191647" h="2866152">
-                  <a:moveTo>
-                    <a:pt x="949445" y="0"/>
-                  </a:moveTo>
-                  <a:lnTo>
-                    <a:pt x="2234352" y="0"/>
-                  </a:lnTo>
-                  <a:cubicBezTo>
-                    <a:pt x="2296501" y="0"/>
-                    <a:pt x="2354237" y="18893"/>
-                    <a:pt x="2402131" y="51249"/>
-                  </a:cubicBezTo>
-                  <a:lnTo>
-                    <a:pt x="2409685" y="57482"/>
-                  </a:lnTo>
-                  <a:lnTo>
-                    <a:pt x="2430115" y="70005"/>
-                  </a:lnTo>
-                  <a:cubicBezTo>
-                    <a:pt x="2461216" y="93504"/>
-                    <a:pt x="2488224" y="123489"/>
-                    <a:pt x="2508940" y="159371"/>
-                  </a:cubicBezTo>
-                  <a:lnTo>
-                    <a:pt x="3151394" y="1272133"/>
-                  </a:lnTo>
-                  <a:cubicBezTo>
-                    <a:pt x="3192826" y="1343897"/>
-                    <a:pt x="3201249" y="1425660"/>
-                    <a:pt x="3181372" y="1499841"/>
-                  </a:cubicBezTo>
-                  <a:lnTo>
-                    <a:pt x="3172981" y="1522315"/>
-                  </a:lnTo>
-                  <a:lnTo>
-                    <a:pt x="3170003" y="1535472"/>
-                  </a:lnTo>
-                  <a:cubicBezTo>
-                    <a:pt x="3163697" y="1554388"/>
-                    <a:pt x="3155402" y="1572954"/>
-                    <a:pt x="3145044" y="1590895"/>
-                  </a:cubicBezTo>
-                  <a:lnTo>
-                    <a:pt x="2502590" y="2703657"/>
-                  </a:lnTo>
-                  <a:lnTo>
-                    <a:pt x="2488794" y="2722817"/>
-                  </a:lnTo>
-                  <a:lnTo>
-                    <a:pt x="2482806" y="2733849"/>
-                  </a:lnTo>
-                  <a:lnTo>
-                    <a:pt x="2467439" y="2752474"/>
-                  </a:lnTo>
-                  <a:lnTo>
-                    <a:pt x="2467072" y="2752984"/>
-                  </a:lnTo>
-                  <a:lnTo>
-                    <a:pt x="2466846" y="2753192"/>
-                  </a:lnTo>
-                  <a:lnTo>
-                    <a:pt x="2446163" y="2778260"/>
-                  </a:lnTo>
-                  <a:cubicBezTo>
-                    <a:pt x="2391859" y="2832565"/>
-                    <a:pt x="2316839" y="2866152"/>
-                    <a:pt x="2233973" y="2866152"/>
-                  </a:cubicBezTo>
-                  <a:lnTo>
-                    <a:pt x="949066" y="2866152"/>
-                  </a:lnTo>
-                  <a:cubicBezTo>
-                    <a:pt x="845484" y="2866152"/>
-                    <a:pt x="754160" y="2813671"/>
-                    <a:pt x="700233" y="2733849"/>
-                  </a:cubicBezTo>
-                  <a:lnTo>
-                    <a:pt x="689623" y="2714300"/>
-                  </a:lnTo>
-                  <a:lnTo>
-                    <a:pt x="681960" y="2703658"/>
-                  </a:lnTo>
-                  <a:lnTo>
-                    <a:pt x="39506" y="1590896"/>
-                  </a:lnTo>
-                  <a:cubicBezTo>
-                    <a:pt x="18789" y="1555014"/>
-                    <a:pt x="6326" y="1516632"/>
-                    <a:pt x="1526" y="1477948"/>
-                  </a:cubicBezTo>
-                  <a:lnTo>
-                    <a:pt x="720" y="1447354"/>
-                  </a:lnTo>
-                  <a:lnTo>
-                    <a:pt x="0" y="1443059"/>
-                  </a:lnTo>
-                  <a:lnTo>
-                    <a:pt x="303" y="1431516"/>
-                  </a:lnTo>
-                  <a:lnTo>
-                    <a:pt x="0" y="1419970"/>
-                  </a:lnTo>
-                  <a:lnTo>
-                    <a:pt x="720" y="1415675"/>
-                  </a:lnTo>
-                  <a:lnTo>
-                    <a:pt x="1526" y="1385081"/>
-                  </a:lnTo>
-                  <a:cubicBezTo>
-                    <a:pt x="6326" y="1346398"/>
-                    <a:pt x="18789" y="1308016"/>
-                    <a:pt x="39506" y="1272134"/>
-                  </a:cubicBezTo>
-                  <a:lnTo>
-                    <a:pt x="681960" y="159372"/>
-                  </a:lnTo>
-                  <a:lnTo>
-                    <a:pt x="698045" y="137034"/>
-                  </a:lnTo>
-                  <a:lnTo>
-                    <a:pt x="700612" y="132303"/>
-                  </a:lnTo>
-                  <a:lnTo>
-                    <a:pt x="707202" y="124316"/>
-                  </a:lnTo>
-                  <a:lnTo>
-                    <a:pt x="717478" y="110046"/>
-                  </a:lnTo>
-                  <a:lnTo>
-                    <a:pt x="723796" y="104204"/>
-                  </a:lnTo>
-                  <a:lnTo>
-                    <a:pt x="737255" y="87892"/>
-                  </a:lnTo>
-                  <a:cubicBezTo>
-                    <a:pt x="791559" y="33588"/>
-                    <a:pt x="866580" y="0"/>
-                    <a:pt x="949445" y="0"/>
-                  </a:cubicBezTo>
-                  <a:close/>
-                </a:path>
-              </a:pathLst>
-            </a:custGeom>
-            <a:gradFill>
-              <a:gsLst>
-                <a:gs pos="0">
-                  <a:srgbClr val="E5E5E5"/>
-                </a:gs>
-                <a:gs pos="100000">
-                  <a:srgbClr val="FEFEFE"/>
-                </a:gs>
-              </a:gsLst>
-              <a:lin ang="5400000" scaled="1"/>
-            </a:gradFill>
-            <a:ln w="25400">
-              <a:gradFill>
-                <a:gsLst>
-                  <a:gs pos="0">
-                    <a:schemeClr val="accent1">
-                      <a:lumMod val="5000"/>
-                      <a:lumOff val="95000"/>
-                    </a:schemeClr>
-                  </a:gs>
-                  <a:gs pos="100000">
-                    <a:srgbClr val="E0E0E0"/>
-                  </a:gs>
-                </a:gsLst>
-                <a:lin ang="5400000" scaled="1"/>
-              </a:gradFill>
-            </a:ln>
-            <a:effectLst>
-              <a:outerShdw blurRad="571500" dist="342900" dir="2280000" algn="tl" rotWithShape="0">
-                <a:prstClr val="black">
-                  <a:alpha val="15000"/>
-                </a:prstClr>
-              </a:outerShdw>
-            </a:effectLst>
-          </p:spPr>
-          <p:style>
-            <a:lnRef idx="2">
-              <a:schemeClr val="accent1">
-                <a:shade val="50000"/>
-              </a:schemeClr>
-            </a:lnRef>
-            <a:fillRef idx="1">
-              <a:schemeClr val="accent1"/>
-            </a:fillRef>
-            <a:effectRef idx="0">
-              <a:schemeClr val="accent1"/>
-            </a:effectRef>
-            <a:fontRef idx="minor">
-              <a:schemeClr val="lt1"/>
-            </a:fontRef>
-          </p:style>
-          <p:txBody>
-            <a:bodyPr rtlCol="0" anchor="ctr"/>
-            <a:lstStyle/>
-            <a:p>
-              <a:pPr algn="ctr"/>
-              <a:endParaRPr lang="zh-CN" altLang="en-US"/>
-            </a:p>
-          </p:txBody>
-        </p:sp>
-        <p:sp>
-          <p:nvSpPr>
-            <p:cNvPr id="16" name="文本框 15"/>
-            <p:cNvSpPr txBox="1"/>
-            <p:nvPr/>
-          </p:nvSpPr>
-          <p:spPr>
-            <a:xfrm>
-              <a:off x="5280713" y="1609807"/>
-              <a:ext cx="1630575" cy="2215991"/>
-            </a:xfrm>
-            <a:prstGeom prst="rect">
-              <a:avLst/>
-            </a:prstGeom>
-            <a:noFill/>
-          </p:spPr>
-          <p:txBody>
-            <a:bodyPr wrap="none" rtlCol="0">
-              <a:spAutoFit/>
-            </a:bodyPr>
-            <a:lstStyle/>
-            <a:p>
-              <a:r>
-                <a:rPr lang="en-US" altLang="zh-CN" sz="13800" dirty="0">
-                  <a:solidFill>
-                    <a:srgbClr val="18B0E3"/>
-                  </a:solidFill>
-                  <a:latin typeface="Agency FB" panose="020B0503020202020204" pitchFamily="34" charset="0"/>
-                </a:rPr>
-                <a:t>04</a:t>
-              </a:r>
-            </a:p>
-          </p:txBody>
-        </p:sp>
-      </p:grpSp>
-      <p:sp>
-        <p:nvSpPr>
-          <p:cNvPr id="21" name="文本框 20"/>
-          <p:cNvSpPr txBox="1"/>
-          <p:nvPr/>
-        </p:nvSpPr>
-        <p:spPr>
-          <a:xfrm>
-            <a:off x="4250055" y="4807585"/>
-            <a:ext cx="3903345" cy="707886"/>
+            <a:off x="745598" y="1383759"/>
+            <a:ext cx="10492603" cy="4910038"/>
           </a:xfrm>
           <a:prstGeom prst="rect">
             <a:avLst/>
           </a:prstGeom>
-          <a:noFill/>
-          <a:effectLst>
-            <a:outerShdw blurRad="63500" dist="38100" dir="5400000" algn="t" rotWithShape="0">
-              <a:prstClr val="black">
-                <a:alpha val="27000"/>
-              </a:prstClr>
-            </a:outerShdw>
-          </a:effectLst>
         </p:spPr>
-        <p:txBody>
-          <a:bodyPr wrap="square" rtlCol="0">
-            <a:spAutoFit/>
-          </a:bodyPr>
-          <a:lstStyle/>
-          <a:p>
-            <a:pPr algn="ctr"/>
-            <a:r>
-              <a:rPr lang="en-US" altLang="zh-CN" sz="4000" b="1" dirty="0">
-                <a:solidFill>
-                  <a:schemeClr val="bg1"/>
-                </a:solidFill>
-                <a:latin typeface="Corbel" panose="020B0503020204020204" charset="0"/>
-                <a:ea typeface="方正正纤黑简体" panose="02000000000000000000" pitchFamily="2" charset="-122"/>
-              </a:rPr>
-              <a:t>.</a:t>
-            </a:r>
-            <a:r>
-              <a:rPr lang="en-US" altLang="zh-CN" sz="4000" b="1" dirty="0" err="1">
-                <a:solidFill>
-                  <a:schemeClr val="bg1"/>
-                </a:solidFill>
-                <a:latin typeface="Corbel" panose="020B0503020204020204" charset="0"/>
-                <a:ea typeface="方正正纤黑简体" panose="02000000000000000000" pitchFamily="2" charset="-122"/>
-              </a:rPr>
-              <a:t>Vue</a:t>
-            </a:r>
-            <a:r>
-              <a:rPr lang="zh-CN" altLang="en-US" sz="4000" b="1" dirty="0">
-                <a:solidFill>
-                  <a:schemeClr val="bg1"/>
-                </a:solidFill>
-                <a:latin typeface="Corbel" panose="020B0503020204020204" charset="0"/>
-                <a:ea typeface="方正正纤黑简体" panose="02000000000000000000" pitchFamily="2" charset="-122"/>
-              </a:rPr>
-              <a:t>文件</a:t>
-            </a:r>
-            <a:endParaRPr lang="en-US" altLang="zh-CN" sz="4000" b="1" dirty="0">
-              <a:solidFill>
-                <a:schemeClr val="bg1"/>
-              </a:solidFill>
-              <a:latin typeface="Corbel" panose="020B0503020204020204" charset="0"/>
-              <a:ea typeface="方正正纤黑简体" panose="02000000000000000000" pitchFamily="2" charset="-122"/>
-            </a:endParaRPr>
-          </a:p>
-        </p:txBody>
-      </p:sp>
+      </p:pic>
     </p:spTree>
     <p:extLst>
       <p:ext uri="{BB962C8B-B14F-4D97-AF65-F5344CB8AC3E}">
-        <p14:creationId xmlns:p14="http://schemas.microsoft.com/office/powerpoint/2010/main" val="3086741215"/>
+        <p14:creationId xmlns:p14="http://schemas.microsoft.com/office/powerpoint/2010/main" val="213653937"/>
       </p:ext>
     </p:extLst>
   </p:cSld>
   <p:clrMapOvr>
     <a:masterClrMapping/>
   </p:clrMapOvr>
-  <p:timing>
-    <p:tnLst>
-      <p:par>
-        <p:cTn id="1" dur="indefinite" restart="never" nodeType="tmRoot">
-          <p:childTnLst>
-            <p:seq concurrent="1" nextAc="seek">
-              <p:cTn id="2" dur="indefinite" nodeType="mainSeq">
-                <p:childTnLst>
-                  <p:par>
-                    <p:cTn id="3" fill="hold">
-                      <p:stCondLst>
-                        <p:cond delay="indefinite"/>
-                        <p:cond evt="onBegin" delay="0">
-                          <p:tn val="2"/>
-                        </p:cond>
-                      </p:stCondLst>
-                      <p:childTnLst>
-                        <p:par>
-                          <p:cTn id="4" fill="hold">
-                            <p:stCondLst>
-                              <p:cond delay="0"/>
-                            </p:stCondLst>
-                            <p:childTnLst>
-                              <p:par>
-                                <p:cTn id="5" presetID="53" presetClass="entr" presetSubtype="16" fill="hold" nodeType="afterEffect">
-                                  <p:stCondLst>
-                                    <p:cond delay="0"/>
-                                  </p:stCondLst>
-                                  <p:childTnLst>
-                                    <p:set>
-                                      <p:cBhvr>
-                                        <p:cTn id="6" dur="1" fill="hold">
-                                          <p:stCondLst>
-                                            <p:cond delay="0"/>
-                                          </p:stCondLst>
-                                        </p:cTn>
-                                        <p:tgtEl>
-                                          <p:spTgt spid="5"/>
-                                        </p:tgtEl>
-                                        <p:attrNameLst>
-                                          <p:attrName>style.visibility</p:attrName>
-                                        </p:attrNameLst>
-                                      </p:cBhvr>
-                                      <p:to>
-                                        <p:strVal val="visible"/>
-                                      </p:to>
-                                    </p:set>
-                                    <p:anim calcmode="lin" valueType="num">
-                                      <p:cBhvr>
-                                        <p:cTn id="7" dur="500" fill="hold"/>
-                                        <p:tgtEl>
-                                          <p:spTgt spid="5"/>
-                                        </p:tgtEl>
-                                        <p:attrNameLst>
-                                          <p:attrName>ppt_w</p:attrName>
-                                        </p:attrNameLst>
-                                      </p:cBhvr>
-                                      <p:tavLst>
-                                        <p:tav tm="0">
-                                          <p:val>
-                                            <p:fltVal val="0"/>
-                                          </p:val>
-                                        </p:tav>
-                                        <p:tav tm="100000">
-                                          <p:val>
-                                            <p:strVal val="#ppt_w"/>
-                                          </p:val>
-                                        </p:tav>
-                                      </p:tavLst>
-                                    </p:anim>
-                                    <p:anim calcmode="lin" valueType="num">
-                                      <p:cBhvr>
-                                        <p:cTn id="8" dur="500" fill="hold"/>
-                                        <p:tgtEl>
-                                          <p:spTgt spid="5"/>
-                                        </p:tgtEl>
-                                        <p:attrNameLst>
-                                          <p:attrName>ppt_h</p:attrName>
-                                        </p:attrNameLst>
-                                      </p:cBhvr>
-                                      <p:tavLst>
-                                        <p:tav tm="0">
-                                          <p:val>
-                                            <p:fltVal val="0"/>
-                                          </p:val>
-                                        </p:tav>
-                                        <p:tav tm="100000">
-                                          <p:val>
-                                            <p:strVal val="#ppt_h"/>
-                                          </p:val>
-                                        </p:tav>
-                                      </p:tavLst>
-                                    </p:anim>
-                                    <p:animEffect transition="in" filter="fade">
-                                      <p:cBhvr>
-                                        <p:cTn id="9" dur="500"/>
-                                        <p:tgtEl>
-                                          <p:spTgt spid="5"/>
-                                        </p:tgtEl>
-                                      </p:cBhvr>
-                                    </p:animEffect>
-                                  </p:childTnLst>
-                                </p:cTn>
-                              </p:par>
-                              <p:par>
-                                <p:cTn id="10" presetID="47" presetClass="entr" presetSubtype="0" fill="hold" grpId="0" nodeType="withEffect">
-                                  <p:stCondLst>
-                                    <p:cond delay="0"/>
-                                  </p:stCondLst>
-                                  <p:childTnLst>
-                                    <p:set>
-                                      <p:cBhvr>
-                                        <p:cTn id="11" dur="1" fill="hold">
-                                          <p:stCondLst>
-                                            <p:cond delay="0"/>
-                                          </p:stCondLst>
-                                        </p:cTn>
-                                        <p:tgtEl>
-                                          <p:spTgt spid="21"/>
-                                        </p:tgtEl>
-                                        <p:attrNameLst>
-                                          <p:attrName>style.visibility</p:attrName>
-                                        </p:attrNameLst>
-                                      </p:cBhvr>
-                                      <p:to>
-                                        <p:strVal val="visible"/>
-                                      </p:to>
-                                    </p:set>
-                                    <p:animEffect transition="in" filter="fade">
-                                      <p:cBhvr>
-                                        <p:cTn id="12" dur="600"/>
-                                        <p:tgtEl>
-                                          <p:spTgt spid="21"/>
-                                        </p:tgtEl>
-                                      </p:cBhvr>
-                                    </p:animEffect>
-                                    <p:anim calcmode="lin" valueType="num">
-                                      <p:cBhvr>
-                                        <p:cTn id="13" dur="600" fill="hold"/>
-                                        <p:tgtEl>
-                                          <p:spTgt spid="21"/>
-                                        </p:tgtEl>
-                                        <p:attrNameLst>
-                                          <p:attrName>ppt_x</p:attrName>
-                                        </p:attrNameLst>
-                                      </p:cBhvr>
-                                      <p:tavLst>
-                                        <p:tav tm="0">
-                                          <p:val>
-                                            <p:strVal val="#ppt_x"/>
-                                          </p:val>
-                                        </p:tav>
-                                        <p:tav tm="100000">
-                                          <p:val>
-                                            <p:strVal val="#ppt_x"/>
-                                          </p:val>
-                                        </p:tav>
-                                      </p:tavLst>
-                                    </p:anim>
-                                    <p:anim calcmode="lin" valueType="num">
-                                      <p:cBhvr>
-                                        <p:cTn id="14" dur="600" fill="hold"/>
-                                        <p:tgtEl>
-                                          <p:spTgt spid="21"/>
-                                        </p:tgtEl>
-                                        <p:attrNameLst>
-                                          <p:attrName>ppt_y</p:attrName>
-                                        </p:attrNameLst>
-                                      </p:cBhvr>
-                                      <p:tavLst>
-                                        <p:tav tm="0">
-                                          <p:val>
-                                            <p:strVal val="#ppt_y-.1"/>
-                                          </p:val>
-                                        </p:tav>
-                                        <p:tav tm="100000">
-                                          <p:val>
-                                            <p:strVal val="#ppt_y"/>
-                                          </p:val>
-                                        </p:tav>
-                                      </p:tavLst>
-                                    </p:anim>
-                                  </p:childTnLst>
-                                </p:cTn>
-                              </p:par>
-                              <p:par>
-                                <p:cTn id="15" presetID="49" presetClass="entr" presetSubtype="0" decel="100000" fill="hold" grpId="0" nodeType="withEffect">
-                                  <p:stCondLst>
-                                    <p:cond delay="0"/>
-                                  </p:stCondLst>
-                                  <p:childTnLst>
-                                    <p:set>
-                                      <p:cBhvr>
-                                        <p:cTn id="16" dur="1" fill="hold">
-                                          <p:stCondLst>
-                                            <p:cond delay="0"/>
-                                          </p:stCondLst>
-                                        </p:cTn>
-                                        <p:tgtEl>
-                                          <p:spTgt spid="15"/>
-                                        </p:tgtEl>
-                                        <p:attrNameLst>
-                                          <p:attrName>style.visibility</p:attrName>
-                                        </p:attrNameLst>
-                                      </p:cBhvr>
-                                      <p:to>
-                                        <p:strVal val="visible"/>
-                                      </p:to>
-                                    </p:set>
-                                    <p:anim calcmode="lin" valueType="num">
-                                      <p:cBhvr>
-                                        <p:cTn id="17" dur="500" fill="hold"/>
-                                        <p:tgtEl>
-                                          <p:spTgt spid="15"/>
-                                        </p:tgtEl>
-                                        <p:attrNameLst>
-                                          <p:attrName>ppt_w</p:attrName>
-                                        </p:attrNameLst>
-                                      </p:cBhvr>
-                                      <p:tavLst>
-                                        <p:tav tm="0">
-                                          <p:val>
-                                            <p:fltVal val="0"/>
-                                          </p:val>
-                                        </p:tav>
-                                        <p:tav tm="100000">
-                                          <p:val>
-                                            <p:strVal val="#ppt_w"/>
-                                          </p:val>
-                                        </p:tav>
-                                      </p:tavLst>
-                                    </p:anim>
-                                    <p:anim calcmode="lin" valueType="num">
-                                      <p:cBhvr>
-                                        <p:cTn id="18" dur="500" fill="hold"/>
-                                        <p:tgtEl>
-                                          <p:spTgt spid="15"/>
-                                        </p:tgtEl>
-                                        <p:attrNameLst>
-                                          <p:attrName>ppt_h</p:attrName>
-                                        </p:attrNameLst>
-                                      </p:cBhvr>
-                                      <p:tavLst>
-                                        <p:tav tm="0">
-                                          <p:val>
-                                            <p:fltVal val="0"/>
-                                          </p:val>
-                                        </p:tav>
-                                        <p:tav tm="100000">
-                                          <p:val>
-                                            <p:strVal val="#ppt_h"/>
-                                          </p:val>
-                                        </p:tav>
-                                      </p:tavLst>
-                                    </p:anim>
-                                    <p:anim calcmode="lin" valueType="num">
-                                      <p:cBhvr>
-                                        <p:cTn id="19" dur="500" fill="hold"/>
-                                        <p:tgtEl>
-                                          <p:spTgt spid="15"/>
-                                        </p:tgtEl>
-                                        <p:attrNameLst>
-                                          <p:attrName>style.rotation</p:attrName>
-                                        </p:attrNameLst>
-                                      </p:cBhvr>
-                                      <p:tavLst>
-                                        <p:tav tm="0">
-                                          <p:val>
-                                            <p:fltVal val="360"/>
-                                          </p:val>
-                                        </p:tav>
-                                        <p:tav tm="100000">
-                                          <p:val>
-                                            <p:fltVal val="0"/>
-                                          </p:val>
-                                        </p:tav>
-                                      </p:tavLst>
-                                    </p:anim>
-                                    <p:animEffect transition="in" filter="fade">
-                                      <p:cBhvr>
-                                        <p:cTn id="20" dur="500"/>
-                                        <p:tgtEl>
-                                          <p:spTgt spid="15"/>
-                                        </p:tgtEl>
-                                      </p:cBhvr>
-                                    </p:animEffect>
-                                  </p:childTnLst>
-                                </p:cTn>
-                              </p:par>
-                            </p:childTnLst>
-                          </p:cTn>
-                        </p:par>
-                      </p:childTnLst>
-                    </p:cTn>
-                  </p:par>
-                </p:childTnLst>
-              </p:cTn>
-              <p:prevCondLst>
-                <p:cond evt="onPrev" delay="0">
-                  <p:tgtEl>
-                    <p:sldTgt/>
-                  </p:tgtEl>
-                </p:cond>
-              </p:prevCondLst>
-              <p:nextCondLst>
-                <p:cond evt="onNext" delay="0">
-                  <p:tgtEl>
-                    <p:sldTgt/>
-                  </p:tgtEl>
-                </p:cond>
-              </p:nextCondLst>
-            </p:seq>
-          </p:childTnLst>
-        </p:cTn>
-      </p:par>
-    </p:tnLst>
-    <p:bldLst>
-      <p:bldP spid="15" grpId="0" bldLvl="0" animBg="1"/>
-      <p:bldP spid="21" grpId="0" bldLvl="0" animBg="1"/>
-    </p:bldLst>
-  </p:timing>
+  <p:transition>
+    <p:wipe dir="r"/>
+  </p:transition>
 </p:sld>
 </file>
 
@@ -6363,7 +5093,7 @@
           <a:p>
             <a:r>
               <a:rPr lang="zh-CN" altLang="en-US" dirty="0"/>
-              <a:t>块级元素</a:t>
+              <a:t>命令</a:t>
             </a:r>
           </a:p>
         </p:txBody>
@@ -6386,35 +5116,57 @@
           <a:lstStyle/>
           <a:p>
             <a:r>
-              <a:rPr lang="zh-CN" altLang="en-US" dirty="0">
-                <a:sym typeface="+mn-ea"/>
-              </a:rPr>
-              <a:t>块级元素会独占一行，其宽度自动填满其父元素宽度</a:t>
-            </a:r>
-          </a:p>
-          <a:p>
-            <a:r>
-              <a:rPr lang="zh-CN" altLang="en-US" dirty="0">
-                <a:sym typeface="+mn-ea"/>
-              </a:rPr>
-              <a:t>块级元素可以设置 width, height属性，块级元素即使设置了宽度，仍然是独占一行的</a:t>
-            </a:r>
-          </a:p>
-          <a:p>
-            <a:r>
-              <a:rPr lang="zh-CN" altLang="en-US" dirty="0">
-                <a:sym typeface="+mn-ea"/>
-              </a:rPr>
-              <a:t>块级元素可以设置margin 和 padding</a:t>
-            </a:r>
-          </a:p>
-          <a:p>
-            <a:r>
-              <a:rPr lang="en-US" altLang="zh-CN" dirty="0">
-                <a:sym typeface="+mn-ea"/>
-              </a:rPr>
-              <a:t>div,h1~h6,p,table...</a:t>
-            </a:r>
+              <a:rPr lang="zh-CN" altLang="en-US" dirty="0"/>
+              <a:t>在控制台进入当前项目文件夹</a:t>
+            </a:r>
+            <a:endParaRPr lang="en-US" altLang="zh-CN" dirty="0"/>
+          </a:p>
+          <a:p>
+            <a:r>
+              <a:rPr lang="en-US" altLang="zh-CN" dirty="0" err="1"/>
+              <a:t>npm</a:t>
+            </a:r>
+            <a:r>
+              <a:rPr lang="en-US" altLang="zh-CN" dirty="0"/>
+              <a:t> install </a:t>
+            </a:r>
+            <a:r>
+              <a:rPr lang="zh-CN" altLang="en-US" dirty="0"/>
+              <a:t>安装依赖</a:t>
+            </a:r>
+            <a:endParaRPr lang="en-US" altLang="zh-CN" dirty="0">
+              <a:sym typeface="+mn-ea"/>
+            </a:endParaRPr>
+          </a:p>
+          <a:p>
+            <a:r>
+              <a:rPr lang="en-US" altLang="zh-CN" dirty="0" err="1"/>
+              <a:t>npm</a:t>
+            </a:r>
+            <a:r>
+              <a:rPr lang="en-US" altLang="zh-CN" dirty="0"/>
+              <a:t> run dev </a:t>
+            </a:r>
+            <a:r>
+              <a:rPr lang="zh-CN" altLang="en-US" dirty="0"/>
+              <a:t>浏览器调试</a:t>
+            </a:r>
+            <a:endParaRPr lang="en-US" altLang="zh-CN" dirty="0"/>
+          </a:p>
+          <a:p>
+            <a:r>
+              <a:rPr lang="en-US" altLang="zh-CN" dirty="0" err="1"/>
+              <a:t>npm</a:t>
+            </a:r>
+            <a:r>
+              <a:rPr lang="en-US" altLang="zh-CN" dirty="0"/>
+              <a:t> run build </a:t>
+            </a:r>
+            <a:r>
+              <a:rPr lang="zh-CN" altLang="en-US" dirty="0"/>
+              <a:t>打包</a:t>
+            </a:r>
+            <a:endParaRPr lang="en-US" altLang="zh-CN" dirty="0"/>
           </a:p>
           <a:p>
             <a:endParaRPr lang="zh-CN" altLang="en-US" dirty="0"/>
@@ -6424,7 +5176,7 @@
     </p:spTree>
     <p:extLst>
       <p:ext uri="{BB962C8B-B14F-4D97-AF65-F5344CB8AC3E}">
-        <p14:creationId xmlns:p14="http://schemas.microsoft.com/office/powerpoint/2010/main" val="468392013"/>
+        <p14:creationId xmlns:p14="http://schemas.microsoft.com/office/powerpoint/2010/main" val="3660574939"/>
       </p:ext>
     </p:extLst>
   </p:cSld>
@@ -6456,7 +5208,7 @@
       </p:grpSpPr>
       <p:sp>
         <p:nvSpPr>
-          <p:cNvPr id="2" name="标题 1"/>
+          <p:cNvPr id="4" name="标题 3"/>
           <p:cNvSpPr>
             <a:spLocks noGrp="1"/>
           </p:cNvSpPr>
@@ -6466,19 +5218,27 @@
         </p:nvSpPr>
         <p:spPr/>
         <p:txBody>
-          <a:bodyPr/>
+          <a:bodyPr>
+            <a:normAutofit/>
+          </a:bodyPr>
           <a:lstStyle/>
           <a:p>
             <a:r>
-              <a:rPr lang="zh-CN" altLang="en-US"/>
-              <a:t>行内元素</a:t>
-            </a:r>
+              <a:rPr lang="zh-CN" altLang="en-US" dirty="0">
+                <a:sym typeface="+mn-ea"/>
+              </a:rPr>
+              <a:t>学习方式</a:t>
+            </a:r>
+            <a:endParaRPr lang="zh-CN" altLang="en-US" dirty="0">
+              <a:latin typeface="微软雅黑" panose="020B0503020204020204" pitchFamily="34" charset="-122"/>
+              <a:ea typeface="微软雅黑" panose="020B0503020204020204" pitchFamily="34" charset="-122"/>
+            </a:endParaRPr>
           </a:p>
         </p:txBody>
       </p:sp>
       <p:sp>
         <p:nvSpPr>
-          <p:cNvPr id="3" name="副标题 2"/>
+          <p:cNvPr id="5" name="副标题 4"/>
           <p:cNvSpPr>
             <a:spLocks noGrp="1"/>
           </p:cNvSpPr>
@@ -6489,43 +5249,78 @@
         <p:spPr/>
         <p:txBody>
           <a:bodyPr>
-            <a:normAutofit fontScale="90000" lnSpcReduction="10000"/>
+            <a:normAutofit/>
           </a:bodyPr>
           <a:lstStyle/>
           <a:p>
-            <a:r>
-              <a:rPr lang="zh-CN" altLang="en-US" dirty="0">
-                <a:sym typeface="+mn-ea"/>
+            <a:pPr>
+              <a:lnSpc>
+                <a:spcPct val="130000"/>
+              </a:lnSpc>
+            </a:pPr>
+            <a:r>
+              <a:rPr lang="zh-CN" altLang="en-US" sz="3600" dirty="0"/>
+              <a:t>官方网站</a:t>
+            </a:r>
+            <a:endParaRPr lang="en-US" altLang="zh-CN" sz="3600" dirty="0"/>
+          </a:p>
+          <a:p>
+            <a:pPr marL="0" indent="0">
+              <a:lnSpc>
+                <a:spcPct val="130000"/>
+              </a:lnSpc>
+              <a:buNone/>
+            </a:pPr>
+            <a:r>
+              <a:rPr lang="en-US" altLang="zh-CN" sz="3600" dirty="0">
+                <a:hlinkClick r:id="rId2"/>
               </a:rPr>
-              <a:t>行内元素（内联元素）不会独占一行，相邻的行内元素会排列在同一行里，直到一行排不下，才会换行，其宽度随元素的内容而变化</a:t>
-            </a:r>
-          </a:p>
-          <a:p>
-            <a:r>
-              <a:rPr lang="zh-CN" altLang="en-US" dirty="0">
-                <a:sym typeface="+mn-ea"/>
+              <a:t>https://cn.vuejs.org/</a:t>
+            </a:r>
+            <a:endParaRPr lang="en-US" altLang="zh-CN" sz="3600" dirty="0"/>
+          </a:p>
+          <a:p>
+            <a:pPr lvl="1">
+              <a:lnSpc>
+                <a:spcPct val="130000"/>
+              </a:lnSpc>
+            </a:pPr>
+            <a:r>
+              <a:rPr lang="en-US" altLang="zh-CN" sz="1600" dirty="0"/>
+              <a:t>  </a:t>
+            </a:r>
+          </a:p>
+          <a:p>
+            <a:pPr>
+              <a:lnSpc>
+                <a:spcPct val="130000"/>
+              </a:lnSpc>
+            </a:pPr>
+            <a:r>
+              <a:rPr lang="zh-CN" altLang="en-US" sz="3600" dirty="0">
+                <a:latin typeface="微软雅黑" panose="020B0503020204020204" pitchFamily="34" charset="-122"/>
+                <a:ea typeface="微软雅黑" panose="020B0503020204020204" pitchFamily="34" charset="-122"/>
               </a:rPr>
-              <a:t>行内元素设置width,  height无效</a:t>
-            </a:r>
-          </a:p>
-          <a:p>
-            <a:r>
-              <a:rPr lang="zh-CN" altLang="en-US" dirty="0">
-                <a:sym typeface="+mn-ea"/>
+              <a:t>自己学着去写一个小的项目，不会的问题百度</a:t>
+            </a:r>
+            <a:r>
+              <a:rPr lang="en-US" altLang="zh-CN" sz="3600" dirty="0">
+                <a:latin typeface="微软雅黑" panose="020B0503020204020204" pitchFamily="34" charset="-122"/>
+                <a:ea typeface="微软雅黑" panose="020B0503020204020204" pitchFamily="34" charset="-122"/>
               </a:rPr>
-              <a:t>行内元素的padding、margin水平方向会产生边距效果，但是竖直方向的不会产生边距效果</a:t>
-            </a:r>
-          </a:p>
-          <a:p>
-            <a:r>
-              <a:rPr lang="en-US" altLang="zh-CN" dirty="0">
-                <a:sym typeface="+mn-ea"/>
+              <a:t>+</a:t>
+            </a:r>
+            <a:r>
+              <a:rPr lang="en-US" altLang="zh-CN" sz="3600" dirty="0" err="1">
+                <a:latin typeface="微软雅黑" panose="020B0503020204020204" pitchFamily="34" charset="-122"/>
+                <a:ea typeface="微软雅黑" panose="020B0503020204020204" pitchFamily="34" charset="-122"/>
               </a:rPr>
-              <a:t>a,img,span......</a:t>
-            </a:r>
-          </a:p>
-          <a:p>
-            <a:endParaRPr lang="zh-CN" altLang="en-US" dirty="0"/>
+              <a:t>Github</a:t>
+            </a:r>
+            <a:endParaRPr lang="zh-CN" altLang="en-US" sz="3600" dirty="0">
+              <a:latin typeface="微软雅黑" panose="020B0503020204020204" pitchFamily="34" charset="-122"/>
+              <a:ea typeface="微软雅黑" panose="020B0503020204020204" pitchFamily="34" charset="-122"/>
+            </a:endParaRPr>
           </a:p>
         </p:txBody>
       </p:sp>
@@ -6574,7 +5369,7 @@
           <a:p>
             <a:r>
               <a:rPr lang="zh-CN" altLang="en-US" dirty="0"/>
-              <a:t>元素居中</a:t>
+              <a:t>作业</a:t>
             </a:r>
           </a:p>
         </p:txBody>
@@ -6592,7 +5387,7 @@
         <p:spPr/>
         <p:txBody>
           <a:bodyPr>
-            <a:normAutofit fontScale="97500"/>
+            <a:normAutofit fontScale="77500" lnSpcReduction="20000"/>
           </a:bodyPr>
           <a:lstStyle/>
           <a:p>
@@ -6600,13 +5395,159 @@
               <a:rPr lang="zh-CN" altLang="en-US" dirty="0">
                 <a:sym typeface="+mn-ea"/>
               </a:rPr>
-              <a:t>固定宽度块级元素设置</a:t>
+              <a:t>使用</a:t>
+            </a:r>
+            <a:r>
+              <a:rPr lang="en-US" altLang="zh-CN" dirty="0" err="1">
+                <a:sym typeface="+mn-ea"/>
+              </a:rPr>
+              <a:t>Vue</a:t>
+            </a:r>
+            <a:r>
+              <a:rPr lang="zh-CN" altLang="en-US" dirty="0">
+                <a:sym typeface="+mn-ea"/>
+              </a:rPr>
+              <a:t>框架构建一个</a:t>
+            </a:r>
+            <a:r>
+              <a:rPr lang="en-US" altLang="zh-CN" dirty="0" err="1">
+                <a:sym typeface="+mn-ea"/>
+              </a:rPr>
+              <a:t>ToDoList</a:t>
+            </a:r>
+            <a:r>
+              <a:rPr lang="zh-CN" altLang="en-US" dirty="0">
+                <a:sym typeface="+mn-ea"/>
+              </a:rPr>
+              <a:t>项目</a:t>
             </a:r>
             <a:endParaRPr lang="en-US" altLang="zh-CN" dirty="0">
               <a:sym typeface="+mn-ea"/>
             </a:endParaRPr>
           </a:p>
           <a:p>
+            <a:pPr marL="742950" indent="-742950">
+              <a:buFont typeface="+mj-lt"/>
+              <a:buAutoNum type="arabicPeriod"/>
+            </a:pPr>
+            <a:r>
+              <a:rPr lang="zh-CN" altLang="en-US" sz="2600" dirty="0">
+                <a:sym typeface="+mn-ea"/>
+              </a:rPr>
+              <a:t>可以新增待办任务</a:t>
+            </a:r>
+            <a:endParaRPr lang="en-US" altLang="zh-CN" sz="2600" dirty="0">
+              <a:sym typeface="+mn-ea"/>
+            </a:endParaRPr>
+          </a:p>
+          <a:p>
+            <a:pPr marL="742950" indent="-742950">
+              <a:buFont typeface="+mj-lt"/>
+              <a:buAutoNum type="arabicPeriod"/>
+            </a:pPr>
+            <a:r>
+              <a:rPr lang="zh-CN" altLang="en-US" sz="2600" dirty="0">
+                <a:sym typeface="+mn-ea"/>
+              </a:rPr>
+              <a:t>可以删除待办任务</a:t>
+            </a:r>
+            <a:endParaRPr lang="en-US" altLang="zh-CN" sz="2600" dirty="0">
+              <a:sym typeface="+mn-ea"/>
+            </a:endParaRPr>
+          </a:p>
+          <a:p>
+            <a:pPr marL="742950" indent="-742950">
+              <a:buFont typeface="+mj-lt"/>
+              <a:buAutoNum type="arabicPeriod"/>
+            </a:pPr>
+            <a:r>
+              <a:rPr lang="zh-CN" altLang="en-US" sz="2600" dirty="0">
+                <a:sym typeface="+mn-ea"/>
+              </a:rPr>
+              <a:t>待办任务状态包含进行中、已完成，进行中任务可以转换成已完成，已完成可以转换为进行中</a:t>
+            </a:r>
+            <a:endParaRPr lang="en-US" altLang="zh-CN" sz="2600" dirty="0">
+              <a:sym typeface="+mn-ea"/>
+            </a:endParaRPr>
+          </a:p>
+          <a:p>
+            <a:pPr marL="742950" indent="-742950">
+              <a:buFont typeface="+mj-lt"/>
+              <a:buAutoNum type="arabicPeriod"/>
+            </a:pPr>
+            <a:r>
+              <a:rPr lang="zh-CN" altLang="en-US" sz="2600" dirty="0">
+                <a:sym typeface="+mn-ea"/>
+              </a:rPr>
+              <a:t>显示待办任务条数</a:t>
+            </a:r>
+            <a:endParaRPr lang="en-US" altLang="zh-CN" sz="2600" dirty="0">
+              <a:sym typeface="+mn-ea"/>
+            </a:endParaRPr>
+          </a:p>
+          <a:p>
+            <a:pPr marL="742950" indent="-742950">
+              <a:buFont typeface="+mj-lt"/>
+              <a:buAutoNum type="arabicPeriod"/>
+            </a:pPr>
+            <a:r>
+              <a:rPr lang="zh-CN" altLang="en-US" sz="2600" dirty="0">
+                <a:sym typeface="+mn-ea"/>
+              </a:rPr>
+              <a:t>不要使用</a:t>
+            </a:r>
+            <a:r>
+              <a:rPr lang="en-US" altLang="zh-CN" sz="2600" dirty="0">
+                <a:sym typeface="+mn-ea"/>
+              </a:rPr>
+              <a:t>webpack(</a:t>
+            </a:r>
+            <a:r>
+              <a:rPr lang="zh-CN" altLang="en-US" sz="2600" dirty="0">
+                <a:sym typeface="+mn-ea"/>
+              </a:rPr>
+              <a:t>不方便查看作业）</a:t>
+            </a:r>
+            <a:endParaRPr lang="en-US" altLang="zh-CN" sz="2600" dirty="0">
+              <a:sym typeface="+mn-ea"/>
+            </a:endParaRPr>
+          </a:p>
+          <a:p>
+            <a:r>
+              <a:rPr lang="zh-CN" altLang="en-US" dirty="0">
+                <a:sym typeface="+mn-ea"/>
+              </a:rPr>
+              <a:t>提交至</a:t>
+            </a:r>
+            <a:r>
+              <a:rPr lang="en-US" altLang="zh-CN" dirty="0">
+                <a:sym typeface="+mn-ea"/>
+              </a:rPr>
+              <a:t>SVN</a:t>
+            </a:r>
+            <a:r>
+              <a:rPr lang="zh-CN" altLang="en-US" dirty="0">
+                <a:sym typeface="+mn-ea"/>
+              </a:rPr>
+              <a:t>个人目录下</a:t>
+            </a:r>
+            <a:r>
+              <a:rPr lang="en-US" altLang="zh-CN" dirty="0" err="1">
+                <a:sym typeface="+mn-ea"/>
+              </a:rPr>
+              <a:t>Vue</a:t>
+            </a:r>
+            <a:r>
+              <a:rPr lang="zh-CN" altLang="en-US" dirty="0">
+                <a:sym typeface="+mn-ea"/>
+              </a:rPr>
+              <a:t>文件夹</a:t>
+            </a:r>
+            <a:endParaRPr lang="en-US" altLang="zh-CN" dirty="0">
+              <a:sym typeface="+mn-ea"/>
+            </a:endParaRPr>
+          </a:p>
+          <a:p>
             <a:pPr marL="0" indent="0">
               <a:buNone/>
             </a:pPr>
@@ -6614,40 +5555,92 @@
               <a:rPr lang="en-US" altLang="zh-CN" dirty="0">
                 <a:sym typeface="+mn-ea"/>
               </a:rPr>
-              <a:t> 	</a:t>
-            </a:r>
-            <a:r>
-              <a:rPr lang="en-US" altLang="zh-CN" dirty="0" err="1">
-                <a:sym typeface="+mn-ea"/>
+              <a:t>	(</a:t>
+            </a:r>
+            <a:r>
+              <a:rPr lang="en-US" altLang="zh-CN" sz="3600" dirty="0">
+                <a:hlinkClick r:id="rId2"/>
               </a:rPr>
-              <a:t>margin-left:auto;margin-right:auto</a:t>
+              <a:t>http://hw2/svn/test2018/</a:t>
+            </a:r>
+            <a:r>
+              <a:rPr lang="zh-CN" altLang="en-US" sz="3600" dirty="0"/>
+              <a:t>电脑登录名</a:t>
+            </a:r>
+            <a:r>
+              <a:rPr lang="en-US" altLang="zh-CN" sz="3600" dirty="0"/>
+              <a:t>/</a:t>
+            </a:r>
+            <a:r>
+              <a:rPr lang="en-US" altLang="zh-CN" sz="3600" dirty="0" err="1"/>
+              <a:t>Vue</a:t>
             </a:r>
             <a:r>
               <a:rPr lang="en-US" altLang="zh-CN" dirty="0">
                 <a:sym typeface="+mn-ea"/>
               </a:rPr>
-              <a:t>;</a:t>
-            </a:r>
-          </a:p>
-          <a:p>
+              <a:t>)</a:t>
+            </a:r>
+          </a:p>
+          <a:p>
+            <a:r>
+              <a:rPr lang="en-US" altLang="zh-CN" dirty="0">
+                <a:sym typeface="+mn-ea"/>
+              </a:rPr>
+              <a:t>4</a:t>
+            </a:r>
             <a:r>
               <a:rPr lang="zh-CN" altLang="en-US" dirty="0">
                 <a:sym typeface="+mn-ea"/>
               </a:rPr>
-              <a:t> 行内元素设置父级元素</a:t>
-            </a:r>
-            <a:r>
-              <a:rPr lang="en-US" altLang="zh-CN" dirty="0" err="1">
-                <a:sym typeface="+mn-ea"/>
-              </a:rPr>
-              <a:t>text-align:center</a:t>
+              <a:t>月</a:t>
             </a:r>
             <a:r>
               <a:rPr lang="en-US" altLang="zh-CN" dirty="0">
                 <a:sym typeface="+mn-ea"/>
               </a:rPr>
-              <a:t>;</a:t>
-            </a:r>
+              <a:t>23</a:t>
+            </a:r>
+            <a:r>
+              <a:rPr lang="zh-CN" altLang="en-US" dirty="0">
+                <a:sym typeface="+mn-ea"/>
+              </a:rPr>
+              <a:t>日前交作业（截止至</a:t>
+            </a:r>
+            <a:r>
+              <a:rPr lang="en-US" altLang="zh-CN" dirty="0">
+                <a:sym typeface="+mn-ea"/>
+              </a:rPr>
+              <a:t>14</a:t>
+            </a:r>
+            <a:r>
+              <a:rPr lang="zh-CN" altLang="en-US" dirty="0">
+                <a:sym typeface="+mn-ea"/>
+              </a:rPr>
+              <a:t>：</a:t>
+            </a:r>
+            <a:r>
+              <a:rPr lang="en-US" altLang="zh-CN" dirty="0">
+                <a:sym typeface="+mn-ea"/>
+              </a:rPr>
+              <a:t>00</a:t>
+            </a:r>
+            <a:r>
+              <a:rPr lang="zh-CN" altLang="en-US" dirty="0">
+                <a:sym typeface="+mn-ea"/>
+              </a:rPr>
+              <a:t>）</a:t>
+            </a:r>
+            <a:endParaRPr lang="en-US" altLang="zh-CN" dirty="0">
+              <a:sym typeface="+mn-ea"/>
+            </a:endParaRPr>
+          </a:p>
+          <a:p>
+            <a:endParaRPr lang="zh-CN" altLang="en-US" dirty="0">
+              <a:sym typeface="+mn-ea"/>
+            </a:endParaRPr>
+          </a:p>
+          <a:p>
             <a:endParaRPr lang="zh-CN" altLang="en-US" dirty="0"/>
           </a:p>
         </p:txBody>
@@ -6655,7 +5648,7 @@
     </p:spTree>
     <p:extLst>
       <p:ext uri="{BB962C8B-B14F-4D97-AF65-F5344CB8AC3E}">
-        <p14:creationId xmlns:p14="http://schemas.microsoft.com/office/powerpoint/2010/main" val="1798522408"/>
+        <p14:creationId xmlns:p14="http://schemas.microsoft.com/office/powerpoint/2010/main" val="2153077848"/>
       </p:ext>
     </p:extLst>
   </p:cSld>
@@ -6687,345 +5680,803 @@
       </p:grpSpPr>
       <p:sp>
         <p:nvSpPr>
-          <p:cNvPr id="2" name="标题 1"/>
-          <p:cNvSpPr>
-            <a:spLocks noGrp="1"/>
-          </p:cNvSpPr>
-          <p:nvPr>
-            <p:ph type="ctrTitle"/>
-          </p:nvPr>
-        </p:nvSpPr>
-        <p:spPr/>
-        <p:txBody>
-          <a:bodyPr/>
-          <a:lstStyle/>
-          <a:p>
-            <a:r>
-              <a:rPr lang="zh-CN" altLang="en-US" dirty="0"/>
-              <a:t>盒子模型</a:t>
-            </a:r>
-          </a:p>
-        </p:txBody>
-      </p:sp>
-      <p:sp>
-        <p:nvSpPr>
-          <p:cNvPr id="3" name="副标题 2"/>
-          <p:cNvSpPr>
-            <a:spLocks noGrp="1"/>
-          </p:cNvSpPr>
-          <p:nvPr>
-            <p:ph type="subTitle" idx="1"/>
-          </p:nvPr>
+          <p:cNvPr id="16" name="文本框 15"/>
+          <p:cNvSpPr txBox="1"/>
+          <p:nvPr/>
         </p:nvSpPr>
         <p:spPr>
           <a:xfrm>
-            <a:off x="881946" y="4335145"/>
-            <a:ext cx="10389618" cy="2418740"/>
-          </a:xfrm>
-        </p:spPr>
-        <p:txBody>
-          <a:bodyPr>
-            <a:normAutofit fontScale="55000" lnSpcReduction="20000"/>
-          </a:bodyPr>
-          <a:lstStyle/>
-          <a:p>
-            <a:pPr latinLnBrk="1"/>
-            <a:r>
-              <a:rPr lang="zh-CN" altLang="en-US" dirty="0"/>
-              <a:t>所有</a:t>
-            </a:r>
-            <a:r>
-              <a:rPr lang="en-US" altLang="zh-CN" dirty="0"/>
-              <a:t>HTML</a:t>
-            </a:r>
-            <a:r>
-              <a:rPr lang="zh-CN" altLang="en-US" dirty="0"/>
-              <a:t>元素可以看作盒子</a:t>
-            </a:r>
-            <a:endParaRPr lang="en-US" altLang="zh-CN" b="1" dirty="0"/>
-          </a:p>
-          <a:p>
-            <a:pPr latinLnBrk="1"/>
-            <a:r>
-              <a:rPr lang="en-US" altLang="zh-CN" b="1" dirty="0"/>
-              <a:t>Margin(</a:t>
-            </a:r>
-            <a:r>
-              <a:rPr lang="zh-CN" altLang="en-US" b="1" dirty="0"/>
-              <a:t>外边距</a:t>
-            </a:r>
-            <a:r>
-              <a:rPr lang="en-US" altLang="zh-CN" b="1" dirty="0"/>
-              <a:t>)</a:t>
-            </a:r>
-            <a:r>
-              <a:rPr lang="zh-CN" altLang="en-US" dirty="0"/>
-              <a:t> </a:t>
-            </a:r>
-            <a:r>
-              <a:rPr lang="en-US" altLang="zh-CN" dirty="0"/>
-              <a:t>- </a:t>
-            </a:r>
-            <a:r>
-              <a:rPr lang="zh-CN" altLang="en-US" dirty="0"/>
-              <a:t>清除边框外的区域，外边距是透明的。</a:t>
-            </a:r>
-          </a:p>
-          <a:p>
-            <a:pPr latinLnBrk="1"/>
-            <a:r>
-              <a:rPr lang="en-US" altLang="zh-CN" b="1" dirty="0"/>
-              <a:t>Border(</a:t>
-            </a:r>
-            <a:r>
-              <a:rPr lang="zh-CN" altLang="en-US" b="1" dirty="0"/>
-              <a:t>边框</a:t>
-            </a:r>
-            <a:r>
-              <a:rPr lang="en-US" altLang="zh-CN" b="1" dirty="0"/>
-              <a:t>)</a:t>
-            </a:r>
-            <a:r>
-              <a:rPr lang="zh-CN" altLang="en-US" dirty="0"/>
-              <a:t> </a:t>
-            </a:r>
-            <a:r>
-              <a:rPr lang="en-US" altLang="zh-CN" dirty="0"/>
-              <a:t>- </a:t>
-            </a:r>
-            <a:r>
-              <a:rPr lang="zh-CN" altLang="en-US" dirty="0"/>
-              <a:t>围绕在内边距和内容外的边框。</a:t>
-            </a:r>
-          </a:p>
-          <a:p>
-            <a:pPr latinLnBrk="1"/>
-            <a:r>
-              <a:rPr lang="en-US" altLang="zh-CN" b="1" dirty="0"/>
-              <a:t>Padding(</a:t>
-            </a:r>
-            <a:r>
-              <a:rPr lang="zh-CN" altLang="en-US" b="1" dirty="0"/>
-              <a:t>内边距</a:t>
-            </a:r>
-            <a:r>
-              <a:rPr lang="en-US" altLang="zh-CN" b="1" dirty="0"/>
-              <a:t>)</a:t>
-            </a:r>
-            <a:r>
-              <a:rPr lang="zh-CN" altLang="en-US" dirty="0"/>
-              <a:t> </a:t>
-            </a:r>
-            <a:r>
-              <a:rPr lang="en-US" altLang="zh-CN" dirty="0"/>
-              <a:t>- </a:t>
-            </a:r>
-            <a:r>
-              <a:rPr lang="zh-CN" altLang="en-US" dirty="0"/>
-              <a:t>清除内容周围的区域，内边距是透明的。</a:t>
-            </a:r>
-          </a:p>
-          <a:p>
-            <a:pPr latinLnBrk="1"/>
-            <a:r>
-              <a:rPr lang="en-US" altLang="zh-CN" b="1" dirty="0"/>
-              <a:t>Content(</a:t>
-            </a:r>
-            <a:r>
-              <a:rPr lang="zh-CN" altLang="en-US" b="1" dirty="0"/>
-              <a:t>内容</a:t>
-            </a:r>
-            <a:r>
-              <a:rPr lang="en-US" altLang="zh-CN" b="1" dirty="0"/>
-              <a:t>)</a:t>
-            </a:r>
-            <a:r>
-              <a:rPr lang="zh-CN" altLang="en-US" dirty="0"/>
-              <a:t> </a:t>
-            </a:r>
-            <a:r>
-              <a:rPr lang="en-US" altLang="zh-CN" dirty="0"/>
-              <a:t>- </a:t>
-            </a:r>
-            <a:r>
-              <a:rPr lang="zh-CN" altLang="en-US" dirty="0"/>
-              <a:t>盒子的内容，显示文本和图像。</a:t>
-            </a:r>
-          </a:p>
-          <a:p>
-            <a:endParaRPr lang="zh-CN" altLang="en-US" dirty="0"/>
-          </a:p>
-        </p:txBody>
-      </p:sp>
-      <p:pic>
-        <p:nvPicPr>
-          <p:cNvPr id="1026" name="Picture 2" descr="CSS box-model"/>
-          <p:cNvPicPr>
-            <a:picLocks noChangeAspect="1" noChangeArrowheads="1"/>
-          </p:cNvPicPr>
-          <p:nvPr/>
-        </p:nvPicPr>
-        <p:blipFill>
-          <a:blip r:embed="rId2">
-            <a:extLst>
-              <a:ext uri="{28A0092B-C50C-407E-A947-70E740481C1C}">
-                <a14:useLocalDpi xmlns:a14="http://schemas.microsoft.com/office/drawing/2010/main" val="0"/>
-              </a:ext>
-            </a:extLst>
-          </a:blip>
-          <a:srcRect/>
-          <a:stretch>
-            <a:fillRect/>
-          </a:stretch>
-        </p:blipFill>
-        <p:spPr bwMode="auto">
-          <a:xfrm>
-            <a:off x="3260915" y="1334688"/>
-            <a:ext cx="5105400" cy="2752725"/>
+            <a:off x="3951824" y="2521036"/>
+            <a:ext cx="4754880" cy="1310640"/>
           </a:xfrm>
           <a:prstGeom prst="rect">
             <a:avLst/>
           </a:prstGeom>
           <a:noFill/>
-          <a:extLst>
-            <a:ext uri="{909E8E84-426E-40DD-AFC4-6F175D3DCCD1}">
-              <a14:hiddenFill xmlns:a14="http://schemas.microsoft.com/office/drawing/2010/main">
+          <a:effectLst>
+            <a:outerShdw blurRad="114300" dist="38100" dir="5460000" algn="tr" rotWithShape="0">
+              <a:prstClr val="black">
+                <a:alpha val="16000"/>
+              </a:prstClr>
+            </a:outerShdw>
+          </a:effectLst>
+        </p:spPr>
+        <p:txBody>
+          <a:bodyPr wrap="none" rtlCol="0">
+            <a:spAutoFit/>
+          </a:bodyPr>
+          <a:lstStyle/>
+          <a:p>
+            <a:r>
+              <a:rPr lang="zh-CN" altLang="en-US" sz="8000" dirty="0">
                 <a:solidFill>
-                  <a:srgbClr val="FFFFFF"/>
+                  <a:schemeClr val="bg1"/>
                 </a:solidFill>
-              </a14:hiddenFill>
-            </a:ext>
-          </a:extLst>
-        </p:spPr>
-      </p:pic>
-    </p:spTree>
-  </p:cSld>
-  <p:clrMapOvr>
-    <a:masterClrMapping/>
-  </p:clrMapOvr>
-  <p:transition>
-    <p:wipe dir="r"/>
-  </p:transition>
-</p:sld>
-</file>
-
-<file path=ppt/slides/slide19.xml><?xml version="1.0" encoding="utf-8"?>
-<p:sld xmlns:a="http://schemas.openxmlformats.org/drawingml/2006/main" xmlns:r="http://schemas.openxmlformats.org/officeDocument/2006/relationships" xmlns:p="http://schemas.openxmlformats.org/presentationml/2006/main">
-  <p:cSld>
-    <p:spTree>
-      <p:nvGrpSpPr>
-        <p:cNvPr id="1" name=""/>
-        <p:cNvGrpSpPr/>
-        <p:nvPr/>
-      </p:nvGrpSpPr>
-      <p:grpSpPr>
-        <a:xfrm>
-          <a:off x="0" y="0"/>
-          <a:ext cx="0" cy="0"/>
-          <a:chOff x="0" y="0"/>
-          <a:chExt cx="0" cy="0"/>
-        </a:xfrm>
-      </p:grpSpPr>
-      <p:sp>
-        <p:nvSpPr>
-          <p:cNvPr id="2" name="标题 1"/>
-          <p:cNvSpPr>
-            <a:spLocks noGrp="1"/>
-          </p:cNvSpPr>
-          <p:nvPr>
-            <p:ph type="ctrTitle"/>
-          </p:nvPr>
-        </p:nvSpPr>
-        <p:spPr/>
-        <p:txBody>
-          <a:bodyPr/>
-          <a:lstStyle/>
-          <a:p>
-            <a:r>
-              <a:rPr lang="en-US" altLang="zh-CN" dirty="0"/>
-              <a:t>CSS</a:t>
-            </a:r>
-            <a:r>
-              <a:rPr lang="zh-CN" altLang="en-US" dirty="0"/>
-              <a:t>定位</a:t>
+                <a:latin typeface="方正正纤黑简体" panose="02000000000000000000" pitchFamily="2" charset="-122"/>
+                <a:ea typeface="方正正纤黑简体" panose="02000000000000000000" pitchFamily="2" charset="-122"/>
+              </a:rPr>
+              <a:t>谢谢大家</a:t>
+            </a:r>
+            <a:r>
+              <a:rPr lang="en-US" altLang="zh-CN" sz="8000" dirty="0">
+                <a:solidFill>
+                  <a:schemeClr val="bg1"/>
+                </a:solidFill>
+                <a:latin typeface="方正正纤黑简体" panose="02000000000000000000" pitchFamily="2" charset="-122"/>
+                <a:ea typeface="方正正纤黑简体" panose="02000000000000000000" pitchFamily="2" charset="-122"/>
+              </a:rPr>
+              <a:t>!</a:t>
             </a:r>
           </a:p>
         </p:txBody>
       </p:sp>
       <p:sp>
         <p:nvSpPr>
-          <p:cNvPr id="3" name="副标题 2"/>
-          <p:cNvSpPr>
-            <a:spLocks noGrp="1"/>
-          </p:cNvSpPr>
-          <p:nvPr>
-            <p:ph type="subTitle" idx="1"/>
-          </p:nvPr>
+          <p:cNvPr id="27" name="六边形 26"/>
+          <p:cNvSpPr/>
+          <p:nvPr/>
         </p:nvSpPr>
-        <p:spPr/>
+        <p:spPr>
+          <a:xfrm rot="5400000">
+            <a:off x="3977317" y="5593935"/>
+            <a:ext cx="4237367" cy="3616159"/>
+          </a:xfrm>
+          <a:prstGeom prst="hexagon">
+            <a:avLst>
+              <a:gd name="adj" fmla="val 27952"/>
+              <a:gd name="vf" fmla="val 115470"/>
+            </a:avLst>
+          </a:prstGeom>
+          <a:gradFill flip="none" rotWithShape="1">
+            <a:gsLst>
+              <a:gs pos="0">
+                <a:srgbClr val="FBFBFB"/>
+              </a:gs>
+              <a:gs pos="100000">
+                <a:srgbClr val="E1E1E1"/>
+              </a:gs>
+            </a:gsLst>
+            <a:lin ang="18900000" scaled="1"/>
+            <a:tileRect/>
+          </a:gradFill>
+          <a:ln w="38100">
+            <a:gradFill>
+              <a:gsLst>
+                <a:gs pos="0">
+                  <a:srgbClr val="FCFCFC"/>
+                </a:gs>
+                <a:gs pos="100000">
+                  <a:srgbClr val="E1E1E1"/>
+                </a:gs>
+              </a:gsLst>
+              <a:lin ang="5400000" scaled="1"/>
+            </a:gradFill>
+          </a:ln>
+          <a:effectLst>
+            <a:outerShdw blurRad="901700" dist="927100" dir="11040000" sx="91000" sy="91000" algn="tr" rotWithShape="0">
+              <a:prstClr val="black">
+                <a:alpha val="5000"/>
+              </a:prstClr>
+            </a:outerShdw>
+          </a:effectLst>
+        </p:spPr>
+        <p:style>
+          <a:lnRef idx="2">
+            <a:schemeClr val="accent1">
+              <a:shade val="50000"/>
+            </a:schemeClr>
+          </a:lnRef>
+          <a:fillRef idx="1">
+            <a:schemeClr val="accent1"/>
+          </a:fillRef>
+          <a:effectRef idx="0">
+            <a:schemeClr val="accent1"/>
+          </a:effectRef>
+          <a:fontRef idx="minor">
+            <a:schemeClr val="lt1"/>
+          </a:fontRef>
+        </p:style>
         <p:txBody>
-          <a:bodyPr>
-            <a:normAutofit/>
-          </a:bodyPr>
+          <a:bodyPr rtlCol="0" anchor="ctr"/>
           <a:lstStyle/>
           <a:p>
-            <a:r>
-              <a:rPr lang="zh-CN" altLang="en-US" dirty="0">
-                <a:sym typeface="+mn-ea"/>
-              </a:rPr>
-              <a:t>定位机制：</a:t>
-            </a:r>
-            <a:endParaRPr lang="en-US" altLang="zh-CN" dirty="0">
-              <a:sym typeface="+mn-ea"/>
-            </a:endParaRPr>
-          </a:p>
-          <a:p>
-            <a:pPr marL="742950" indent="-742950">
-              <a:buFont typeface="+mj-lt"/>
-              <a:buAutoNum type="arabicPeriod"/>
-            </a:pPr>
-            <a:r>
-              <a:rPr lang="zh-CN" altLang="en-US" dirty="0">
-                <a:sym typeface="+mn-ea"/>
-              </a:rPr>
-              <a:t>普通流（一般情况下，所有框都在这里）</a:t>
-            </a:r>
-            <a:endParaRPr lang="en-US" altLang="zh-CN" dirty="0">
-              <a:sym typeface="+mn-ea"/>
-            </a:endParaRPr>
-          </a:p>
-          <a:p>
-            <a:pPr marL="742950" indent="-742950">
-              <a:buFont typeface="+mj-lt"/>
-              <a:buAutoNum type="arabicPeriod"/>
-            </a:pPr>
-            <a:r>
-              <a:rPr lang="zh-CN" altLang="en-US" dirty="0">
-                <a:sym typeface="+mn-ea"/>
-              </a:rPr>
-              <a:t>浮动</a:t>
-            </a:r>
-            <a:endParaRPr lang="en-US" altLang="zh-CN" dirty="0">
-              <a:sym typeface="+mn-ea"/>
-            </a:endParaRPr>
-          </a:p>
-          <a:p>
-            <a:pPr marL="742950" indent="-742950">
-              <a:buFont typeface="+mj-lt"/>
-              <a:buAutoNum type="arabicPeriod"/>
-            </a:pPr>
-            <a:r>
-              <a:rPr lang="zh-CN" altLang="en-US" dirty="0">
-                <a:sym typeface="+mn-ea"/>
-              </a:rPr>
-              <a:t>绝对定位</a:t>
-            </a:r>
-            <a:endParaRPr lang="en-US" altLang="zh-CN" dirty="0">
-              <a:sym typeface="+mn-ea"/>
-            </a:endParaRPr>
-          </a:p>
-          <a:p>
-            <a:endParaRPr lang="zh-CN" altLang="en-US" dirty="0"/>
+            <a:pPr algn="ctr"/>
+            <a:endParaRPr lang="zh-CN" altLang="en-US"/>
+          </a:p>
+        </p:txBody>
+      </p:sp>
+      <p:sp>
+        <p:nvSpPr>
+          <p:cNvPr id="28" name="六边形 27"/>
+          <p:cNvSpPr/>
+          <p:nvPr/>
+        </p:nvSpPr>
+        <p:spPr>
+          <a:xfrm rot="5400000" flipH="1">
+            <a:off x="2583546" y="7014855"/>
+            <a:ext cx="3207864" cy="2737582"/>
+          </a:xfrm>
+          <a:prstGeom prst="hexagon">
+            <a:avLst>
+              <a:gd name="adj" fmla="val 27952"/>
+              <a:gd name="vf" fmla="val 115470"/>
+            </a:avLst>
+          </a:prstGeom>
+          <a:gradFill flip="none" rotWithShape="1">
+            <a:gsLst>
+              <a:gs pos="0">
+                <a:srgbClr val="FBFBFB"/>
+              </a:gs>
+              <a:gs pos="100000">
+                <a:srgbClr val="E1E1E1"/>
+              </a:gs>
+            </a:gsLst>
+            <a:lin ang="18900000" scaled="1"/>
+            <a:tileRect/>
+          </a:gradFill>
+          <a:ln w="38100">
+            <a:gradFill>
+              <a:gsLst>
+                <a:gs pos="0">
+                  <a:srgbClr val="FCFCFC"/>
+                </a:gs>
+                <a:gs pos="100000">
+                  <a:srgbClr val="E1E1E1"/>
+                </a:gs>
+              </a:gsLst>
+              <a:lin ang="5400000" scaled="1"/>
+            </a:gradFill>
+          </a:ln>
+          <a:effectLst>
+            <a:outerShdw blurRad="901700" dist="927100" dir="11040000" sx="91000" sy="91000" algn="tr" rotWithShape="0">
+              <a:prstClr val="black">
+                <a:alpha val="5000"/>
+              </a:prstClr>
+            </a:outerShdw>
+          </a:effectLst>
+        </p:spPr>
+        <p:style>
+          <a:lnRef idx="2">
+            <a:schemeClr val="accent1">
+              <a:shade val="50000"/>
+            </a:schemeClr>
+          </a:lnRef>
+          <a:fillRef idx="1">
+            <a:schemeClr val="accent1"/>
+          </a:fillRef>
+          <a:effectRef idx="0">
+            <a:schemeClr val="accent1"/>
+          </a:effectRef>
+          <a:fontRef idx="minor">
+            <a:schemeClr val="lt1"/>
+          </a:fontRef>
+        </p:style>
+        <p:txBody>
+          <a:bodyPr rtlCol="0" anchor="ctr"/>
+          <a:lstStyle/>
+          <a:p>
+            <a:pPr algn="ctr"/>
+            <a:endParaRPr lang="zh-CN" altLang="en-US"/>
+          </a:p>
+        </p:txBody>
+      </p:sp>
+      <p:sp>
+        <p:nvSpPr>
+          <p:cNvPr id="29" name="六边形 28"/>
+          <p:cNvSpPr/>
+          <p:nvPr/>
+        </p:nvSpPr>
+        <p:spPr>
+          <a:xfrm rot="5400000" flipH="1">
+            <a:off x="3405372" y="5833227"/>
+            <a:ext cx="1188193" cy="1014000"/>
+          </a:xfrm>
+          <a:prstGeom prst="hexagon">
+            <a:avLst>
+              <a:gd name="adj" fmla="val 27952"/>
+              <a:gd name="vf" fmla="val 115470"/>
+            </a:avLst>
+          </a:prstGeom>
+          <a:gradFill flip="none" rotWithShape="1">
+            <a:gsLst>
+              <a:gs pos="0">
+                <a:srgbClr val="FBFBFB"/>
+              </a:gs>
+              <a:gs pos="100000">
+                <a:srgbClr val="E1E1E1"/>
+              </a:gs>
+            </a:gsLst>
+            <a:lin ang="18900000" scaled="1"/>
+            <a:tileRect/>
+          </a:gradFill>
+          <a:ln w="38100">
+            <a:gradFill>
+              <a:gsLst>
+                <a:gs pos="0">
+                  <a:srgbClr val="FCFCFC"/>
+                </a:gs>
+                <a:gs pos="100000">
+                  <a:srgbClr val="E1E1E1"/>
+                </a:gs>
+              </a:gsLst>
+              <a:lin ang="5400000" scaled="1"/>
+            </a:gradFill>
+          </a:ln>
+          <a:effectLst>
+            <a:outerShdw blurRad="901700" dist="927100" dir="11040000" sx="91000" sy="91000" algn="tr" rotWithShape="0">
+              <a:prstClr val="black">
+                <a:alpha val="5000"/>
+              </a:prstClr>
+            </a:outerShdw>
+          </a:effectLst>
+        </p:spPr>
+        <p:style>
+          <a:lnRef idx="2">
+            <a:schemeClr val="accent1">
+              <a:shade val="50000"/>
+            </a:schemeClr>
+          </a:lnRef>
+          <a:fillRef idx="1">
+            <a:schemeClr val="accent1"/>
+          </a:fillRef>
+          <a:effectRef idx="0">
+            <a:schemeClr val="accent1"/>
+          </a:effectRef>
+          <a:fontRef idx="minor">
+            <a:schemeClr val="lt1"/>
+          </a:fontRef>
+        </p:style>
+        <p:txBody>
+          <a:bodyPr rtlCol="0" anchor="ctr"/>
+          <a:lstStyle/>
+          <a:p>
+            <a:pPr algn="ctr"/>
+            <a:endParaRPr lang="zh-CN" altLang="en-US"/>
+          </a:p>
+        </p:txBody>
+      </p:sp>
+      <p:sp>
+        <p:nvSpPr>
+          <p:cNvPr id="30" name="六边形 29"/>
+          <p:cNvSpPr/>
+          <p:nvPr/>
+        </p:nvSpPr>
+        <p:spPr>
+          <a:xfrm rot="5400000" flipH="1">
+            <a:off x="8280493" y="5239130"/>
+            <a:ext cx="1188193" cy="1014000"/>
+          </a:xfrm>
+          <a:prstGeom prst="hexagon">
+            <a:avLst>
+              <a:gd name="adj" fmla="val 27952"/>
+              <a:gd name="vf" fmla="val 115470"/>
+            </a:avLst>
+          </a:prstGeom>
+          <a:gradFill flip="none" rotWithShape="1">
+            <a:gsLst>
+              <a:gs pos="0">
+                <a:srgbClr val="FBFBFB"/>
+              </a:gs>
+              <a:gs pos="100000">
+                <a:srgbClr val="E1E1E1"/>
+              </a:gs>
+            </a:gsLst>
+            <a:lin ang="18900000" scaled="1"/>
+            <a:tileRect/>
+          </a:gradFill>
+          <a:ln w="38100">
+            <a:gradFill>
+              <a:gsLst>
+                <a:gs pos="0">
+                  <a:srgbClr val="FCFCFC"/>
+                </a:gs>
+                <a:gs pos="100000">
+                  <a:srgbClr val="E1E1E1"/>
+                </a:gs>
+              </a:gsLst>
+              <a:lin ang="5400000" scaled="1"/>
+            </a:gradFill>
+          </a:ln>
+          <a:effectLst>
+            <a:outerShdw blurRad="901700" dist="927100" dir="11040000" sx="91000" sy="91000" algn="tr" rotWithShape="0">
+              <a:prstClr val="black">
+                <a:alpha val="5000"/>
+              </a:prstClr>
+            </a:outerShdw>
+          </a:effectLst>
+        </p:spPr>
+        <p:style>
+          <a:lnRef idx="2">
+            <a:schemeClr val="accent1">
+              <a:shade val="50000"/>
+            </a:schemeClr>
+          </a:lnRef>
+          <a:fillRef idx="1">
+            <a:schemeClr val="accent1"/>
+          </a:fillRef>
+          <a:effectRef idx="0">
+            <a:schemeClr val="accent1"/>
+          </a:effectRef>
+          <a:fontRef idx="minor">
+            <a:schemeClr val="lt1"/>
+          </a:fontRef>
+        </p:style>
+        <p:txBody>
+          <a:bodyPr rtlCol="0" anchor="ctr"/>
+          <a:lstStyle/>
+          <a:p>
+            <a:pPr algn="ctr"/>
+            <a:endParaRPr lang="zh-CN" altLang="en-US"/>
+          </a:p>
+        </p:txBody>
+      </p:sp>
+      <p:sp>
+        <p:nvSpPr>
+          <p:cNvPr id="31" name="六边形 30"/>
+          <p:cNvSpPr/>
+          <p:nvPr/>
+        </p:nvSpPr>
+        <p:spPr>
+          <a:xfrm rot="5400000" flipH="1">
+            <a:off x="8812784" y="6406577"/>
+            <a:ext cx="1689837" cy="1442102"/>
+          </a:xfrm>
+          <a:prstGeom prst="hexagon">
+            <a:avLst>
+              <a:gd name="adj" fmla="val 27952"/>
+              <a:gd name="vf" fmla="val 115470"/>
+            </a:avLst>
+          </a:prstGeom>
+          <a:gradFill flip="none" rotWithShape="1">
+            <a:gsLst>
+              <a:gs pos="0">
+                <a:srgbClr val="FBFBFB"/>
+              </a:gs>
+              <a:gs pos="100000">
+                <a:srgbClr val="E1E1E1"/>
+              </a:gs>
+            </a:gsLst>
+            <a:lin ang="18900000" scaled="1"/>
+            <a:tileRect/>
+          </a:gradFill>
+          <a:ln w="38100">
+            <a:gradFill>
+              <a:gsLst>
+                <a:gs pos="0">
+                  <a:srgbClr val="FCFCFC"/>
+                </a:gs>
+                <a:gs pos="100000">
+                  <a:srgbClr val="E1E1E1"/>
+                </a:gs>
+              </a:gsLst>
+              <a:lin ang="5400000" scaled="1"/>
+            </a:gradFill>
+          </a:ln>
+          <a:effectLst>
+            <a:outerShdw blurRad="901700" dist="927100" dir="11040000" sx="91000" sy="91000" algn="tr" rotWithShape="0">
+              <a:prstClr val="black">
+                <a:alpha val="5000"/>
+              </a:prstClr>
+            </a:outerShdw>
+          </a:effectLst>
+        </p:spPr>
+        <p:style>
+          <a:lnRef idx="2">
+            <a:schemeClr val="accent1">
+              <a:shade val="50000"/>
+            </a:schemeClr>
+          </a:lnRef>
+          <a:fillRef idx="1">
+            <a:schemeClr val="accent1"/>
+          </a:fillRef>
+          <a:effectRef idx="0">
+            <a:schemeClr val="accent1"/>
+          </a:effectRef>
+          <a:fontRef idx="minor">
+            <a:schemeClr val="lt1"/>
+          </a:fontRef>
+        </p:style>
+        <p:txBody>
+          <a:bodyPr rtlCol="0" anchor="ctr"/>
+          <a:lstStyle/>
+          <a:p>
+            <a:pPr algn="ctr"/>
+            <a:endParaRPr lang="zh-CN" altLang="en-US"/>
+          </a:p>
+        </p:txBody>
+      </p:sp>
+      <p:sp>
+        <p:nvSpPr>
+          <p:cNvPr id="32" name="六边形 31"/>
+          <p:cNvSpPr/>
+          <p:nvPr/>
+        </p:nvSpPr>
+        <p:spPr>
+          <a:xfrm rot="5400000" flipH="1">
+            <a:off x="9827152" y="6349133"/>
+            <a:ext cx="2635986" cy="2249543"/>
+          </a:xfrm>
+          <a:prstGeom prst="hexagon">
+            <a:avLst>
+              <a:gd name="adj" fmla="val 27952"/>
+              <a:gd name="vf" fmla="val 115470"/>
+            </a:avLst>
+          </a:prstGeom>
+          <a:gradFill flip="none" rotWithShape="1">
+            <a:gsLst>
+              <a:gs pos="0">
+                <a:srgbClr val="FBFBFB"/>
+              </a:gs>
+              <a:gs pos="100000">
+                <a:srgbClr val="E1E1E1"/>
+              </a:gs>
+            </a:gsLst>
+            <a:lin ang="18900000" scaled="1"/>
+            <a:tileRect/>
+          </a:gradFill>
+          <a:ln w="38100">
+            <a:gradFill>
+              <a:gsLst>
+                <a:gs pos="0">
+                  <a:srgbClr val="FCFCFC"/>
+                </a:gs>
+                <a:gs pos="100000">
+                  <a:srgbClr val="E1E1E1"/>
+                </a:gs>
+              </a:gsLst>
+              <a:lin ang="5400000" scaled="1"/>
+            </a:gradFill>
+          </a:ln>
+          <a:effectLst>
+            <a:outerShdw blurRad="901700" dist="927100" dir="11040000" sx="91000" sy="91000" algn="tr" rotWithShape="0">
+              <a:prstClr val="black">
+                <a:alpha val="5000"/>
+              </a:prstClr>
+            </a:outerShdw>
+          </a:effectLst>
+        </p:spPr>
+        <p:style>
+          <a:lnRef idx="2">
+            <a:schemeClr val="accent1">
+              <a:shade val="50000"/>
+            </a:schemeClr>
+          </a:lnRef>
+          <a:fillRef idx="1">
+            <a:schemeClr val="accent1"/>
+          </a:fillRef>
+          <a:effectRef idx="0">
+            <a:schemeClr val="accent1"/>
+          </a:effectRef>
+          <a:fontRef idx="minor">
+            <a:schemeClr val="lt1"/>
+          </a:fontRef>
+        </p:style>
+        <p:txBody>
+          <a:bodyPr rtlCol="0" anchor="ctr"/>
+          <a:lstStyle/>
+          <a:p>
+            <a:pPr algn="ctr"/>
+            <a:endParaRPr lang="zh-CN" altLang="en-US"/>
+          </a:p>
+        </p:txBody>
+      </p:sp>
+      <p:sp>
+        <p:nvSpPr>
+          <p:cNvPr id="33" name="六边形 32"/>
+          <p:cNvSpPr/>
+          <p:nvPr/>
+        </p:nvSpPr>
+        <p:spPr>
+          <a:xfrm rot="5400000" flipH="1">
+            <a:off x="1957338" y="6647237"/>
+            <a:ext cx="1833900" cy="1565045"/>
+          </a:xfrm>
+          <a:prstGeom prst="hexagon">
+            <a:avLst>
+              <a:gd name="adj" fmla="val 27952"/>
+              <a:gd name="vf" fmla="val 115470"/>
+            </a:avLst>
+          </a:prstGeom>
+          <a:gradFill flip="none" rotWithShape="1">
+            <a:gsLst>
+              <a:gs pos="0">
+                <a:srgbClr val="FBFBFB"/>
+              </a:gs>
+              <a:gs pos="100000">
+                <a:srgbClr val="E1E1E1"/>
+              </a:gs>
+            </a:gsLst>
+            <a:lin ang="18900000" scaled="1"/>
+            <a:tileRect/>
+          </a:gradFill>
+          <a:ln w="38100">
+            <a:gradFill>
+              <a:gsLst>
+                <a:gs pos="0">
+                  <a:srgbClr val="FCFCFC"/>
+                </a:gs>
+                <a:gs pos="100000">
+                  <a:srgbClr val="E1E1E1"/>
+                </a:gs>
+              </a:gsLst>
+              <a:lin ang="5400000" scaled="1"/>
+            </a:gradFill>
+          </a:ln>
+          <a:effectLst>
+            <a:outerShdw blurRad="901700" dist="927100" dir="11040000" sx="91000" sy="91000" algn="tr" rotWithShape="0">
+              <a:prstClr val="black">
+                <a:alpha val="5000"/>
+              </a:prstClr>
+            </a:outerShdw>
+          </a:effectLst>
+        </p:spPr>
+        <p:style>
+          <a:lnRef idx="2">
+            <a:schemeClr val="accent1">
+              <a:shade val="50000"/>
+            </a:schemeClr>
+          </a:lnRef>
+          <a:fillRef idx="1">
+            <a:schemeClr val="accent1"/>
+          </a:fillRef>
+          <a:effectRef idx="0">
+            <a:schemeClr val="accent1"/>
+          </a:effectRef>
+          <a:fontRef idx="minor">
+            <a:schemeClr val="lt1"/>
+          </a:fontRef>
+        </p:style>
+        <p:txBody>
+          <a:bodyPr rtlCol="0" anchor="ctr"/>
+          <a:lstStyle/>
+          <a:p>
+            <a:pPr algn="ctr"/>
+            <a:endParaRPr lang="zh-CN" altLang="en-US"/>
+          </a:p>
+        </p:txBody>
+      </p:sp>
+      <p:sp>
+        <p:nvSpPr>
+          <p:cNvPr id="34" name="六边形 33"/>
+          <p:cNvSpPr/>
+          <p:nvPr/>
+        </p:nvSpPr>
+        <p:spPr>
+          <a:xfrm rot="5400000" flipH="1">
+            <a:off x="-300354" y="5341249"/>
+            <a:ext cx="2581335" cy="2202903"/>
+          </a:xfrm>
+          <a:prstGeom prst="hexagon">
+            <a:avLst>
+              <a:gd name="adj" fmla="val 27952"/>
+              <a:gd name="vf" fmla="val 115470"/>
+            </a:avLst>
+          </a:prstGeom>
+          <a:gradFill flip="none" rotWithShape="1">
+            <a:gsLst>
+              <a:gs pos="0">
+                <a:srgbClr val="FBFBFB"/>
+              </a:gs>
+              <a:gs pos="100000">
+                <a:srgbClr val="E1E1E1"/>
+              </a:gs>
+            </a:gsLst>
+            <a:lin ang="18900000" scaled="1"/>
+            <a:tileRect/>
+          </a:gradFill>
+          <a:ln w="38100">
+            <a:gradFill>
+              <a:gsLst>
+                <a:gs pos="0">
+                  <a:srgbClr val="FCFCFC"/>
+                </a:gs>
+                <a:gs pos="100000">
+                  <a:srgbClr val="E1E1E1"/>
+                </a:gs>
+              </a:gsLst>
+              <a:lin ang="5400000" scaled="1"/>
+            </a:gradFill>
+          </a:ln>
+          <a:effectLst>
+            <a:outerShdw blurRad="901700" dist="927100" dir="11040000" sx="91000" sy="91000" algn="tr" rotWithShape="0">
+              <a:prstClr val="black">
+                <a:alpha val="5000"/>
+              </a:prstClr>
+            </a:outerShdw>
+          </a:effectLst>
+        </p:spPr>
+        <p:style>
+          <a:lnRef idx="2">
+            <a:schemeClr val="accent1">
+              <a:shade val="50000"/>
+            </a:schemeClr>
+          </a:lnRef>
+          <a:fillRef idx="1">
+            <a:schemeClr val="accent1"/>
+          </a:fillRef>
+          <a:effectRef idx="0">
+            <a:schemeClr val="accent1"/>
+          </a:effectRef>
+          <a:fontRef idx="minor">
+            <a:schemeClr val="lt1"/>
+          </a:fontRef>
+        </p:style>
+        <p:txBody>
+          <a:bodyPr rtlCol="0" anchor="ctr"/>
+          <a:lstStyle/>
+          <a:p>
+            <a:pPr algn="ctr"/>
+            <a:endParaRPr lang="zh-CN" altLang="en-US"/>
+          </a:p>
+        </p:txBody>
+      </p:sp>
+      <p:sp>
+        <p:nvSpPr>
+          <p:cNvPr id="35" name="六边形 34"/>
+          <p:cNvSpPr/>
+          <p:nvPr/>
+        </p:nvSpPr>
+        <p:spPr>
+          <a:xfrm rot="5400000" flipH="1">
+            <a:off x="8480954" y="6906027"/>
+            <a:ext cx="519340" cy="443204"/>
+          </a:xfrm>
+          <a:prstGeom prst="hexagon">
+            <a:avLst>
+              <a:gd name="adj" fmla="val 27952"/>
+              <a:gd name="vf" fmla="val 115470"/>
+            </a:avLst>
+          </a:prstGeom>
+          <a:gradFill flip="none" rotWithShape="1">
+            <a:gsLst>
+              <a:gs pos="0">
+                <a:srgbClr val="FBFBFB"/>
+              </a:gs>
+              <a:gs pos="100000">
+                <a:srgbClr val="E1E1E1"/>
+              </a:gs>
+            </a:gsLst>
+            <a:lin ang="18900000" scaled="1"/>
+            <a:tileRect/>
+          </a:gradFill>
+          <a:ln w="38100">
+            <a:gradFill>
+              <a:gsLst>
+                <a:gs pos="0">
+                  <a:srgbClr val="FCFCFC"/>
+                </a:gs>
+                <a:gs pos="100000">
+                  <a:srgbClr val="E1E1E1"/>
+                </a:gs>
+              </a:gsLst>
+              <a:lin ang="5400000" scaled="1"/>
+            </a:gradFill>
+          </a:ln>
+          <a:effectLst>
+            <a:outerShdw blurRad="901700" dist="927100" dir="11040000" sx="91000" sy="91000" algn="tr" rotWithShape="0">
+              <a:prstClr val="black">
+                <a:alpha val="5000"/>
+              </a:prstClr>
+            </a:outerShdw>
+          </a:effectLst>
+        </p:spPr>
+        <p:style>
+          <a:lnRef idx="2">
+            <a:schemeClr val="accent1">
+              <a:shade val="50000"/>
+            </a:schemeClr>
+          </a:lnRef>
+          <a:fillRef idx="1">
+            <a:schemeClr val="accent1"/>
+          </a:fillRef>
+          <a:effectRef idx="0">
+            <a:schemeClr val="accent1"/>
+          </a:effectRef>
+          <a:fontRef idx="minor">
+            <a:schemeClr val="lt1"/>
+          </a:fontRef>
+        </p:style>
+        <p:txBody>
+          <a:bodyPr rtlCol="0" anchor="ctr"/>
+          <a:lstStyle/>
+          <a:p>
+            <a:pPr algn="ctr"/>
+            <a:endParaRPr lang="zh-CN" altLang="en-US"/>
+          </a:p>
+        </p:txBody>
+      </p:sp>
+      <p:sp>
+        <p:nvSpPr>
+          <p:cNvPr id="36" name="六边形 35"/>
+          <p:cNvSpPr/>
+          <p:nvPr/>
+        </p:nvSpPr>
+        <p:spPr>
+          <a:xfrm rot="5400000" flipH="1">
+            <a:off x="7644409" y="5524526"/>
+            <a:ext cx="519344" cy="443208"/>
+          </a:xfrm>
+          <a:prstGeom prst="hexagon">
+            <a:avLst>
+              <a:gd name="adj" fmla="val 27952"/>
+              <a:gd name="vf" fmla="val 115470"/>
+            </a:avLst>
+          </a:prstGeom>
+          <a:gradFill flip="none" rotWithShape="1">
+            <a:gsLst>
+              <a:gs pos="0">
+                <a:srgbClr val="FBFBFB"/>
+              </a:gs>
+              <a:gs pos="100000">
+                <a:srgbClr val="E1E1E1"/>
+              </a:gs>
+            </a:gsLst>
+            <a:lin ang="18900000" scaled="1"/>
+            <a:tileRect/>
+          </a:gradFill>
+          <a:ln w="38100">
+            <a:gradFill>
+              <a:gsLst>
+                <a:gs pos="0">
+                  <a:srgbClr val="FCFCFC"/>
+                </a:gs>
+                <a:gs pos="100000">
+                  <a:srgbClr val="E1E1E1"/>
+                </a:gs>
+              </a:gsLst>
+              <a:lin ang="5400000" scaled="1"/>
+            </a:gradFill>
+          </a:ln>
+          <a:effectLst>
+            <a:outerShdw blurRad="901700" dist="927100" dir="11040000" sx="91000" sy="91000" algn="tr" rotWithShape="0">
+              <a:prstClr val="black">
+                <a:alpha val="5000"/>
+              </a:prstClr>
+            </a:outerShdw>
+          </a:effectLst>
+        </p:spPr>
+        <p:style>
+          <a:lnRef idx="2">
+            <a:schemeClr val="accent1">
+              <a:shade val="50000"/>
+            </a:schemeClr>
+          </a:lnRef>
+          <a:fillRef idx="1">
+            <a:schemeClr val="accent1"/>
+          </a:fillRef>
+          <a:effectRef idx="0">
+            <a:schemeClr val="accent1"/>
+          </a:effectRef>
+          <a:fontRef idx="minor">
+            <a:schemeClr val="lt1"/>
+          </a:fontRef>
+        </p:style>
+        <p:txBody>
+          <a:bodyPr rtlCol="0" anchor="ctr"/>
+          <a:lstStyle/>
+          <a:p>
+            <a:pPr algn="ctr"/>
+            <a:endParaRPr lang="zh-CN" altLang="en-US"/>
           </a:p>
         </p:txBody>
       </p:sp>
@@ -7034,9 +6485,961 @@
   <p:clrMapOvr>
     <a:masterClrMapping/>
   </p:clrMapOvr>
-  <p:transition>
-    <p:wipe dir="r"/>
-  </p:transition>
+  <p:timing>
+    <p:tnLst>
+      <p:par>
+        <p:cTn id="1" dur="indefinite" restart="never" nodeType="tmRoot">
+          <p:childTnLst>
+            <p:seq concurrent="1" nextAc="seek">
+              <p:cTn id="2" dur="indefinite" nodeType="mainSeq">
+                <p:childTnLst>
+                  <p:par>
+                    <p:cTn id="3" fill="hold">
+                      <p:stCondLst>
+                        <p:cond delay="indefinite"/>
+                        <p:cond evt="onBegin" delay="0">
+                          <p:tn val="2"/>
+                        </p:cond>
+                      </p:stCondLst>
+                      <p:childTnLst>
+                        <p:par>
+                          <p:cTn id="4" fill="hold">
+                            <p:stCondLst>
+                              <p:cond delay="0"/>
+                            </p:stCondLst>
+                            <p:childTnLst>
+                              <p:par>
+                                <p:cTn id="5" presetID="53" presetClass="entr" presetSubtype="16" fill="hold" grpId="0" nodeType="withEffect">
+                                  <p:stCondLst>
+                                    <p:cond delay="0"/>
+                                  </p:stCondLst>
+                                  <p:childTnLst>
+                                    <p:set>
+                                      <p:cBhvr>
+                                        <p:cTn id="6" dur="1" fill="hold">
+                                          <p:stCondLst>
+                                            <p:cond delay="0"/>
+                                          </p:stCondLst>
+                                        </p:cTn>
+                                        <p:tgtEl>
+                                          <p:spTgt spid="16"/>
+                                        </p:tgtEl>
+                                        <p:attrNameLst>
+                                          <p:attrName>style.visibility</p:attrName>
+                                        </p:attrNameLst>
+                                      </p:cBhvr>
+                                      <p:to>
+                                        <p:strVal val="visible"/>
+                                      </p:to>
+                                    </p:set>
+                                    <p:anim calcmode="lin" valueType="num">
+                                      <p:cBhvr>
+                                        <p:cTn id="7" dur="500" fill="hold"/>
+                                        <p:tgtEl>
+                                          <p:spTgt spid="16"/>
+                                        </p:tgtEl>
+                                        <p:attrNameLst>
+                                          <p:attrName>ppt_w</p:attrName>
+                                        </p:attrNameLst>
+                                      </p:cBhvr>
+                                      <p:tavLst>
+                                        <p:tav tm="0">
+                                          <p:val>
+                                            <p:fltVal val="0"/>
+                                          </p:val>
+                                        </p:tav>
+                                        <p:tav tm="100000">
+                                          <p:val>
+                                            <p:strVal val="#ppt_w"/>
+                                          </p:val>
+                                        </p:tav>
+                                      </p:tavLst>
+                                    </p:anim>
+                                    <p:anim calcmode="lin" valueType="num">
+                                      <p:cBhvr>
+                                        <p:cTn id="8" dur="500" fill="hold"/>
+                                        <p:tgtEl>
+                                          <p:spTgt spid="16"/>
+                                        </p:tgtEl>
+                                        <p:attrNameLst>
+                                          <p:attrName>ppt_h</p:attrName>
+                                        </p:attrNameLst>
+                                      </p:cBhvr>
+                                      <p:tavLst>
+                                        <p:tav tm="0">
+                                          <p:val>
+                                            <p:fltVal val="0"/>
+                                          </p:val>
+                                        </p:tav>
+                                        <p:tav tm="100000">
+                                          <p:val>
+                                            <p:strVal val="#ppt_h"/>
+                                          </p:val>
+                                        </p:tav>
+                                      </p:tavLst>
+                                    </p:anim>
+                                    <p:animEffect transition="in" filter="fade">
+                                      <p:cBhvr>
+                                        <p:cTn id="9" dur="500"/>
+                                        <p:tgtEl>
+                                          <p:spTgt spid="16"/>
+                                        </p:tgtEl>
+                                      </p:cBhvr>
+                                    </p:animEffect>
+                                  </p:childTnLst>
+                                </p:cTn>
+                              </p:par>
+                              <p:par>
+                                <p:cTn id="10" presetID="42" presetClass="entr" presetSubtype="0" fill="hold" grpId="0" nodeType="withEffect">
+                                  <p:stCondLst>
+                                    <p:cond delay="0"/>
+                                  </p:stCondLst>
+                                  <p:childTnLst>
+                                    <p:set>
+                                      <p:cBhvr>
+                                        <p:cTn id="11" dur="1" fill="hold">
+                                          <p:stCondLst>
+                                            <p:cond delay="0"/>
+                                          </p:stCondLst>
+                                        </p:cTn>
+                                        <p:tgtEl>
+                                          <p:spTgt spid="34"/>
+                                        </p:tgtEl>
+                                        <p:attrNameLst>
+                                          <p:attrName>style.visibility</p:attrName>
+                                        </p:attrNameLst>
+                                      </p:cBhvr>
+                                      <p:to>
+                                        <p:strVal val="visible"/>
+                                      </p:to>
+                                    </p:set>
+                                    <p:animEffect transition="in" filter="fade">
+                                      <p:cBhvr>
+                                        <p:cTn id="12" dur="1000"/>
+                                        <p:tgtEl>
+                                          <p:spTgt spid="34"/>
+                                        </p:tgtEl>
+                                      </p:cBhvr>
+                                    </p:animEffect>
+                                    <p:anim calcmode="lin" valueType="num">
+                                      <p:cBhvr>
+                                        <p:cTn id="13" dur="1000" fill="hold"/>
+                                        <p:tgtEl>
+                                          <p:spTgt spid="34"/>
+                                        </p:tgtEl>
+                                        <p:attrNameLst>
+                                          <p:attrName>ppt_x</p:attrName>
+                                        </p:attrNameLst>
+                                      </p:cBhvr>
+                                      <p:tavLst>
+                                        <p:tav tm="0">
+                                          <p:val>
+                                            <p:strVal val="#ppt_x"/>
+                                          </p:val>
+                                        </p:tav>
+                                        <p:tav tm="100000">
+                                          <p:val>
+                                            <p:strVal val="#ppt_x"/>
+                                          </p:val>
+                                        </p:tav>
+                                      </p:tavLst>
+                                    </p:anim>
+                                    <p:anim calcmode="lin" valueType="num">
+                                      <p:cBhvr>
+                                        <p:cTn id="14" dur="1000" fill="hold"/>
+                                        <p:tgtEl>
+                                          <p:spTgt spid="34"/>
+                                        </p:tgtEl>
+                                        <p:attrNameLst>
+                                          <p:attrName>ppt_y</p:attrName>
+                                        </p:attrNameLst>
+                                      </p:cBhvr>
+                                      <p:tavLst>
+                                        <p:tav tm="0">
+                                          <p:val>
+                                            <p:strVal val="#ppt_y+.1"/>
+                                          </p:val>
+                                        </p:tav>
+                                        <p:tav tm="100000">
+                                          <p:val>
+                                            <p:strVal val="#ppt_y"/>
+                                          </p:val>
+                                        </p:tav>
+                                      </p:tavLst>
+                                    </p:anim>
+                                  </p:childTnLst>
+                                </p:cTn>
+                              </p:par>
+                              <p:par>
+                                <p:cTn id="15" presetID="42" presetClass="entr" presetSubtype="0" fill="hold" grpId="0" nodeType="withEffect">
+                                  <p:stCondLst>
+                                    <p:cond delay="0"/>
+                                  </p:stCondLst>
+                                  <p:childTnLst>
+                                    <p:set>
+                                      <p:cBhvr>
+                                        <p:cTn id="16" dur="1" fill="hold">
+                                          <p:stCondLst>
+                                            <p:cond delay="0"/>
+                                          </p:stCondLst>
+                                        </p:cTn>
+                                        <p:tgtEl>
+                                          <p:spTgt spid="29"/>
+                                        </p:tgtEl>
+                                        <p:attrNameLst>
+                                          <p:attrName>style.visibility</p:attrName>
+                                        </p:attrNameLst>
+                                      </p:cBhvr>
+                                      <p:to>
+                                        <p:strVal val="visible"/>
+                                      </p:to>
+                                    </p:set>
+                                    <p:animEffect transition="in" filter="fade">
+                                      <p:cBhvr>
+                                        <p:cTn id="17" dur="1000"/>
+                                        <p:tgtEl>
+                                          <p:spTgt spid="29"/>
+                                        </p:tgtEl>
+                                      </p:cBhvr>
+                                    </p:animEffect>
+                                    <p:anim calcmode="lin" valueType="num">
+                                      <p:cBhvr>
+                                        <p:cTn id="18" dur="1000" fill="hold"/>
+                                        <p:tgtEl>
+                                          <p:spTgt spid="29"/>
+                                        </p:tgtEl>
+                                        <p:attrNameLst>
+                                          <p:attrName>ppt_x</p:attrName>
+                                        </p:attrNameLst>
+                                      </p:cBhvr>
+                                      <p:tavLst>
+                                        <p:tav tm="0">
+                                          <p:val>
+                                            <p:strVal val="#ppt_x"/>
+                                          </p:val>
+                                        </p:tav>
+                                        <p:tav tm="100000">
+                                          <p:val>
+                                            <p:strVal val="#ppt_x"/>
+                                          </p:val>
+                                        </p:tav>
+                                      </p:tavLst>
+                                    </p:anim>
+                                    <p:anim calcmode="lin" valueType="num">
+                                      <p:cBhvr>
+                                        <p:cTn id="19" dur="1000" fill="hold"/>
+                                        <p:tgtEl>
+                                          <p:spTgt spid="29"/>
+                                        </p:tgtEl>
+                                        <p:attrNameLst>
+                                          <p:attrName>ppt_y</p:attrName>
+                                        </p:attrNameLst>
+                                      </p:cBhvr>
+                                      <p:tavLst>
+                                        <p:tav tm="0">
+                                          <p:val>
+                                            <p:strVal val="#ppt_y+.1"/>
+                                          </p:val>
+                                        </p:tav>
+                                        <p:tav tm="100000">
+                                          <p:val>
+                                            <p:strVal val="#ppt_y"/>
+                                          </p:val>
+                                        </p:tav>
+                                      </p:tavLst>
+                                    </p:anim>
+                                  </p:childTnLst>
+                                </p:cTn>
+                              </p:par>
+                              <p:par>
+                                <p:cTn id="20" presetID="42" presetClass="entr" presetSubtype="0" fill="hold" grpId="0" nodeType="withEffect">
+                                  <p:stCondLst>
+                                    <p:cond delay="0"/>
+                                  </p:stCondLst>
+                                  <p:childTnLst>
+                                    <p:set>
+                                      <p:cBhvr>
+                                        <p:cTn id="21" dur="1" fill="hold">
+                                          <p:stCondLst>
+                                            <p:cond delay="0"/>
+                                          </p:stCondLst>
+                                        </p:cTn>
+                                        <p:tgtEl>
+                                          <p:spTgt spid="33"/>
+                                        </p:tgtEl>
+                                        <p:attrNameLst>
+                                          <p:attrName>style.visibility</p:attrName>
+                                        </p:attrNameLst>
+                                      </p:cBhvr>
+                                      <p:to>
+                                        <p:strVal val="visible"/>
+                                      </p:to>
+                                    </p:set>
+                                    <p:animEffect transition="in" filter="fade">
+                                      <p:cBhvr>
+                                        <p:cTn id="22" dur="1000"/>
+                                        <p:tgtEl>
+                                          <p:spTgt spid="33"/>
+                                        </p:tgtEl>
+                                      </p:cBhvr>
+                                    </p:animEffect>
+                                    <p:anim calcmode="lin" valueType="num">
+                                      <p:cBhvr>
+                                        <p:cTn id="23" dur="1000" fill="hold"/>
+                                        <p:tgtEl>
+                                          <p:spTgt spid="33"/>
+                                        </p:tgtEl>
+                                        <p:attrNameLst>
+                                          <p:attrName>ppt_x</p:attrName>
+                                        </p:attrNameLst>
+                                      </p:cBhvr>
+                                      <p:tavLst>
+                                        <p:tav tm="0">
+                                          <p:val>
+                                            <p:strVal val="#ppt_x"/>
+                                          </p:val>
+                                        </p:tav>
+                                        <p:tav tm="100000">
+                                          <p:val>
+                                            <p:strVal val="#ppt_x"/>
+                                          </p:val>
+                                        </p:tav>
+                                      </p:tavLst>
+                                    </p:anim>
+                                    <p:anim calcmode="lin" valueType="num">
+                                      <p:cBhvr>
+                                        <p:cTn id="24" dur="1000" fill="hold"/>
+                                        <p:tgtEl>
+                                          <p:spTgt spid="33"/>
+                                        </p:tgtEl>
+                                        <p:attrNameLst>
+                                          <p:attrName>ppt_y</p:attrName>
+                                        </p:attrNameLst>
+                                      </p:cBhvr>
+                                      <p:tavLst>
+                                        <p:tav tm="0">
+                                          <p:val>
+                                            <p:strVal val="#ppt_y+.1"/>
+                                          </p:val>
+                                        </p:tav>
+                                        <p:tav tm="100000">
+                                          <p:val>
+                                            <p:strVal val="#ppt_y"/>
+                                          </p:val>
+                                        </p:tav>
+                                      </p:tavLst>
+                                    </p:anim>
+                                  </p:childTnLst>
+                                </p:cTn>
+                              </p:par>
+                              <p:par>
+                                <p:cTn id="25" presetID="42" presetClass="entr" presetSubtype="0" fill="hold" grpId="0" nodeType="withEffect">
+                                  <p:stCondLst>
+                                    <p:cond delay="0"/>
+                                  </p:stCondLst>
+                                  <p:childTnLst>
+                                    <p:set>
+                                      <p:cBhvr>
+                                        <p:cTn id="26" dur="1" fill="hold">
+                                          <p:stCondLst>
+                                            <p:cond delay="0"/>
+                                          </p:stCondLst>
+                                        </p:cTn>
+                                        <p:tgtEl>
+                                          <p:spTgt spid="28"/>
+                                        </p:tgtEl>
+                                        <p:attrNameLst>
+                                          <p:attrName>style.visibility</p:attrName>
+                                        </p:attrNameLst>
+                                      </p:cBhvr>
+                                      <p:to>
+                                        <p:strVal val="visible"/>
+                                      </p:to>
+                                    </p:set>
+                                    <p:animEffect transition="in" filter="fade">
+                                      <p:cBhvr>
+                                        <p:cTn id="27" dur="1000"/>
+                                        <p:tgtEl>
+                                          <p:spTgt spid="28"/>
+                                        </p:tgtEl>
+                                      </p:cBhvr>
+                                    </p:animEffect>
+                                    <p:anim calcmode="lin" valueType="num">
+                                      <p:cBhvr>
+                                        <p:cTn id="28" dur="1000" fill="hold"/>
+                                        <p:tgtEl>
+                                          <p:spTgt spid="28"/>
+                                        </p:tgtEl>
+                                        <p:attrNameLst>
+                                          <p:attrName>ppt_x</p:attrName>
+                                        </p:attrNameLst>
+                                      </p:cBhvr>
+                                      <p:tavLst>
+                                        <p:tav tm="0">
+                                          <p:val>
+                                            <p:strVal val="#ppt_x"/>
+                                          </p:val>
+                                        </p:tav>
+                                        <p:tav tm="100000">
+                                          <p:val>
+                                            <p:strVal val="#ppt_x"/>
+                                          </p:val>
+                                        </p:tav>
+                                      </p:tavLst>
+                                    </p:anim>
+                                    <p:anim calcmode="lin" valueType="num">
+                                      <p:cBhvr>
+                                        <p:cTn id="29" dur="1000" fill="hold"/>
+                                        <p:tgtEl>
+                                          <p:spTgt spid="28"/>
+                                        </p:tgtEl>
+                                        <p:attrNameLst>
+                                          <p:attrName>ppt_y</p:attrName>
+                                        </p:attrNameLst>
+                                      </p:cBhvr>
+                                      <p:tavLst>
+                                        <p:tav tm="0">
+                                          <p:val>
+                                            <p:strVal val="#ppt_y+.1"/>
+                                          </p:val>
+                                        </p:tav>
+                                        <p:tav tm="100000">
+                                          <p:val>
+                                            <p:strVal val="#ppt_y"/>
+                                          </p:val>
+                                        </p:tav>
+                                      </p:tavLst>
+                                    </p:anim>
+                                  </p:childTnLst>
+                                </p:cTn>
+                              </p:par>
+                              <p:par>
+                                <p:cTn id="30" presetID="42" presetClass="entr" presetSubtype="0" fill="hold" grpId="0" nodeType="withEffect">
+                                  <p:stCondLst>
+                                    <p:cond delay="0"/>
+                                  </p:stCondLst>
+                                  <p:childTnLst>
+                                    <p:set>
+                                      <p:cBhvr>
+                                        <p:cTn id="31" dur="1" fill="hold">
+                                          <p:stCondLst>
+                                            <p:cond delay="0"/>
+                                          </p:stCondLst>
+                                        </p:cTn>
+                                        <p:tgtEl>
+                                          <p:spTgt spid="27"/>
+                                        </p:tgtEl>
+                                        <p:attrNameLst>
+                                          <p:attrName>style.visibility</p:attrName>
+                                        </p:attrNameLst>
+                                      </p:cBhvr>
+                                      <p:to>
+                                        <p:strVal val="visible"/>
+                                      </p:to>
+                                    </p:set>
+                                    <p:animEffect transition="in" filter="fade">
+                                      <p:cBhvr>
+                                        <p:cTn id="32" dur="1000"/>
+                                        <p:tgtEl>
+                                          <p:spTgt spid="27"/>
+                                        </p:tgtEl>
+                                      </p:cBhvr>
+                                    </p:animEffect>
+                                    <p:anim calcmode="lin" valueType="num">
+                                      <p:cBhvr>
+                                        <p:cTn id="33" dur="1000" fill="hold"/>
+                                        <p:tgtEl>
+                                          <p:spTgt spid="27"/>
+                                        </p:tgtEl>
+                                        <p:attrNameLst>
+                                          <p:attrName>ppt_x</p:attrName>
+                                        </p:attrNameLst>
+                                      </p:cBhvr>
+                                      <p:tavLst>
+                                        <p:tav tm="0">
+                                          <p:val>
+                                            <p:strVal val="#ppt_x"/>
+                                          </p:val>
+                                        </p:tav>
+                                        <p:tav tm="100000">
+                                          <p:val>
+                                            <p:strVal val="#ppt_x"/>
+                                          </p:val>
+                                        </p:tav>
+                                      </p:tavLst>
+                                    </p:anim>
+                                    <p:anim calcmode="lin" valueType="num">
+                                      <p:cBhvr>
+                                        <p:cTn id="34" dur="1000" fill="hold"/>
+                                        <p:tgtEl>
+                                          <p:spTgt spid="27"/>
+                                        </p:tgtEl>
+                                        <p:attrNameLst>
+                                          <p:attrName>ppt_y</p:attrName>
+                                        </p:attrNameLst>
+                                      </p:cBhvr>
+                                      <p:tavLst>
+                                        <p:tav tm="0">
+                                          <p:val>
+                                            <p:strVal val="#ppt_y+.1"/>
+                                          </p:val>
+                                        </p:tav>
+                                        <p:tav tm="100000">
+                                          <p:val>
+                                            <p:strVal val="#ppt_y"/>
+                                          </p:val>
+                                        </p:tav>
+                                      </p:tavLst>
+                                    </p:anim>
+                                  </p:childTnLst>
+                                </p:cTn>
+                              </p:par>
+                              <p:par>
+                                <p:cTn id="35" presetID="42" presetClass="entr" presetSubtype="0" fill="hold" grpId="0" nodeType="withEffect">
+                                  <p:stCondLst>
+                                    <p:cond delay="0"/>
+                                  </p:stCondLst>
+                                  <p:childTnLst>
+                                    <p:set>
+                                      <p:cBhvr>
+                                        <p:cTn id="36" dur="1" fill="hold">
+                                          <p:stCondLst>
+                                            <p:cond delay="0"/>
+                                          </p:stCondLst>
+                                        </p:cTn>
+                                        <p:tgtEl>
+                                          <p:spTgt spid="36"/>
+                                        </p:tgtEl>
+                                        <p:attrNameLst>
+                                          <p:attrName>style.visibility</p:attrName>
+                                        </p:attrNameLst>
+                                      </p:cBhvr>
+                                      <p:to>
+                                        <p:strVal val="visible"/>
+                                      </p:to>
+                                    </p:set>
+                                    <p:animEffect transition="in" filter="fade">
+                                      <p:cBhvr>
+                                        <p:cTn id="37" dur="1000"/>
+                                        <p:tgtEl>
+                                          <p:spTgt spid="36"/>
+                                        </p:tgtEl>
+                                      </p:cBhvr>
+                                    </p:animEffect>
+                                    <p:anim calcmode="lin" valueType="num">
+                                      <p:cBhvr>
+                                        <p:cTn id="38" dur="1000" fill="hold"/>
+                                        <p:tgtEl>
+                                          <p:spTgt spid="36"/>
+                                        </p:tgtEl>
+                                        <p:attrNameLst>
+                                          <p:attrName>ppt_x</p:attrName>
+                                        </p:attrNameLst>
+                                      </p:cBhvr>
+                                      <p:tavLst>
+                                        <p:tav tm="0">
+                                          <p:val>
+                                            <p:strVal val="#ppt_x"/>
+                                          </p:val>
+                                        </p:tav>
+                                        <p:tav tm="100000">
+                                          <p:val>
+                                            <p:strVal val="#ppt_x"/>
+                                          </p:val>
+                                        </p:tav>
+                                      </p:tavLst>
+                                    </p:anim>
+                                    <p:anim calcmode="lin" valueType="num">
+                                      <p:cBhvr>
+                                        <p:cTn id="39" dur="1000" fill="hold"/>
+                                        <p:tgtEl>
+                                          <p:spTgt spid="36"/>
+                                        </p:tgtEl>
+                                        <p:attrNameLst>
+                                          <p:attrName>ppt_y</p:attrName>
+                                        </p:attrNameLst>
+                                      </p:cBhvr>
+                                      <p:tavLst>
+                                        <p:tav tm="0">
+                                          <p:val>
+                                            <p:strVal val="#ppt_y+.1"/>
+                                          </p:val>
+                                        </p:tav>
+                                        <p:tav tm="100000">
+                                          <p:val>
+                                            <p:strVal val="#ppt_y"/>
+                                          </p:val>
+                                        </p:tav>
+                                      </p:tavLst>
+                                    </p:anim>
+                                  </p:childTnLst>
+                                </p:cTn>
+                              </p:par>
+                              <p:par>
+                                <p:cTn id="40" presetID="42" presetClass="entr" presetSubtype="0" fill="hold" grpId="0" nodeType="withEffect">
+                                  <p:stCondLst>
+                                    <p:cond delay="0"/>
+                                  </p:stCondLst>
+                                  <p:childTnLst>
+                                    <p:set>
+                                      <p:cBhvr>
+                                        <p:cTn id="41" dur="1" fill="hold">
+                                          <p:stCondLst>
+                                            <p:cond delay="0"/>
+                                          </p:stCondLst>
+                                        </p:cTn>
+                                        <p:tgtEl>
+                                          <p:spTgt spid="30"/>
+                                        </p:tgtEl>
+                                        <p:attrNameLst>
+                                          <p:attrName>style.visibility</p:attrName>
+                                        </p:attrNameLst>
+                                      </p:cBhvr>
+                                      <p:to>
+                                        <p:strVal val="visible"/>
+                                      </p:to>
+                                    </p:set>
+                                    <p:animEffect transition="in" filter="fade">
+                                      <p:cBhvr>
+                                        <p:cTn id="42" dur="1000"/>
+                                        <p:tgtEl>
+                                          <p:spTgt spid="30"/>
+                                        </p:tgtEl>
+                                      </p:cBhvr>
+                                    </p:animEffect>
+                                    <p:anim calcmode="lin" valueType="num">
+                                      <p:cBhvr>
+                                        <p:cTn id="43" dur="1000" fill="hold"/>
+                                        <p:tgtEl>
+                                          <p:spTgt spid="30"/>
+                                        </p:tgtEl>
+                                        <p:attrNameLst>
+                                          <p:attrName>ppt_x</p:attrName>
+                                        </p:attrNameLst>
+                                      </p:cBhvr>
+                                      <p:tavLst>
+                                        <p:tav tm="0">
+                                          <p:val>
+                                            <p:strVal val="#ppt_x"/>
+                                          </p:val>
+                                        </p:tav>
+                                        <p:tav tm="100000">
+                                          <p:val>
+                                            <p:strVal val="#ppt_x"/>
+                                          </p:val>
+                                        </p:tav>
+                                      </p:tavLst>
+                                    </p:anim>
+                                    <p:anim calcmode="lin" valueType="num">
+                                      <p:cBhvr>
+                                        <p:cTn id="44" dur="1000" fill="hold"/>
+                                        <p:tgtEl>
+                                          <p:spTgt spid="30"/>
+                                        </p:tgtEl>
+                                        <p:attrNameLst>
+                                          <p:attrName>ppt_y</p:attrName>
+                                        </p:attrNameLst>
+                                      </p:cBhvr>
+                                      <p:tavLst>
+                                        <p:tav tm="0">
+                                          <p:val>
+                                            <p:strVal val="#ppt_y+.1"/>
+                                          </p:val>
+                                        </p:tav>
+                                        <p:tav tm="100000">
+                                          <p:val>
+                                            <p:strVal val="#ppt_y"/>
+                                          </p:val>
+                                        </p:tav>
+                                      </p:tavLst>
+                                    </p:anim>
+                                  </p:childTnLst>
+                                </p:cTn>
+                              </p:par>
+                              <p:par>
+                                <p:cTn id="45" presetID="42" presetClass="entr" presetSubtype="0" fill="hold" grpId="0" nodeType="withEffect">
+                                  <p:stCondLst>
+                                    <p:cond delay="0"/>
+                                  </p:stCondLst>
+                                  <p:childTnLst>
+                                    <p:set>
+                                      <p:cBhvr>
+                                        <p:cTn id="46" dur="1" fill="hold">
+                                          <p:stCondLst>
+                                            <p:cond delay="0"/>
+                                          </p:stCondLst>
+                                        </p:cTn>
+                                        <p:tgtEl>
+                                          <p:spTgt spid="32"/>
+                                        </p:tgtEl>
+                                        <p:attrNameLst>
+                                          <p:attrName>style.visibility</p:attrName>
+                                        </p:attrNameLst>
+                                      </p:cBhvr>
+                                      <p:to>
+                                        <p:strVal val="visible"/>
+                                      </p:to>
+                                    </p:set>
+                                    <p:animEffect transition="in" filter="fade">
+                                      <p:cBhvr>
+                                        <p:cTn id="47" dur="1000"/>
+                                        <p:tgtEl>
+                                          <p:spTgt spid="32"/>
+                                        </p:tgtEl>
+                                      </p:cBhvr>
+                                    </p:animEffect>
+                                    <p:anim calcmode="lin" valueType="num">
+                                      <p:cBhvr>
+                                        <p:cTn id="48" dur="1000" fill="hold"/>
+                                        <p:tgtEl>
+                                          <p:spTgt spid="32"/>
+                                        </p:tgtEl>
+                                        <p:attrNameLst>
+                                          <p:attrName>ppt_x</p:attrName>
+                                        </p:attrNameLst>
+                                      </p:cBhvr>
+                                      <p:tavLst>
+                                        <p:tav tm="0">
+                                          <p:val>
+                                            <p:strVal val="#ppt_x"/>
+                                          </p:val>
+                                        </p:tav>
+                                        <p:tav tm="100000">
+                                          <p:val>
+                                            <p:strVal val="#ppt_x"/>
+                                          </p:val>
+                                        </p:tav>
+                                      </p:tavLst>
+                                    </p:anim>
+                                    <p:anim calcmode="lin" valueType="num">
+                                      <p:cBhvr>
+                                        <p:cTn id="49" dur="1000" fill="hold"/>
+                                        <p:tgtEl>
+                                          <p:spTgt spid="32"/>
+                                        </p:tgtEl>
+                                        <p:attrNameLst>
+                                          <p:attrName>ppt_y</p:attrName>
+                                        </p:attrNameLst>
+                                      </p:cBhvr>
+                                      <p:tavLst>
+                                        <p:tav tm="0">
+                                          <p:val>
+                                            <p:strVal val="#ppt_y+.1"/>
+                                          </p:val>
+                                        </p:tav>
+                                        <p:tav tm="100000">
+                                          <p:val>
+                                            <p:strVal val="#ppt_y"/>
+                                          </p:val>
+                                        </p:tav>
+                                      </p:tavLst>
+                                    </p:anim>
+                                  </p:childTnLst>
+                                </p:cTn>
+                              </p:par>
+                              <p:par>
+                                <p:cTn id="50" presetID="42" presetClass="entr" presetSubtype="0" fill="hold" grpId="0" nodeType="withEffect">
+                                  <p:stCondLst>
+                                    <p:cond delay="0"/>
+                                  </p:stCondLst>
+                                  <p:childTnLst>
+                                    <p:set>
+                                      <p:cBhvr>
+                                        <p:cTn id="51" dur="1" fill="hold">
+                                          <p:stCondLst>
+                                            <p:cond delay="0"/>
+                                          </p:stCondLst>
+                                        </p:cTn>
+                                        <p:tgtEl>
+                                          <p:spTgt spid="31"/>
+                                        </p:tgtEl>
+                                        <p:attrNameLst>
+                                          <p:attrName>style.visibility</p:attrName>
+                                        </p:attrNameLst>
+                                      </p:cBhvr>
+                                      <p:to>
+                                        <p:strVal val="visible"/>
+                                      </p:to>
+                                    </p:set>
+                                    <p:animEffect transition="in" filter="fade">
+                                      <p:cBhvr>
+                                        <p:cTn id="52" dur="1000"/>
+                                        <p:tgtEl>
+                                          <p:spTgt spid="31"/>
+                                        </p:tgtEl>
+                                      </p:cBhvr>
+                                    </p:animEffect>
+                                    <p:anim calcmode="lin" valueType="num">
+                                      <p:cBhvr>
+                                        <p:cTn id="53" dur="1000" fill="hold"/>
+                                        <p:tgtEl>
+                                          <p:spTgt spid="31"/>
+                                        </p:tgtEl>
+                                        <p:attrNameLst>
+                                          <p:attrName>ppt_x</p:attrName>
+                                        </p:attrNameLst>
+                                      </p:cBhvr>
+                                      <p:tavLst>
+                                        <p:tav tm="0">
+                                          <p:val>
+                                            <p:strVal val="#ppt_x"/>
+                                          </p:val>
+                                        </p:tav>
+                                        <p:tav tm="100000">
+                                          <p:val>
+                                            <p:strVal val="#ppt_x"/>
+                                          </p:val>
+                                        </p:tav>
+                                      </p:tavLst>
+                                    </p:anim>
+                                    <p:anim calcmode="lin" valueType="num">
+                                      <p:cBhvr>
+                                        <p:cTn id="54" dur="1000" fill="hold"/>
+                                        <p:tgtEl>
+                                          <p:spTgt spid="31"/>
+                                        </p:tgtEl>
+                                        <p:attrNameLst>
+                                          <p:attrName>ppt_y</p:attrName>
+                                        </p:attrNameLst>
+                                      </p:cBhvr>
+                                      <p:tavLst>
+                                        <p:tav tm="0">
+                                          <p:val>
+                                            <p:strVal val="#ppt_y+.1"/>
+                                          </p:val>
+                                        </p:tav>
+                                        <p:tav tm="100000">
+                                          <p:val>
+                                            <p:strVal val="#ppt_y"/>
+                                          </p:val>
+                                        </p:tav>
+                                      </p:tavLst>
+                                    </p:anim>
+                                  </p:childTnLst>
+                                </p:cTn>
+                              </p:par>
+                              <p:par>
+                                <p:cTn id="55" presetID="42" presetClass="entr" presetSubtype="0" fill="hold" grpId="0" nodeType="withEffect">
+                                  <p:stCondLst>
+                                    <p:cond delay="0"/>
+                                  </p:stCondLst>
+                                  <p:childTnLst>
+                                    <p:set>
+                                      <p:cBhvr>
+                                        <p:cTn id="56" dur="1" fill="hold">
+                                          <p:stCondLst>
+                                            <p:cond delay="0"/>
+                                          </p:stCondLst>
+                                        </p:cTn>
+                                        <p:tgtEl>
+                                          <p:spTgt spid="35"/>
+                                        </p:tgtEl>
+                                        <p:attrNameLst>
+                                          <p:attrName>style.visibility</p:attrName>
+                                        </p:attrNameLst>
+                                      </p:cBhvr>
+                                      <p:to>
+                                        <p:strVal val="visible"/>
+                                      </p:to>
+                                    </p:set>
+                                    <p:animEffect transition="in" filter="fade">
+                                      <p:cBhvr>
+                                        <p:cTn id="57" dur="1000"/>
+                                        <p:tgtEl>
+                                          <p:spTgt spid="35"/>
+                                        </p:tgtEl>
+                                      </p:cBhvr>
+                                    </p:animEffect>
+                                    <p:anim calcmode="lin" valueType="num">
+                                      <p:cBhvr>
+                                        <p:cTn id="58" dur="1000" fill="hold"/>
+                                        <p:tgtEl>
+                                          <p:spTgt spid="35"/>
+                                        </p:tgtEl>
+                                        <p:attrNameLst>
+                                          <p:attrName>ppt_x</p:attrName>
+                                        </p:attrNameLst>
+                                      </p:cBhvr>
+                                      <p:tavLst>
+                                        <p:tav tm="0">
+                                          <p:val>
+                                            <p:strVal val="#ppt_x"/>
+                                          </p:val>
+                                        </p:tav>
+                                        <p:tav tm="100000">
+                                          <p:val>
+                                            <p:strVal val="#ppt_x"/>
+                                          </p:val>
+                                        </p:tav>
+                                      </p:tavLst>
+                                    </p:anim>
+                                    <p:anim calcmode="lin" valueType="num">
+                                      <p:cBhvr>
+                                        <p:cTn id="59" dur="1000" fill="hold"/>
+                                        <p:tgtEl>
+                                          <p:spTgt spid="35"/>
+                                        </p:tgtEl>
+                                        <p:attrNameLst>
+                                          <p:attrName>ppt_y</p:attrName>
+                                        </p:attrNameLst>
+                                      </p:cBhvr>
+                                      <p:tavLst>
+                                        <p:tav tm="0">
+                                          <p:val>
+                                            <p:strVal val="#ppt_y+.1"/>
+                                          </p:val>
+                                        </p:tav>
+                                        <p:tav tm="100000">
+                                          <p:val>
+                                            <p:strVal val="#ppt_y"/>
+                                          </p:val>
+                                        </p:tav>
+                                      </p:tavLst>
+                                    </p:anim>
+                                  </p:childTnLst>
+                                </p:cTn>
+                              </p:par>
+                            </p:childTnLst>
+                          </p:cTn>
+                        </p:par>
+                      </p:childTnLst>
+                    </p:cTn>
+                  </p:par>
+                </p:childTnLst>
+              </p:cTn>
+              <p:prevCondLst>
+                <p:cond evt="onPrev" delay="0">
+                  <p:tgtEl>
+                    <p:sldTgt/>
+                  </p:tgtEl>
+                </p:cond>
+              </p:prevCondLst>
+              <p:nextCondLst>
+                <p:cond evt="onNext" delay="0">
+                  <p:tgtEl>
+                    <p:sldTgt/>
+                  </p:tgtEl>
+                </p:cond>
+              </p:nextCondLst>
+            </p:seq>
+          </p:childTnLst>
+        </p:cTn>
+      </p:par>
+    </p:tnLst>
+    <p:bldLst>
+      <p:bldP spid="16" grpId="0" bldLvl="0" animBg="1"/>
+      <p:bldP spid="27" grpId="0" animBg="1"/>
+      <p:bldP spid="28" grpId="0" animBg="1"/>
+      <p:bldP spid="29" grpId="0" animBg="1"/>
+      <p:bldP spid="30" grpId="0" animBg="1"/>
+      <p:bldP spid="31" grpId="0" animBg="1"/>
+      <p:bldP spid="32" grpId="0" animBg="1"/>
+      <p:bldP spid="33" grpId="0" animBg="1"/>
+      <p:bldP spid="34" grpId="0" animBg="1"/>
+      <p:bldP spid="35" grpId="0" animBg="1"/>
+      <p:bldP spid="36" grpId="0" animBg="1"/>
+    </p:bldLst>
+  </p:timing>
 </p:sld>
 </file>
 
@@ -8317,2508 +8720,6 @@
 </p:sld>
 </file>
 
-<file path=ppt/slides/slide20.xml><?xml version="1.0" encoding="utf-8"?>
-<p:sld xmlns:a="http://schemas.openxmlformats.org/drawingml/2006/main" xmlns:r="http://schemas.openxmlformats.org/officeDocument/2006/relationships" xmlns:p="http://schemas.openxmlformats.org/presentationml/2006/main">
-  <p:cSld>
-    <p:spTree>
-      <p:nvGrpSpPr>
-        <p:cNvPr id="1" name=""/>
-        <p:cNvGrpSpPr/>
-        <p:nvPr/>
-      </p:nvGrpSpPr>
-      <p:grpSpPr>
-        <a:xfrm>
-          <a:off x="0" y="0"/>
-          <a:ext cx="0" cy="0"/>
-          <a:chOff x="0" y="0"/>
-          <a:chExt cx="0" cy="0"/>
-        </a:xfrm>
-      </p:grpSpPr>
-      <p:sp>
-        <p:nvSpPr>
-          <p:cNvPr id="2" name="标题 1"/>
-          <p:cNvSpPr>
-            <a:spLocks noGrp="1"/>
-          </p:cNvSpPr>
-          <p:nvPr>
-            <p:ph type="ctrTitle"/>
-          </p:nvPr>
-        </p:nvSpPr>
-        <p:spPr/>
-        <p:txBody>
-          <a:bodyPr/>
-          <a:lstStyle/>
-          <a:p>
-            <a:r>
-              <a:rPr lang="zh-CN" altLang="en-US"/>
-              <a:t>绝对定位</a:t>
-            </a:r>
-          </a:p>
-        </p:txBody>
-      </p:sp>
-      <p:sp>
-        <p:nvSpPr>
-          <p:cNvPr id="3" name="副标题 2"/>
-          <p:cNvSpPr>
-            <a:spLocks noGrp="1"/>
-          </p:cNvSpPr>
-          <p:nvPr>
-            <p:ph type="subTitle" idx="1"/>
-          </p:nvPr>
-        </p:nvSpPr>
-        <p:spPr/>
-        <p:txBody>
-          <a:bodyPr>
-            <a:normAutofit/>
-          </a:bodyPr>
-          <a:lstStyle/>
-          <a:p>
-            <a:r>
-              <a:rPr lang="zh-CN" altLang="en-US" dirty="0">
-                <a:sym typeface="+mn-ea"/>
-              </a:rPr>
-              <a:t>position: absolute;</a:t>
-            </a:r>
-          </a:p>
-          <a:p>
-            <a:r>
-              <a:rPr lang="zh-CN" altLang="en-US" dirty="0">
-                <a:sym typeface="+mn-ea"/>
-              </a:rPr>
-              <a:t>绝对定位的元素的位置相对于最近的已定位祖先元素，若没有则为界面左上方</a:t>
-            </a:r>
-          </a:p>
-          <a:p>
-            <a:r>
-              <a:rPr lang="en-US" altLang="zh-CN" dirty="0">
-                <a:sym typeface="+mn-ea"/>
-              </a:rPr>
-              <a:t>元素的位置通过 "left", "top", "right" 以及 "bottom" 属性进行规定</a:t>
-            </a:r>
-          </a:p>
-          <a:p>
-            <a:r>
-              <a:rPr lang="en-US" altLang="zh-CN" dirty="0" err="1">
-                <a:sym typeface="+mn-ea"/>
-              </a:rPr>
-              <a:t>脱离了文</a:t>
-            </a:r>
-            <a:r>
-              <a:rPr lang="zh-CN" altLang="en-US" dirty="0">
-                <a:sym typeface="+mn-ea"/>
-              </a:rPr>
-              <a:t>档</a:t>
-            </a:r>
-            <a:r>
-              <a:rPr lang="en-US" altLang="zh-CN" dirty="0" err="1">
-                <a:sym typeface="+mn-ea"/>
-              </a:rPr>
-              <a:t>流（即在文档中已经不占据位置</a:t>
-            </a:r>
-            <a:r>
-              <a:rPr lang="en-US" altLang="zh-CN" dirty="0">
-                <a:sym typeface="+mn-ea"/>
-              </a:rPr>
-              <a:t>）</a:t>
-            </a:r>
-          </a:p>
-          <a:p>
-            <a:endParaRPr lang="zh-CN" altLang="en-US" dirty="0"/>
-          </a:p>
-        </p:txBody>
-      </p:sp>
-    </p:spTree>
-    <p:extLst>
-      <p:ext uri="{BB962C8B-B14F-4D97-AF65-F5344CB8AC3E}">
-        <p14:creationId xmlns:p14="http://schemas.microsoft.com/office/powerpoint/2010/main" val="2503217824"/>
-      </p:ext>
-    </p:extLst>
-  </p:cSld>
-  <p:clrMapOvr>
-    <a:masterClrMapping/>
-  </p:clrMapOvr>
-  <p:transition>
-    <p:wipe dir="r"/>
-  </p:transition>
-</p:sld>
-</file>
-
-<file path=ppt/slides/slide21.xml><?xml version="1.0" encoding="utf-8"?>
-<p:sld xmlns:a="http://schemas.openxmlformats.org/drawingml/2006/main" xmlns:r="http://schemas.openxmlformats.org/officeDocument/2006/relationships" xmlns:p="http://schemas.openxmlformats.org/presentationml/2006/main">
-  <p:cSld>
-    <p:spTree>
-      <p:nvGrpSpPr>
-        <p:cNvPr id="1" name=""/>
-        <p:cNvGrpSpPr/>
-        <p:nvPr/>
-      </p:nvGrpSpPr>
-      <p:grpSpPr>
-        <a:xfrm>
-          <a:off x="0" y="0"/>
-          <a:ext cx="0" cy="0"/>
-          <a:chOff x="0" y="0"/>
-          <a:chExt cx="0" cy="0"/>
-        </a:xfrm>
-      </p:grpSpPr>
-      <p:sp>
-        <p:nvSpPr>
-          <p:cNvPr id="2" name="标题 1"/>
-          <p:cNvSpPr>
-            <a:spLocks noGrp="1"/>
-          </p:cNvSpPr>
-          <p:nvPr>
-            <p:ph type="ctrTitle"/>
-          </p:nvPr>
-        </p:nvSpPr>
-        <p:spPr/>
-        <p:txBody>
-          <a:bodyPr/>
-          <a:lstStyle/>
-          <a:p>
-            <a:r>
-              <a:rPr lang="zh-CN" altLang="en-US" dirty="0"/>
-              <a:t>一个简单的页面布局</a:t>
-            </a:r>
-          </a:p>
-        </p:txBody>
-      </p:sp>
-      <p:sp>
-        <p:nvSpPr>
-          <p:cNvPr id="3" name="副标题 2"/>
-          <p:cNvSpPr>
-            <a:spLocks noGrp="1"/>
-          </p:cNvSpPr>
-          <p:nvPr>
-            <p:ph type="subTitle" idx="1"/>
-          </p:nvPr>
-        </p:nvSpPr>
-        <p:spPr/>
-        <p:txBody>
-          <a:bodyPr>
-            <a:normAutofit fontScale="97500"/>
-          </a:bodyPr>
-          <a:lstStyle/>
-          <a:p>
-            <a:pPr marL="0" indent="0">
-              <a:buNone/>
-            </a:pPr>
-            <a:r>
-              <a:rPr lang="zh-CN" altLang="en-US" dirty="0"/>
-              <a:t>    &lt;div class="header"&gt;&lt;/div&gt;</a:t>
-            </a:r>
-          </a:p>
-          <a:p>
-            <a:pPr marL="0" indent="0">
-              <a:buNone/>
-            </a:pPr>
-            <a:r>
-              <a:rPr lang="zh-CN" altLang="en-US" dirty="0"/>
-              <a:t>    &lt;div class="center"&gt;</a:t>
-            </a:r>
-          </a:p>
-          <a:p>
-            <a:pPr marL="0" indent="0">
-              <a:buNone/>
-            </a:pPr>
-            <a:r>
-              <a:rPr lang="zh-CN" altLang="en-US" dirty="0"/>
-              <a:t>        &lt;div class="menu"&gt;&lt;/div&gt;</a:t>
-            </a:r>
-          </a:p>
-          <a:p>
-            <a:pPr marL="0" indent="0">
-              <a:buNone/>
-            </a:pPr>
-            <a:r>
-              <a:rPr lang="zh-CN" altLang="en-US" dirty="0"/>
-              <a:t>        &lt;div class="main"&gt;&lt;/div&gt;</a:t>
-            </a:r>
-          </a:p>
-          <a:p>
-            <a:pPr marL="0" indent="0">
-              <a:buNone/>
-            </a:pPr>
-            <a:r>
-              <a:rPr lang="zh-CN" altLang="en-US" dirty="0"/>
-              <a:t>    &lt;/div&gt;</a:t>
-            </a:r>
-          </a:p>
-          <a:p>
-            <a:pPr marL="0" indent="0">
-              <a:buNone/>
-            </a:pPr>
-            <a:r>
-              <a:rPr lang="zh-CN" altLang="en-US" dirty="0"/>
-              <a:t>    &lt;div class="footer"&gt;&lt;/div&gt;</a:t>
-            </a:r>
-          </a:p>
-        </p:txBody>
-      </p:sp>
-    </p:spTree>
-  </p:cSld>
-  <p:clrMapOvr>
-    <a:masterClrMapping/>
-  </p:clrMapOvr>
-  <p:transition>
-    <p:wipe dir="r"/>
-  </p:transition>
-</p:sld>
-</file>
-
-<file path=ppt/slides/slide22.xml><?xml version="1.0" encoding="utf-8"?>
-<p:sld xmlns:a="http://schemas.openxmlformats.org/drawingml/2006/main" xmlns:r="http://schemas.openxmlformats.org/officeDocument/2006/relationships" xmlns:p="http://schemas.openxmlformats.org/presentationml/2006/main">
-  <p:cSld>
-    <p:spTree>
-      <p:nvGrpSpPr>
-        <p:cNvPr id="1" name=""/>
-        <p:cNvGrpSpPr/>
-        <p:nvPr/>
-      </p:nvGrpSpPr>
-      <p:grpSpPr>
-        <a:xfrm>
-          <a:off x="0" y="0"/>
-          <a:ext cx="0" cy="0"/>
-          <a:chOff x="0" y="0"/>
-          <a:chExt cx="0" cy="0"/>
-        </a:xfrm>
-      </p:grpSpPr>
-      <p:sp>
-        <p:nvSpPr>
-          <p:cNvPr id="4" name="标题 3"/>
-          <p:cNvSpPr>
-            <a:spLocks noGrp="1"/>
-          </p:cNvSpPr>
-          <p:nvPr>
-            <p:ph type="ctrTitle"/>
-          </p:nvPr>
-        </p:nvSpPr>
-        <p:spPr/>
-        <p:txBody>
-          <a:bodyPr>
-            <a:normAutofit/>
-          </a:bodyPr>
-          <a:lstStyle/>
-          <a:p>
-            <a:r>
-              <a:rPr lang="zh-CN" altLang="en-US" dirty="0">
-                <a:sym typeface="+mn-ea"/>
-              </a:rPr>
-              <a:t>学习方式</a:t>
-            </a:r>
-            <a:endParaRPr lang="zh-CN" altLang="en-US" dirty="0">
-              <a:latin typeface="微软雅黑" panose="020B0503020204020204" pitchFamily="34" charset="-122"/>
-              <a:ea typeface="微软雅黑" panose="020B0503020204020204" pitchFamily="34" charset="-122"/>
-            </a:endParaRPr>
-          </a:p>
-        </p:txBody>
-      </p:sp>
-      <p:sp>
-        <p:nvSpPr>
-          <p:cNvPr id="5" name="副标题 4"/>
-          <p:cNvSpPr>
-            <a:spLocks noGrp="1"/>
-          </p:cNvSpPr>
-          <p:nvPr>
-            <p:ph type="subTitle" idx="1"/>
-          </p:nvPr>
-        </p:nvSpPr>
-        <p:spPr/>
-        <p:txBody>
-          <a:bodyPr>
-            <a:normAutofit/>
-          </a:bodyPr>
-          <a:lstStyle/>
-          <a:p>
-            <a:pPr>
-              <a:lnSpc>
-                <a:spcPct val="130000"/>
-              </a:lnSpc>
-            </a:pPr>
-            <a:r>
-              <a:rPr lang="zh-CN" altLang="en-US" sz="3600" dirty="0"/>
-              <a:t>官方网站</a:t>
-            </a:r>
-            <a:endParaRPr lang="en-US" altLang="zh-CN" sz="3600" dirty="0"/>
-          </a:p>
-          <a:p>
-            <a:pPr marL="0" indent="0">
-              <a:lnSpc>
-                <a:spcPct val="130000"/>
-              </a:lnSpc>
-              <a:buNone/>
-            </a:pPr>
-            <a:r>
-              <a:rPr lang="en-US" altLang="zh-CN" sz="3600" dirty="0">
-                <a:hlinkClick r:id="rId2"/>
-              </a:rPr>
-              <a:t>https://cn.vuejs.org/</a:t>
-            </a:r>
-            <a:endParaRPr lang="en-US" altLang="zh-CN" sz="3600" dirty="0"/>
-          </a:p>
-          <a:p>
-            <a:pPr lvl="1">
-              <a:lnSpc>
-                <a:spcPct val="130000"/>
-              </a:lnSpc>
-            </a:pPr>
-            <a:r>
-              <a:rPr lang="en-US" altLang="zh-CN" sz="1600" dirty="0"/>
-              <a:t>  </a:t>
-            </a:r>
-          </a:p>
-          <a:p>
-            <a:pPr>
-              <a:lnSpc>
-                <a:spcPct val="130000"/>
-              </a:lnSpc>
-            </a:pPr>
-            <a:r>
-              <a:rPr lang="zh-CN" altLang="en-US" sz="3600" dirty="0">
-                <a:latin typeface="微软雅黑" panose="020B0503020204020204" pitchFamily="34" charset="-122"/>
-                <a:ea typeface="微软雅黑" panose="020B0503020204020204" pitchFamily="34" charset="-122"/>
-              </a:rPr>
-              <a:t>自己学着去写一个小的项目，不会的问题百度</a:t>
-            </a:r>
-            <a:r>
-              <a:rPr lang="en-US" altLang="zh-CN" sz="3600" dirty="0">
-                <a:latin typeface="微软雅黑" panose="020B0503020204020204" pitchFamily="34" charset="-122"/>
-                <a:ea typeface="微软雅黑" panose="020B0503020204020204" pitchFamily="34" charset="-122"/>
-              </a:rPr>
-              <a:t>+</a:t>
-            </a:r>
-            <a:r>
-              <a:rPr lang="en-US" altLang="zh-CN" sz="3600" dirty="0" err="1">
-                <a:latin typeface="微软雅黑" panose="020B0503020204020204" pitchFamily="34" charset="-122"/>
-                <a:ea typeface="微软雅黑" panose="020B0503020204020204" pitchFamily="34" charset="-122"/>
-              </a:rPr>
-              <a:t>Github</a:t>
-            </a:r>
-            <a:endParaRPr lang="zh-CN" altLang="en-US" sz="3600" dirty="0">
-              <a:latin typeface="微软雅黑" panose="020B0503020204020204" pitchFamily="34" charset="-122"/>
-              <a:ea typeface="微软雅黑" panose="020B0503020204020204" pitchFamily="34" charset="-122"/>
-            </a:endParaRPr>
-          </a:p>
-        </p:txBody>
-      </p:sp>
-    </p:spTree>
-  </p:cSld>
-  <p:clrMapOvr>
-    <a:masterClrMapping/>
-  </p:clrMapOvr>
-  <p:transition>
-    <p:wipe dir="r"/>
-  </p:transition>
-</p:sld>
-</file>
-
-<file path=ppt/slides/slide23.xml><?xml version="1.0" encoding="utf-8"?>
-<p:sld xmlns:a="http://schemas.openxmlformats.org/drawingml/2006/main" xmlns:r="http://schemas.openxmlformats.org/officeDocument/2006/relationships" xmlns:p="http://schemas.openxmlformats.org/presentationml/2006/main">
-  <p:cSld>
-    <p:spTree>
-      <p:nvGrpSpPr>
-        <p:cNvPr id="1" name=""/>
-        <p:cNvGrpSpPr/>
-        <p:nvPr/>
-      </p:nvGrpSpPr>
-      <p:grpSpPr>
-        <a:xfrm>
-          <a:off x="0" y="0"/>
-          <a:ext cx="0" cy="0"/>
-          <a:chOff x="0" y="0"/>
-          <a:chExt cx="0" cy="0"/>
-        </a:xfrm>
-      </p:grpSpPr>
-      <p:sp>
-        <p:nvSpPr>
-          <p:cNvPr id="2" name="标题 1"/>
-          <p:cNvSpPr>
-            <a:spLocks noGrp="1"/>
-          </p:cNvSpPr>
-          <p:nvPr>
-            <p:ph type="ctrTitle"/>
-          </p:nvPr>
-        </p:nvSpPr>
-        <p:spPr/>
-        <p:txBody>
-          <a:bodyPr/>
-          <a:lstStyle/>
-          <a:p>
-            <a:r>
-              <a:rPr lang="zh-CN" altLang="en-US" dirty="0"/>
-              <a:t>作业</a:t>
-            </a:r>
-          </a:p>
-        </p:txBody>
-      </p:sp>
-      <p:sp>
-        <p:nvSpPr>
-          <p:cNvPr id="3" name="副标题 2"/>
-          <p:cNvSpPr>
-            <a:spLocks noGrp="1"/>
-          </p:cNvSpPr>
-          <p:nvPr>
-            <p:ph type="subTitle" idx="1"/>
-          </p:nvPr>
-        </p:nvSpPr>
-        <p:spPr/>
-        <p:txBody>
-          <a:bodyPr>
-            <a:normAutofit fontScale="77500" lnSpcReduction="20000"/>
-          </a:bodyPr>
-          <a:lstStyle/>
-          <a:p>
-            <a:r>
-              <a:rPr lang="zh-CN" altLang="en-US" dirty="0">
-                <a:sym typeface="+mn-ea"/>
-              </a:rPr>
-              <a:t>使用</a:t>
-            </a:r>
-            <a:r>
-              <a:rPr lang="en-US" altLang="zh-CN" dirty="0" err="1">
-                <a:sym typeface="+mn-ea"/>
-              </a:rPr>
-              <a:t>Vue</a:t>
-            </a:r>
-            <a:r>
-              <a:rPr lang="zh-CN" altLang="en-US" dirty="0">
-                <a:sym typeface="+mn-ea"/>
-              </a:rPr>
-              <a:t>框架构建一个</a:t>
-            </a:r>
-            <a:r>
-              <a:rPr lang="en-US" altLang="zh-CN" dirty="0" err="1">
-                <a:sym typeface="+mn-ea"/>
-              </a:rPr>
-              <a:t>ToDoList</a:t>
-            </a:r>
-            <a:r>
-              <a:rPr lang="zh-CN" altLang="en-US" dirty="0">
-                <a:sym typeface="+mn-ea"/>
-              </a:rPr>
-              <a:t>项目</a:t>
-            </a:r>
-            <a:endParaRPr lang="en-US" altLang="zh-CN" dirty="0">
-              <a:sym typeface="+mn-ea"/>
-            </a:endParaRPr>
-          </a:p>
-          <a:p>
-            <a:pPr marL="742950" indent="-742950">
-              <a:buFont typeface="+mj-lt"/>
-              <a:buAutoNum type="arabicPeriod"/>
-            </a:pPr>
-            <a:r>
-              <a:rPr lang="zh-CN" altLang="en-US" sz="2600" dirty="0">
-                <a:sym typeface="+mn-ea"/>
-              </a:rPr>
-              <a:t>可以新增待办任务</a:t>
-            </a:r>
-            <a:endParaRPr lang="en-US" altLang="zh-CN" sz="2600" dirty="0">
-              <a:sym typeface="+mn-ea"/>
-            </a:endParaRPr>
-          </a:p>
-          <a:p>
-            <a:pPr marL="742950" indent="-742950">
-              <a:buFont typeface="+mj-lt"/>
-              <a:buAutoNum type="arabicPeriod"/>
-            </a:pPr>
-            <a:r>
-              <a:rPr lang="zh-CN" altLang="en-US" sz="2600" dirty="0">
-                <a:sym typeface="+mn-ea"/>
-              </a:rPr>
-              <a:t>可以删除待办任务</a:t>
-            </a:r>
-            <a:endParaRPr lang="en-US" altLang="zh-CN" sz="2600" dirty="0">
-              <a:sym typeface="+mn-ea"/>
-            </a:endParaRPr>
-          </a:p>
-          <a:p>
-            <a:pPr marL="742950" indent="-742950">
-              <a:buFont typeface="+mj-lt"/>
-              <a:buAutoNum type="arabicPeriod"/>
-            </a:pPr>
-            <a:r>
-              <a:rPr lang="zh-CN" altLang="en-US" sz="2600" dirty="0">
-                <a:sym typeface="+mn-ea"/>
-              </a:rPr>
-              <a:t>待办任务状态包含进行中、已完成，进行中任务可以转换成已完成，已完成可以转换为进行中</a:t>
-            </a:r>
-            <a:endParaRPr lang="en-US" altLang="zh-CN" sz="2600" dirty="0">
-              <a:sym typeface="+mn-ea"/>
-            </a:endParaRPr>
-          </a:p>
-          <a:p>
-            <a:pPr marL="742950" indent="-742950">
-              <a:buFont typeface="+mj-lt"/>
-              <a:buAutoNum type="arabicPeriod"/>
-            </a:pPr>
-            <a:r>
-              <a:rPr lang="zh-CN" altLang="en-US" sz="2600" dirty="0">
-                <a:sym typeface="+mn-ea"/>
-              </a:rPr>
-              <a:t>显示待办任务条数</a:t>
-            </a:r>
-            <a:endParaRPr lang="en-US" altLang="zh-CN" sz="2600" dirty="0">
-              <a:sym typeface="+mn-ea"/>
-            </a:endParaRPr>
-          </a:p>
-          <a:p>
-            <a:pPr marL="742950" indent="-742950">
-              <a:buFont typeface="+mj-lt"/>
-              <a:buAutoNum type="arabicPeriod"/>
-            </a:pPr>
-            <a:r>
-              <a:rPr lang="zh-CN" altLang="en-US" sz="2600" dirty="0">
-                <a:sym typeface="+mn-ea"/>
-              </a:rPr>
-              <a:t>不要使用</a:t>
-            </a:r>
-            <a:r>
-              <a:rPr lang="en-US" altLang="zh-CN" sz="2600" dirty="0">
-                <a:sym typeface="+mn-ea"/>
-              </a:rPr>
-              <a:t>webpack(</a:t>
-            </a:r>
-            <a:r>
-              <a:rPr lang="zh-CN" altLang="en-US" sz="2600" dirty="0">
-                <a:sym typeface="+mn-ea"/>
-              </a:rPr>
-              <a:t>不方便查看作业）</a:t>
-            </a:r>
-            <a:endParaRPr lang="en-US" altLang="zh-CN" sz="2600" dirty="0">
-              <a:sym typeface="+mn-ea"/>
-            </a:endParaRPr>
-          </a:p>
-          <a:p>
-            <a:r>
-              <a:rPr lang="zh-CN" altLang="en-US" dirty="0">
-                <a:sym typeface="+mn-ea"/>
-              </a:rPr>
-              <a:t>提交至</a:t>
-            </a:r>
-            <a:r>
-              <a:rPr lang="en-US" altLang="zh-CN" dirty="0">
-                <a:sym typeface="+mn-ea"/>
-              </a:rPr>
-              <a:t>SVN</a:t>
-            </a:r>
-            <a:r>
-              <a:rPr lang="zh-CN" altLang="en-US" dirty="0">
-                <a:sym typeface="+mn-ea"/>
-              </a:rPr>
-              <a:t>个人目录下</a:t>
-            </a:r>
-            <a:r>
-              <a:rPr lang="en-US" altLang="zh-CN" dirty="0" err="1">
-                <a:sym typeface="+mn-ea"/>
-              </a:rPr>
-              <a:t>Vue</a:t>
-            </a:r>
-            <a:r>
-              <a:rPr lang="zh-CN" altLang="en-US" dirty="0">
-                <a:sym typeface="+mn-ea"/>
-              </a:rPr>
-              <a:t>文件夹</a:t>
-            </a:r>
-            <a:endParaRPr lang="en-US" altLang="zh-CN" dirty="0">
-              <a:sym typeface="+mn-ea"/>
-            </a:endParaRPr>
-          </a:p>
-          <a:p>
-            <a:pPr marL="0" indent="0">
-              <a:buNone/>
-            </a:pPr>
-            <a:r>
-              <a:rPr lang="en-US" altLang="zh-CN" dirty="0">
-                <a:sym typeface="+mn-ea"/>
-              </a:rPr>
-              <a:t>	(</a:t>
-            </a:r>
-            <a:r>
-              <a:rPr lang="en-US" altLang="zh-CN" sz="3600" dirty="0">
-                <a:hlinkClick r:id="rId2"/>
-              </a:rPr>
-              <a:t>http://hw2/svn/test2018/</a:t>
-            </a:r>
-            <a:r>
-              <a:rPr lang="zh-CN" altLang="en-US" sz="3600" dirty="0"/>
-              <a:t>电脑登录名</a:t>
-            </a:r>
-            <a:r>
-              <a:rPr lang="en-US" altLang="zh-CN" sz="3600" dirty="0"/>
-              <a:t>/</a:t>
-            </a:r>
-            <a:r>
-              <a:rPr lang="en-US" altLang="zh-CN" sz="3600" dirty="0" err="1"/>
-              <a:t>Vue</a:t>
-            </a:r>
-            <a:r>
-              <a:rPr lang="en-US" altLang="zh-CN" dirty="0">
-                <a:sym typeface="+mn-ea"/>
-              </a:rPr>
-              <a:t>)</a:t>
-            </a:r>
-          </a:p>
-          <a:p>
-            <a:r>
-              <a:rPr lang="en-US" altLang="zh-CN" dirty="0">
-                <a:sym typeface="+mn-ea"/>
-              </a:rPr>
-              <a:t>4</a:t>
-            </a:r>
-            <a:r>
-              <a:rPr lang="zh-CN" altLang="en-US" dirty="0">
-                <a:sym typeface="+mn-ea"/>
-              </a:rPr>
-              <a:t>月</a:t>
-            </a:r>
-            <a:r>
-              <a:rPr lang="en-US" altLang="zh-CN" dirty="0">
-                <a:sym typeface="+mn-ea"/>
-              </a:rPr>
-              <a:t>23</a:t>
-            </a:r>
-            <a:r>
-              <a:rPr lang="zh-CN" altLang="en-US" dirty="0">
-                <a:sym typeface="+mn-ea"/>
-              </a:rPr>
-              <a:t>日前交作业（截止至</a:t>
-            </a:r>
-            <a:r>
-              <a:rPr lang="en-US" altLang="zh-CN" dirty="0">
-                <a:sym typeface="+mn-ea"/>
-              </a:rPr>
-              <a:t>14</a:t>
-            </a:r>
-            <a:r>
-              <a:rPr lang="zh-CN" altLang="en-US" dirty="0">
-                <a:sym typeface="+mn-ea"/>
-              </a:rPr>
-              <a:t>：</a:t>
-            </a:r>
-            <a:r>
-              <a:rPr lang="en-US" altLang="zh-CN" dirty="0">
-                <a:sym typeface="+mn-ea"/>
-              </a:rPr>
-              <a:t>00</a:t>
-            </a:r>
-            <a:r>
-              <a:rPr lang="zh-CN" altLang="en-US" dirty="0">
-                <a:sym typeface="+mn-ea"/>
-              </a:rPr>
-              <a:t>）</a:t>
-            </a:r>
-            <a:endParaRPr lang="en-US" altLang="zh-CN" dirty="0">
-              <a:sym typeface="+mn-ea"/>
-            </a:endParaRPr>
-          </a:p>
-          <a:p>
-            <a:endParaRPr lang="zh-CN" altLang="en-US" dirty="0">
-              <a:sym typeface="+mn-ea"/>
-            </a:endParaRPr>
-          </a:p>
-          <a:p>
-            <a:endParaRPr lang="zh-CN" altLang="en-US" dirty="0"/>
-          </a:p>
-        </p:txBody>
-      </p:sp>
-    </p:spTree>
-    <p:extLst>
-      <p:ext uri="{BB962C8B-B14F-4D97-AF65-F5344CB8AC3E}">
-        <p14:creationId xmlns:p14="http://schemas.microsoft.com/office/powerpoint/2010/main" val="2153077848"/>
-      </p:ext>
-    </p:extLst>
-  </p:cSld>
-  <p:clrMapOvr>
-    <a:masterClrMapping/>
-  </p:clrMapOvr>
-  <p:transition>
-    <p:wipe dir="r"/>
-  </p:transition>
-</p:sld>
-</file>
-
-<file path=ppt/slides/slide24.xml><?xml version="1.0" encoding="utf-8"?>
-<p:sld xmlns:a="http://schemas.openxmlformats.org/drawingml/2006/main" xmlns:r="http://schemas.openxmlformats.org/officeDocument/2006/relationships" xmlns:p="http://schemas.openxmlformats.org/presentationml/2006/main">
-  <p:cSld>
-    <p:spTree>
-      <p:nvGrpSpPr>
-        <p:cNvPr id="1" name=""/>
-        <p:cNvGrpSpPr/>
-        <p:nvPr/>
-      </p:nvGrpSpPr>
-      <p:grpSpPr>
-        <a:xfrm>
-          <a:off x="0" y="0"/>
-          <a:ext cx="0" cy="0"/>
-          <a:chOff x="0" y="0"/>
-          <a:chExt cx="0" cy="0"/>
-        </a:xfrm>
-      </p:grpSpPr>
-      <p:sp>
-        <p:nvSpPr>
-          <p:cNvPr id="16" name="文本框 15"/>
-          <p:cNvSpPr txBox="1"/>
-          <p:nvPr/>
-        </p:nvSpPr>
-        <p:spPr>
-          <a:xfrm>
-            <a:off x="3951824" y="2521036"/>
-            <a:ext cx="4754880" cy="1310640"/>
-          </a:xfrm>
-          <a:prstGeom prst="rect">
-            <a:avLst/>
-          </a:prstGeom>
-          <a:noFill/>
-          <a:effectLst>
-            <a:outerShdw blurRad="114300" dist="38100" dir="5460000" algn="tr" rotWithShape="0">
-              <a:prstClr val="black">
-                <a:alpha val="16000"/>
-              </a:prstClr>
-            </a:outerShdw>
-          </a:effectLst>
-        </p:spPr>
-        <p:txBody>
-          <a:bodyPr wrap="none" rtlCol="0">
-            <a:spAutoFit/>
-          </a:bodyPr>
-          <a:lstStyle/>
-          <a:p>
-            <a:r>
-              <a:rPr lang="zh-CN" altLang="en-US" sz="8000" dirty="0">
-                <a:solidFill>
-                  <a:schemeClr val="bg1"/>
-                </a:solidFill>
-                <a:latin typeface="方正正纤黑简体" panose="02000000000000000000" pitchFamily="2" charset="-122"/>
-                <a:ea typeface="方正正纤黑简体" panose="02000000000000000000" pitchFamily="2" charset="-122"/>
-              </a:rPr>
-              <a:t>谢谢大家</a:t>
-            </a:r>
-            <a:r>
-              <a:rPr lang="en-US" altLang="zh-CN" sz="8000" dirty="0">
-                <a:solidFill>
-                  <a:schemeClr val="bg1"/>
-                </a:solidFill>
-                <a:latin typeface="方正正纤黑简体" panose="02000000000000000000" pitchFamily="2" charset="-122"/>
-                <a:ea typeface="方正正纤黑简体" panose="02000000000000000000" pitchFamily="2" charset="-122"/>
-              </a:rPr>
-              <a:t>!</a:t>
-            </a:r>
-          </a:p>
-        </p:txBody>
-      </p:sp>
-      <p:sp>
-        <p:nvSpPr>
-          <p:cNvPr id="27" name="六边形 26"/>
-          <p:cNvSpPr/>
-          <p:nvPr/>
-        </p:nvSpPr>
-        <p:spPr>
-          <a:xfrm rot="5400000">
-            <a:off x="3977317" y="5593935"/>
-            <a:ext cx="4237367" cy="3616159"/>
-          </a:xfrm>
-          <a:prstGeom prst="hexagon">
-            <a:avLst>
-              <a:gd name="adj" fmla="val 27952"/>
-              <a:gd name="vf" fmla="val 115470"/>
-            </a:avLst>
-          </a:prstGeom>
-          <a:gradFill flip="none" rotWithShape="1">
-            <a:gsLst>
-              <a:gs pos="0">
-                <a:srgbClr val="FBFBFB"/>
-              </a:gs>
-              <a:gs pos="100000">
-                <a:srgbClr val="E1E1E1"/>
-              </a:gs>
-            </a:gsLst>
-            <a:lin ang="18900000" scaled="1"/>
-            <a:tileRect/>
-          </a:gradFill>
-          <a:ln w="38100">
-            <a:gradFill>
-              <a:gsLst>
-                <a:gs pos="0">
-                  <a:srgbClr val="FCFCFC"/>
-                </a:gs>
-                <a:gs pos="100000">
-                  <a:srgbClr val="E1E1E1"/>
-                </a:gs>
-              </a:gsLst>
-              <a:lin ang="5400000" scaled="1"/>
-            </a:gradFill>
-          </a:ln>
-          <a:effectLst>
-            <a:outerShdw blurRad="901700" dist="927100" dir="11040000" sx="91000" sy="91000" algn="tr" rotWithShape="0">
-              <a:prstClr val="black">
-                <a:alpha val="5000"/>
-              </a:prstClr>
-            </a:outerShdw>
-          </a:effectLst>
-        </p:spPr>
-        <p:style>
-          <a:lnRef idx="2">
-            <a:schemeClr val="accent1">
-              <a:shade val="50000"/>
-            </a:schemeClr>
-          </a:lnRef>
-          <a:fillRef idx="1">
-            <a:schemeClr val="accent1"/>
-          </a:fillRef>
-          <a:effectRef idx="0">
-            <a:schemeClr val="accent1"/>
-          </a:effectRef>
-          <a:fontRef idx="minor">
-            <a:schemeClr val="lt1"/>
-          </a:fontRef>
-        </p:style>
-        <p:txBody>
-          <a:bodyPr rtlCol="0" anchor="ctr"/>
-          <a:lstStyle/>
-          <a:p>
-            <a:pPr algn="ctr"/>
-            <a:endParaRPr lang="zh-CN" altLang="en-US"/>
-          </a:p>
-        </p:txBody>
-      </p:sp>
-      <p:sp>
-        <p:nvSpPr>
-          <p:cNvPr id="28" name="六边形 27"/>
-          <p:cNvSpPr/>
-          <p:nvPr/>
-        </p:nvSpPr>
-        <p:spPr>
-          <a:xfrm rot="5400000" flipH="1">
-            <a:off x="2583546" y="7014855"/>
-            <a:ext cx="3207864" cy="2737582"/>
-          </a:xfrm>
-          <a:prstGeom prst="hexagon">
-            <a:avLst>
-              <a:gd name="adj" fmla="val 27952"/>
-              <a:gd name="vf" fmla="val 115470"/>
-            </a:avLst>
-          </a:prstGeom>
-          <a:gradFill flip="none" rotWithShape="1">
-            <a:gsLst>
-              <a:gs pos="0">
-                <a:srgbClr val="FBFBFB"/>
-              </a:gs>
-              <a:gs pos="100000">
-                <a:srgbClr val="E1E1E1"/>
-              </a:gs>
-            </a:gsLst>
-            <a:lin ang="18900000" scaled="1"/>
-            <a:tileRect/>
-          </a:gradFill>
-          <a:ln w="38100">
-            <a:gradFill>
-              <a:gsLst>
-                <a:gs pos="0">
-                  <a:srgbClr val="FCFCFC"/>
-                </a:gs>
-                <a:gs pos="100000">
-                  <a:srgbClr val="E1E1E1"/>
-                </a:gs>
-              </a:gsLst>
-              <a:lin ang="5400000" scaled="1"/>
-            </a:gradFill>
-          </a:ln>
-          <a:effectLst>
-            <a:outerShdw blurRad="901700" dist="927100" dir="11040000" sx="91000" sy="91000" algn="tr" rotWithShape="0">
-              <a:prstClr val="black">
-                <a:alpha val="5000"/>
-              </a:prstClr>
-            </a:outerShdw>
-          </a:effectLst>
-        </p:spPr>
-        <p:style>
-          <a:lnRef idx="2">
-            <a:schemeClr val="accent1">
-              <a:shade val="50000"/>
-            </a:schemeClr>
-          </a:lnRef>
-          <a:fillRef idx="1">
-            <a:schemeClr val="accent1"/>
-          </a:fillRef>
-          <a:effectRef idx="0">
-            <a:schemeClr val="accent1"/>
-          </a:effectRef>
-          <a:fontRef idx="minor">
-            <a:schemeClr val="lt1"/>
-          </a:fontRef>
-        </p:style>
-        <p:txBody>
-          <a:bodyPr rtlCol="0" anchor="ctr"/>
-          <a:lstStyle/>
-          <a:p>
-            <a:pPr algn="ctr"/>
-            <a:endParaRPr lang="zh-CN" altLang="en-US"/>
-          </a:p>
-        </p:txBody>
-      </p:sp>
-      <p:sp>
-        <p:nvSpPr>
-          <p:cNvPr id="29" name="六边形 28"/>
-          <p:cNvSpPr/>
-          <p:nvPr/>
-        </p:nvSpPr>
-        <p:spPr>
-          <a:xfrm rot="5400000" flipH="1">
-            <a:off x="3405372" y="5833227"/>
-            <a:ext cx="1188193" cy="1014000"/>
-          </a:xfrm>
-          <a:prstGeom prst="hexagon">
-            <a:avLst>
-              <a:gd name="adj" fmla="val 27952"/>
-              <a:gd name="vf" fmla="val 115470"/>
-            </a:avLst>
-          </a:prstGeom>
-          <a:gradFill flip="none" rotWithShape="1">
-            <a:gsLst>
-              <a:gs pos="0">
-                <a:srgbClr val="FBFBFB"/>
-              </a:gs>
-              <a:gs pos="100000">
-                <a:srgbClr val="E1E1E1"/>
-              </a:gs>
-            </a:gsLst>
-            <a:lin ang="18900000" scaled="1"/>
-            <a:tileRect/>
-          </a:gradFill>
-          <a:ln w="38100">
-            <a:gradFill>
-              <a:gsLst>
-                <a:gs pos="0">
-                  <a:srgbClr val="FCFCFC"/>
-                </a:gs>
-                <a:gs pos="100000">
-                  <a:srgbClr val="E1E1E1"/>
-                </a:gs>
-              </a:gsLst>
-              <a:lin ang="5400000" scaled="1"/>
-            </a:gradFill>
-          </a:ln>
-          <a:effectLst>
-            <a:outerShdw blurRad="901700" dist="927100" dir="11040000" sx="91000" sy="91000" algn="tr" rotWithShape="0">
-              <a:prstClr val="black">
-                <a:alpha val="5000"/>
-              </a:prstClr>
-            </a:outerShdw>
-          </a:effectLst>
-        </p:spPr>
-        <p:style>
-          <a:lnRef idx="2">
-            <a:schemeClr val="accent1">
-              <a:shade val="50000"/>
-            </a:schemeClr>
-          </a:lnRef>
-          <a:fillRef idx="1">
-            <a:schemeClr val="accent1"/>
-          </a:fillRef>
-          <a:effectRef idx="0">
-            <a:schemeClr val="accent1"/>
-          </a:effectRef>
-          <a:fontRef idx="minor">
-            <a:schemeClr val="lt1"/>
-          </a:fontRef>
-        </p:style>
-        <p:txBody>
-          <a:bodyPr rtlCol="0" anchor="ctr"/>
-          <a:lstStyle/>
-          <a:p>
-            <a:pPr algn="ctr"/>
-            <a:endParaRPr lang="zh-CN" altLang="en-US"/>
-          </a:p>
-        </p:txBody>
-      </p:sp>
-      <p:sp>
-        <p:nvSpPr>
-          <p:cNvPr id="30" name="六边形 29"/>
-          <p:cNvSpPr/>
-          <p:nvPr/>
-        </p:nvSpPr>
-        <p:spPr>
-          <a:xfrm rot="5400000" flipH="1">
-            <a:off x="8280493" y="5239130"/>
-            <a:ext cx="1188193" cy="1014000"/>
-          </a:xfrm>
-          <a:prstGeom prst="hexagon">
-            <a:avLst>
-              <a:gd name="adj" fmla="val 27952"/>
-              <a:gd name="vf" fmla="val 115470"/>
-            </a:avLst>
-          </a:prstGeom>
-          <a:gradFill flip="none" rotWithShape="1">
-            <a:gsLst>
-              <a:gs pos="0">
-                <a:srgbClr val="FBFBFB"/>
-              </a:gs>
-              <a:gs pos="100000">
-                <a:srgbClr val="E1E1E1"/>
-              </a:gs>
-            </a:gsLst>
-            <a:lin ang="18900000" scaled="1"/>
-            <a:tileRect/>
-          </a:gradFill>
-          <a:ln w="38100">
-            <a:gradFill>
-              <a:gsLst>
-                <a:gs pos="0">
-                  <a:srgbClr val="FCFCFC"/>
-                </a:gs>
-                <a:gs pos="100000">
-                  <a:srgbClr val="E1E1E1"/>
-                </a:gs>
-              </a:gsLst>
-              <a:lin ang="5400000" scaled="1"/>
-            </a:gradFill>
-          </a:ln>
-          <a:effectLst>
-            <a:outerShdw blurRad="901700" dist="927100" dir="11040000" sx="91000" sy="91000" algn="tr" rotWithShape="0">
-              <a:prstClr val="black">
-                <a:alpha val="5000"/>
-              </a:prstClr>
-            </a:outerShdw>
-          </a:effectLst>
-        </p:spPr>
-        <p:style>
-          <a:lnRef idx="2">
-            <a:schemeClr val="accent1">
-              <a:shade val="50000"/>
-            </a:schemeClr>
-          </a:lnRef>
-          <a:fillRef idx="1">
-            <a:schemeClr val="accent1"/>
-          </a:fillRef>
-          <a:effectRef idx="0">
-            <a:schemeClr val="accent1"/>
-          </a:effectRef>
-          <a:fontRef idx="minor">
-            <a:schemeClr val="lt1"/>
-          </a:fontRef>
-        </p:style>
-        <p:txBody>
-          <a:bodyPr rtlCol="0" anchor="ctr"/>
-          <a:lstStyle/>
-          <a:p>
-            <a:pPr algn="ctr"/>
-            <a:endParaRPr lang="zh-CN" altLang="en-US"/>
-          </a:p>
-        </p:txBody>
-      </p:sp>
-      <p:sp>
-        <p:nvSpPr>
-          <p:cNvPr id="31" name="六边形 30"/>
-          <p:cNvSpPr/>
-          <p:nvPr/>
-        </p:nvSpPr>
-        <p:spPr>
-          <a:xfrm rot="5400000" flipH="1">
-            <a:off x="8812784" y="6406577"/>
-            <a:ext cx="1689837" cy="1442102"/>
-          </a:xfrm>
-          <a:prstGeom prst="hexagon">
-            <a:avLst>
-              <a:gd name="adj" fmla="val 27952"/>
-              <a:gd name="vf" fmla="val 115470"/>
-            </a:avLst>
-          </a:prstGeom>
-          <a:gradFill flip="none" rotWithShape="1">
-            <a:gsLst>
-              <a:gs pos="0">
-                <a:srgbClr val="FBFBFB"/>
-              </a:gs>
-              <a:gs pos="100000">
-                <a:srgbClr val="E1E1E1"/>
-              </a:gs>
-            </a:gsLst>
-            <a:lin ang="18900000" scaled="1"/>
-            <a:tileRect/>
-          </a:gradFill>
-          <a:ln w="38100">
-            <a:gradFill>
-              <a:gsLst>
-                <a:gs pos="0">
-                  <a:srgbClr val="FCFCFC"/>
-                </a:gs>
-                <a:gs pos="100000">
-                  <a:srgbClr val="E1E1E1"/>
-                </a:gs>
-              </a:gsLst>
-              <a:lin ang="5400000" scaled="1"/>
-            </a:gradFill>
-          </a:ln>
-          <a:effectLst>
-            <a:outerShdw blurRad="901700" dist="927100" dir="11040000" sx="91000" sy="91000" algn="tr" rotWithShape="0">
-              <a:prstClr val="black">
-                <a:alpha val="5000"/>
-              </a:prstClr>
-            </a:outerShdw>
-          </a:effectLst>
-        </p:spPr>
-        <p:style>
-          <a:lnRef idx="2">
-            <a:schemeClr val="accent1">
-              <a:shade val="50000"/>
-            </a:schemeClr>
-          </a:lnRef>
-          <a:fillRef idx="1">
-            <a:schemeClr val="accent1"/>
-          </a:fillRef>
-          <a:effectRef idx="0">
-            <a:schemeClr val="accent1"/>
-          </a:effectRef>
-          <a:fontRef idx="minor">
-            <a:schemeClr val="lt1"/>
-          </a:fontRef>
-        </p:style>
-        <p:txBody>
-          <a:bodyPr rtlCol="0" anchor="ctr"/>
-          <a:lstStyle/>
-          <a:p>
-            <a:pPr algn="ctr"/>
-            <a:endParaRPr lang="zh-CN" altLang="en-US"/>
-          </a:p>
-        </p:txBody>
-      </p:sp>
-      <p:sp>
-        <p:nvSpPr>
-          <p:cNvPr id="32" name="六边形 31"/>
-          <p:cNvSpPr/>
-          <p:nvPr/>
-        </p:nvSpPr>
-        <p:spPr>
-          <a:xfrm rot="5400000" flipH="1">
-            <a:off x="9827152" y="6349133"/>
-            <a:ext cx="2635986" cy="2249543"/>
-          </a:xfrm>
-          <a:prstGeom prst="hexagon">
-            <a:avLst>
-              <a:gd name="adj" fmla="val 27952"/>
-              <a:gd name="vf" fmla="val 115470"/>
-            </a:avLst>
-          </a:prstGeom>
-          <a:gradFill flip="none" rotWithShape="1">
-            <a:gsLst>
-              <a:gs pos="0">
-                <a:srgbClr val="FBFBFB"/>
-              </a:gs>
-              <a:gs pos="100000">
-                <a:srgbClr val="E1E1E1"/>
-              </a:gs>
-            </a:gsLst>
-            <a:lin ang="18900000" scaled="1"/>
-            <a:tileRect/>
-          </a:gradFill>
-          <a:ln w="38100">
-            <a:gradFill>
-              <a:gsLst>
-                <a:gs pos="0">
-                  <a:srgbClr val="FCFCFC"/>
-                </a:gs>
-                <a:gs pos="100000">
-                  <a:srgbClr val="E1E1E1"/>
-                </a:gs>
-              </a:gsLst>
-              <a:lin ang="5400000" scaled="1"/>
-            </a:gradFill>
-          </a:ln>
-          <a:effectLst>
-            <a:outerShdw blurRad="901700" dist="927100" dir="11040000" sx="91000" sy="91000" algn="tr" rotWithShape="0">
-              <a:prstClr val="black">
-                <a:alpha val="5000"/>
-              </a:prstClr>
-            </a:outerShdw>
-          </a:effectLst>
-        </p:spPr>
-        <p:style>
-          <a:lnRef idx="2">
-            <a:schemeClr val="accent1">
-              <a:shade val="50000"/>
-            </a:schemeClr>
-          </a:lnRef>
-          <a:fillRef idx="1">
-            <a:schemeClr val="accent1"/>
-          </a:fillRef>
-          <a:effectRef idx="0">
-            <a:schemeClr val="accent1"/>
-          </a:effectRef>
-          <a:fontRef idx="minor">
-            <a:schemeClr val="lt1"/>
-          </a:fontRef>
-        </p:style>
-        <p:txBody>
-          <a:bodyPr rtlCol="0" anchor="ctr"/>
-          <a:lstStyle/>
-          <a:p>
-            <a:pPr algn="ctr"/>
-            <a:endParaRPr lang="zh-CN" altLang="en-US"/>
-          </a:p>
-        </p:txBody>
-      </p:sp>
-      <p:sp>
-        <p:nvSpPr>
-          <p:cNvPr id="33" name="六边形 32"/>
-          <p:cNvSpPr/>
-          <p:nvPr/>
-        </p:nvSpPr>
-        <p:spPr>
-          <a:xfrm rot="5400000" flipH="1">
-            <a:off x="1957338" y="6647237"/>
-            <a:ext cx="1833900" cy="1565045"/>
-          </a:xfrm>
-          <a:prstGeom prst="hexagon">
-            <a:avLst>
-              <a:gd name="adj" fmla="val 27952"/>
-              <a:gd name="vf" fmla="val 115470"/>
-            </a:avLst>
-          </a:prstGeom>
-          <a:gradFill flip="none" rotWithShape="1">
-            <a:gsLst>
-              <a:gs pos="0">
-                <a:srgbClr val="FBFBFB"/>
-              </a:gs>
-              <a:gs pos="100000">
-                <a:srgbClr val="E1E1E1"/>
-              </a:gs>
-            </a:gsLst>
-            <a:lin ang="18900000" scaled="1"/>
-            <a:tileRect/>
-          </a:gradFill>
-          <a:ln w="38100">
-            <a:gradFill>
-              <a:gsLst>
-                <a:gs pos="0">
-                  <a:srgbClr val="FCFCFC"/>
-                </a:gs>
-                <a:gs pos="100000">
-                  <a:srgbClr val="E1E1E1"/>
-                </a:gs>
-              </a:gsLst>
-              <a:lin ang="5400000" scaled="1"/>
-            </a:gradFill>
-          </a:ln>
-          <a:effectLst>
-            <a:outerShdw blurRad="901700" dist="927100" dir="11040000" sx="91000" sy="91000" algn="tr" rotWithShape="0">
-              <a:prstClr val="black">
-                <a:alpha val="5000"/>
-              </a:prstClr>
-            </a:outerShdw>
-          </a:effectLst>
-        </p:spPr>
-        <p:style>
-          <a:lnRef idx="2">
-            <a:schemeClr val="accent1">
-              <a:shade val="50000"/>
-            </a:schemeClr>
-          </a:lnRef>
-          <a:fillRef idx="1">
-            <a:schemeClr val="accent1"/>
-          </a:fillRef>
-          <a:effectRef idx="0">
-            <a:schemeClr val="accent1"/>
-          </a:effectRef>
-          <a:fontRef idx="minor">
-            <a:schemeClr val="lt1"/>
-          </a:fontRef>
-        </p:style>
-        <p:txBody>
-          <a:bodyPr rtlCol="0" anchor="ctr"/>
-          <a:lstStyle/>
-          <a:p>
-            <a:pPr algn="ctr"/>
-            <a:endParaRPr lang="zh-CN" altLang="en-US"/>
-          </a:p>
-        </p:txBody>
-      </p:sp>
-      <p:sp>
-        <p:nvSpPr>
-          <p:cNvPr id="34" name="六边形 33"/>
-          <p:cNvSpPr/>
-          <p:nvPr/>
-        </p:nvSpPr>
-        <p:spPr>
-          <a:xfrm rot="5400000" flipH="1">
-            <a:off x="-300354" y="5341249"/>
-            <a:ext cx="2581335" cy="2202903"/>
-          </a:xfrm>
-          <a:prstGeom prst="hexagon">
-            <a:avLst>
-              <a:gd name="adj" fmla="val 27952"/>
-              <a:gd name="vf" fmla="val 115470"/>
-            </a:avLst>
-          </a:prstGeom>
-          <a:gradFill flip="none" rotWithShape="1">
-            <a:gsLst>
-              <a:gs pos="0">
-                <a:srgbClr val="FBFBFB"/>
-              </a:gs>
-              <a:gs pos="100000">
-                <a:srgbClr val="E1E1E1"/>
-              </a:gs>
-            </a:gsLst>
-            <a:lin ang="18900000" scaled="1"/>
-            <a:tileRect/>
-          </a:gradFill>
-          <a:ln w="38100">
-            <a:gradFill>
-              <a:gsLst>
-                <a:gs pos="0">
-                  <a:srgbClr val="FCFCFC"/>
-                </a:gs>
-                <a:gs pos="100000">
-                  <a:srgbClr val="E1E1E1"/>
-                </a:gs>
-              </a:gsLst>
-              <a:lin ang="5400000" scaled="1"/>
-            </a:gradFill>
-          </a:ln>
-          <a:effectLst>
-            <a:outerShdw blurRad="901700" dist="927100" dir="11040000" sx="91000" sy="91000" algn="tr" rotWithShape="0">
-              <a:prstClr val="black">
-                <a:alpha val="5000"/>
-              </a:prstClr>
-            </a:outerShdw>
-          </a:effectLst>
-        </p:spPr>
-        <p:style>
-          <a:lnRef idx="2">
-            <a:schemeClr val="accent1">
-              <a:shade val="50000"/>
-            </a:schemeClr>
-          </a:lnRef>
-          <a:fillRef idx="1">
-            <a:schemeClr val="accent1"/>
-          </a:fillRef>
-          <a:effectRef idx="0">
-            <a:schemeClr val="accent1"/>
-          </a:effectRef>
-          <a:fontRef idx="minor">
-            <a:schemeClr val="lt1"/>
-          </a:fontRef>
-        </p:style>
-        <p:txBody>
-          <a:bodyPr rtlCol="0" anchor="ctr"/>
-          <a:lstStyle/>
-          <a:p>
-            <a:pPr algn="ctr"/>
-            <a:endParaRPr lang="zh-CN" altLang="en-US"/>
-          </a:p>
-        </p:txBody>
-      </p:sp>
-      <p:sp>
-        <p:nvSpPr>
-          <p:cNvPr id="35" name="六边形 34"/>
-          <p:cNvSpPr/>
-          <p:nvPr/>
-        </p:nvSpPr>
-        <p:spPr>
-          <a:xfrm rot="5400000" flipH="1">
-            <a:off x="8480954" y="6906027"/>
-            <a:ext cx="519340" cy="443204"/>
-          </a:xfrm>
-          <a:prstGeom prst="hexagon">
-            <a:avLst>
-              <a:gd name="adj" fmla="val 27952"/>
-              <a:gd name="vf" fmla="val 115470"/>
-            </a:avLst>
-          </a:prstGeom>
-          <a:gradFill flip="none" rotWithShape="1">
-            <a:gsLst>
-              <a:gs pos="0">
-                <a:srgbClr val="FBFBFB"/>
-              </a:gs>
-              <a:gs pos="100000">
-                <a:srgbClr val="E1E1E1"/>
-              </a:gs>
-            </a:gsLst>
-            <a:lin ang="18900000" scaled="1"/>
-            <a:tileRect/>
-          </a:gradFill>
-          <a:ln w="38100">
-            <a:gradFill>
-              <a:gsLst>
-                <a:gs pos="0">
-                  <a:srgbClr val="FCFCFC"/>
-                </a:gs>
-                <a:gs pos="100000">
-                  <a:srgbClr val="E1E1E1"/>
-                </a:gs>
-              </a:gsLst>
-              <a:lin ang="5400000" scaled="1"/>
-            </a:gradFill>
-          </a:ln>
-          <a:effectLst>
-            <a:outerShdw blurRad="901700" dist="927100" dir="11040000" sx="91000" sy="91000" algn="tr" rotWithShape="0">
-              <a:prstClr val="black">
-                <a:alpha val="5000"/>
-              </a:prstClr>
-            </a:outerShdw>
-          </a:effectLst>
-        </p:spPr>
-        <p:style>
-          <a:lnRef idx="2">
-            <a:schemeClr val="accent1">
-              <a:shade val="50000"/>
-            </a:schemeClr>
-          </a:lnRef>
-          <a:fillRef idx="1">
-            <a:schemeClr val="accent1"/>
-          </a:fillRef>
-          <a:effectRef idx="0">
-            <a:schemeClr val="accent1"/>
-          </a:effectRef>
-          <a:fontRef idx="minor">
-            <a:schemeClr val="lt1"/>
-          </a:fontRef>
-        </p:style>
-        <p:txBody>
-          <a:bodyPr rtlCol="0" anchor="ctr"/>
-          <a:lstStyle/>
-          <a:p>
-            <a:pPr algn="ctr"/>
-            <a:endParaRPr lang="zh-CN" altLang="en-US"/>
-          </a:p>
-        </p:txBody>
-      </p:sp>
-      <p:sp>
-        <p:nvSpPr>
-          <p:cNvPr id="36" name="六边形 35"/>
-          <p:cNvSpPr/>
-          <p:nvPr/>
-        </p:nvSpPr>
-        <p:spPr>
-          <a:xfrm rot="5400000" flipH="1">
-            <a:off x="7644409" y="5524526"/>
-            <a:ext cx="519344" cy="443208"/>
-          </a:xfrm>
-          <a:prstGeom prst="hexagon">
-            <a:avLst>
-              <a:gd name="adj" fmla="val 27952"/>
-              <a:gd name="vf" fmla="val 115470"/>
-            </a:avLst>
-          </a:prstGeom>
-          <a:gradFill flip="none" rotWithShape="1">
-            <a:gsLst>
-              <a:gs pos="0">
-                <a:srgbClr val="FBFBFB"/>
-              </a:gs>
-              <a:gs pos="100000">
-                <a:srgbClr val="E1E1E1"/>
-              </a:gs>
-            </a:gsLst>
-            <a:lin ang="18900000" scaled="1"/>
-            <a:tileRect/>
-          </a:gradFill>
-          <a:ln w="38100">
-            <a:gradFill>
-              <a:gsLst>
-                <a:gs pos="0">
-                  <a:srgbClr val="FCFCFC"/>
-                </a:gs>
-                <a:gs pos="100000">
-                  <a:srgbClr val="E1E1E1"/>
-                </a:gs>
-              </a:gsLst>
-              <a:lin ang="5400000" scaled="1"/>
-            </a:gradFill>
-          </a:ln>
-          <a:effectLst>
-            <a:outerShdw blurRad="901700" dist="927100" dir="11040000" sx="91000" sy="91000" algn="tr" rotWithShape="0">
-              <a:prstClr val="black">
-                <a:alpha val="5000"/>
-              </a:prstClr>
-            </a:outerShdw>
-          </a:effectLst>
-        </p:spPr>
-        <p:style>
-          <a:lnRef idx="2">
-            <a:schemeClr val="accent1">
-              <a:shade val="50000"/>
-            </a:schemeClr>
-          </a:lnRef>
-          <a:fillRef idx="1">
-            <a:schemeClr val="accent1"/>
-          </a:fillRef>
-          <a:effectRef idx="0">
-            <a:schemeClr val="accent1"/>
-          </a:effectRef>
-          <a:fontRef idx="minor">
-            <a:schemeClr val="lt1"/>
-          </a:fontRef>
-        </p:style>
-        <p:txBody>
-          <a:bodyPr rtlCol="0" anchor="ctr"/>
-          <a:lstStyle/>
-          <a:p>
-            <a:pPr algn="ctr"/>
-            <a:endParaRPr lang="zh-CN" altLang="en-US"/>
-          </a:p>
-        </p:txBody>
-      </p:sp>
-    </p:spTree>
-  </p:cSld>
-  <p:clrMapOvr>
-    <a:masterClrMapping/>
-  </p:clrMapOvr>
-  <p:timing>
-    <p:tnLst>
-      <p:par>
-        <p:cTn id="1" dur="indefinite" restart="never" nodeType="tmRoot">
-          <p:childTnLst>
-            <p:seq concurrent="1" nextAc="seek">
-              <p:cTn id="2" dur="indefinite" nodeType="mainSeq">
-                <p:childTnLst>
-                  <p:par>
-                    <p:cTn id="3" fill="hold">
-                      <p:stCondLst>
-                        <p:cond delay="indefinite"/>
-                        <p:cond evt="onBegin" delay="0">
-                          <p:tn val="2"/>
-                        </p:cond>
-                      </p:stCondLst>
-                      <p:childTnLst>
-                        <p:par>
-                          <p:cTn id="4" fill="hold">
-                            <p:stCondLst>
-                              <p:cond delay="0"/>
-                            </p:stCondLst>
-                            <p:childTnLst>
-                              <p:par>
-                                <p:cTn id="5" presetID="53" presetClass="entr" presetSubtype="16" fill="hold" grpId="0" nodeType="withEffect">
-                                  <p:stCondLst>
-                                    <p:cond delay="0"/>
-                                  </p:stCondLst>
-                                  <p:childTnLst>
-                                    <p:set>
-                                      <p:cBhvr>
-                                        <p:cTn id="6" dur="1" fill="hold">
-                                          <p:stCondLst>
-                                            <p:cond delay="0"/>
-                                          </p:stCondLst>
-                                        </p:cTn>
-                                        <p:tgtEl>
-                                          <p:spTgt spid="16"/>
-                                        </p:tgtEl>
-                                        <p:attrNameLst>
-                                          <p:attrName>style.visibility</p:attrName>
-                                        </p:attrNameLst>
-                                      </p:cBhvr>
-                                      <p:to>
-                                        <p:strVal val="visible"/>
-                                      </p:to>
-                                    </p:set>
-                                    <p:anim calcmode="lin" valueType="num">
-                                      <p:cBhvr>
-                                        <p:cTn id="7" dur="500" fill="hold"/>
-                                        <p:tgtEl>
-                                          <p:spTgt spid="16"/>
-                                        </p:tgtEl>
-                                        <p:attrNameLst>
-                                          <p:attrName>ppt_w</p:attrName>
-                                        </p:attrNameLst>
-                                      </p:cBhvr>
-                                      <p:tavLst>
-                                        <p:tav tm="0">
-                                          <p:val>
-                                            <p:fltVal val="0"/>
-                                          </p:val>
-                                        </p:tav>
-                                        <p:tav tm="100000">
-                                          <p:val>
-                                            <p:strVal val="#ppt_w"/>
-                                          </p:val>
-                                        </p:tav>
-                                      </p:tavLst>
-                                    </p:anim>
-                                    <p:anim calcmode="lin" valueType="num">
-                                      <p:cBhvr>
-                                        <p:cTn id="8" dur="500" fill="hold"/>
-                                        <p:tgtEl>
-                                          <p:spTgt spid="16"/>
-                                        </p:tgtEl>
-                                        <p:attrNameLst>
-                                          <p:attrName>ppt_h</p:attrName>
-                                        </p:attrNameLst>
-                                      </p:cBhvr>
-                                      <p:tavLst>
-                                        <p:tav tm="0">
-                                          <p:val>
-                                            <p:fltVal val="0"/>
-                                          </p:val>
-                                        </p:tav>
-                                        <p:tav tm="100000">
-                                          <p:val>
-                                            <p:strVal val="#ppt_h"/>
-                                          </p:val>
-                                        </p:tav>
-                                      </p:tavLst>
-                                    </p:anim>
-                                    <p:animEffect transition="in" filter="fade">
-                                      <p:cBhvr>
-                                        <p:cTn id="9" dur="500"/>
-                                        <p:tgtEl>
-                                          <p:spTgt spid="16"/>
-                                        </p:tgtEl>
-                                      </p:cBhvr>
-                                    </p:animEffect>
-                                  </p:childTnLst>
-                                </p:cTn>
-                              </p:par>
-                              <p:par>
-                                <p:cTn id="10" presetID="42" presetClass="entr" presetSubtype="0" fill="hold" grpId="0" nodeType="withEffect">
-                                  <p:stCondLst>
-                                    <p:cond delay="0"/>
-                                  </p:stCondLst>
-                                  <p:childTnLst>
-                                    <p:set>
-                                      <p:cBhvr>
-                                        <p:cTn id="11" dur="1" fill="hold">
-                                          <p:stCondLst>
-                                            <p:cond delay="0"/>
-                                          </p:stCondLst>
-                                        </p:cTn>
-                                        <p:tgtEl>
-                                          <p:spTgt spid="34"/>
-                                        </p:tgtEl>
-                                        <p:attrNameLst>
-                                          <p:attrName>style.visibility</p:attrName>
-                                        </p:attrNameLst>
-                                      </p:cBhvr>
-                                      <p:to>
-                                        <p:strVal val="visible"/>
-                                      </p:to>
-                                    </p:set>
-                                    <p:animEffect transition="in" filter="fade">
-                                      <p:cBhvr>
-                                        <p:cTn id="12" dur="1000"/>
-                                        <p:tgtEl>
-                                          <p:spTgt spid="34"/>
-                                        </p:tgtEl>
-                                      </p:cBhvr>
-                                    </p:animEffect>
-                                    <p:anim calcmode="lin" valueType="num">
-                                      <p:cBhvr>
-                                        <p:cTn id="13" dur="1000" fill="hold"/>
-                                        <p:tgtEl>
-                                          <p:spTgt spid="34"/>
-                                        </p:tgtEl>
-                                        <p:attrNameLst>
-                                          <p:attrName>ppt_x</p:attrName>
-                                        </p:attrNameLst>
-                                      </p:cBhvr>
-                                      <p:tavLst>
-                                        <p:tav tm="0">
-                                          <p:val>
-                                            <p:strVal val="#ppt_x"/>
-                                          </p:val>
-                                        </p:tav>
-                                        <p:tav tm="100000">
-                                          <p:val>
-                                            <p:strVal val="#ppt_x"/>
-                                          </p:val>
-                                        </p:tav>
-                                      </p:tavLst>
-                                    </p:anim>
-                                    <p:anim calcmode="lin" valueType="num">
-                                      <p:cBhvr>
-                                        <p:cTn id="14" dur="1000" fill="hold"/>
-                                        <p:tgtEl>
-                                          <p:spTgt spid="34"/>
-                                        </p:tgtEl>
-                                        <p:attrNameLst>
-                                          <p:attrName>ppt_y</p:attrName>
-                                        </p:attrNameLst>
-                                      </p:cBhvr>
-                                      <p:tavLst>
-                                        <p:tav tm="0">
-                                          <p:val>
-                                            <p:strVal val="#ppt_y+.1"/>
-                                          </p:val>
-                                        </p:tav>
-                                        <p:tav tm="100000">
-                                          <p:val>
-                                            <p:strVal val="#ppt_y"/>
-                                          </p:val>
-                                        </p:tav>
-                                      </p:tavLst>
-                                    </p:anim>
-                                  </p:childTnLst>
-                                </p:cTn>
-                              </p:par>
-                              <p:par>
-                                <p:cTn id="15" presetID="42" presetClass="entr" presetSubtype="0" fill="hold" grpId="0" nodeType="withEffect">
-                                  <p:stCondLst>
-                                    <p:cond delay="0"/>
-                                  </p:stCondLst>
-                                  <p:childTnLst>
-                                    <p:set>
-                                      <p:cBhvr>
-                                        <p:cTn id="16" dur="1" fill="hold">
-                                          <p:stCondLst>
-                                            <p:cond delay="0"/>
-                                          </p:stCondLst>
-                                        </p:cTn>
-                                        <p:tgtEl>
-                                          <p:spTgt spid="29"/>
-                                        </p:tgtEl>
-                                        <p:attrNameLst>
-                                          <p:attrName>style.visibility</p:attrName>
-                                        </p:attrNameLst>
-                                      </p:cBhvr>
-                                      <p:to>
-                                        <p:strVal val="visible"/>
-                                      </p:to>
-                                    </p:set>
-                                    <p:animEffect transition="in" filter="fade">
-                                      <p:cBhvr>
-                                        <p:cTn id="17" dur="1000"/>
-                                        <p:tgtEl>
-                                          <p:spTgt spid="29"/>
-                                        </p:tgtEl>
-                                      </p:cBhvr>
-                                    </p:animEffect>
-                                    <p:anim calcmode="lin" valueType="num">
-                                      <p:cBhvr>
-                                        <p:cTn id="18" dur="1000" fill="hold"/>
-                                        <p:tgtEl>
-                                          <p:spTgt spid="29"/>
-                                        </p:tgtEl>
-                                        <p:attrNameLst>
-                                          <p:attrName>ppt_x</p:attrName>
-                                        </p:attrNameLst>
-                                      </p:cBhvr>
-                                      <p:tavLst>
-                                        <p:tav tm="0">
-                                          <p:val>
-                                            <p:strVal val="#ppt_x"/>
-                                          </p:val>
-                                        </p:tav>
-                                        <p:tav tm="100000">
-                                          <p:val>
-                                            <p:strVal val="#ppt_x"/>
-                                          </p:val>
-                                        </p:tav>
-                                      </p:tavLst>
-                                    </p:anim>
-                                    <p:anim calcmode="lin" valueType="num">
-                                      <p:cBhvr>
-                                        <p:cTn id="19" dur="1000" fill="hold"/>
-                                        <p:tgtEl>
-                                          <p:spTgt spid="29"/>
-                                        </p:tgtEl>
-                                        <p:attrNameLst>
-                                          <p:attrName>ppt_y</p:attrName>
-                                        </p:attrNameLst>
-                                      </p:cBhvr>
-                                      <p:tavLst>
-                                        <p:tav tm="0">
-                                          <p:val>
-                                            <p:strVal val="#ppt_y+.1"/>
-                                          </p:val>
-                                        </p:tav>
-                                        <p:tav tm="100000">
-                                          <p:val>
-                                            <p:strVal val="#ppt_y"/>
-                                          </p:val>
-                                        </p:tav>
-                                      </p:tavLst>
-                                    </p:anim>
-                                  </p:childTnLst>
-                                </p:cTn>
-                              </p:par>
-                              <p:par>
-                                <p:cTn id="20" presetID="42" presetClass="entr" presetSubtype="0" fill="hold" grpId="0" nodeType="withEffect">
-                                  <p:stCondLst>
-                                    <p:cond delay="0"/>
-                                  </p:stCondLst>
-                                  <p:childTnLst>
-                                    <p:set>
-                                      <p:cBhvr>
-                                        <p:cTn id="21" dur="1" fill="hold">
-                                          <p:stCondLst>
-                                            <p:cond delay="0"/>
-                                          </p:stCondLst>
-                                        </p:cTn>
-                                        <p:tgtEl>
-                                          <p:spTgt spid="33"/>
-                                        </p:tgtEl>
-                                        <p:attrNameLst>
-                                          <p:attrName>style.visibility</p:attrName>
-                                        </p:attrNameLst>
-                                      </p:cBhvr>
-                                      <p:to>
-                                        <p:strVal val="visible"/>
-                                      </p:to>
-                                    </p:set>
-                                    <p:animEffect transition="in" filter="fade">
-                                      <p:cBhvr>
-                                        <p:cTn id="22" dur="1000"/>
-                                        <p:tgtEl>
-                                          <p:spTgt spid="33"/>
-                                        </p:tgtEl>
-                                      </p:cBhvr>
-                                    </p:animEffect>
-                                    <p:anim calcmode="lin" valueType="num">
-                                      <p:cBhvr>
-                                        <p:cTn id="23" dur="1000" fill="hold"/>
-                                        <p:tgtEl>
-                                          <p:spTgt spid="33"/>
-                                        </p:tgtEl>
-                                        <p:attrNameLst>
-                                          <p:attrName>ppt_x</p:attrName>
-                                        </p:attrNameLst>
-                                      </p:cBhvr>
-                                      <p:tavLst>
-                                        <p:tav tm="0">
-                                          <p:val>
-                                            <p:strVal val="#ppt_x"/>
-                                          </p:val>
-                                        </p:tav>
-                                        <p:tav tm="100000">
-                                          <p:val>
-                                            <p:strVal val="#ppt_x"/>
-                                          </p:val>
-                                        </p:tav>
-                                      </p:tavLst>
-                                    </p:anim>
-                                    <p:anim calcmode="lin" valueType="num">
-                                      <p:cBhvr>
-                                        <p:cTn id="24" dur="1000" fill="hold"/>
-                                        <p:tgtEl>
-                                          <p:spTgt spid="33"/>
-                                        </p:tgtEl>
-                                        <p:attrNameLst>
-                                          <p:attrName>ppt_y</p:attrName>
-                                        </p:attrNameLst>
-                                      </p:cBhvr>
-                                      <p:tavLst>
-                                        <p:tav tm="0">
-                                          <p:val>
-                                            <p:strVal val="#ppt_y+.1"/>
-                                          </p:val>
-                                        </p:tav>
-                                        <p:tav tm="100000">
-                                          <p:val>
-                                            <p:strVal val="#ppt_y"/>
-                                          </p:val>
-                                        </p:tav>
-                                      </p:tavLst>
-                                    </p:anim>
-                                  </p:childTnLst>
-                                </p:cTn>
-                              </p:par>
-                              <p:par>
-                                <p:cTn id="25" presetID="42" presetClass="entr" presetSubtype="0" fill="hold" grpId="0" nodeType="withEffect">
-                                  <p:stCondLst>
-                                    <p:cond delay="0"/>
-                                  </p:stCondLst>
-                                  <p:childTnLst>
-                                    <p:set>
-                                      <p:cBhvr>
-                                        <p:cTn id="26" dur="1" fill="hold">
-                                          <p:stCondLst>
-                                            <p:cond delay="0"/>
-                                          </p:stCondLst>
-                                        </p:cTn>
-                                        <p:tgtEl>
-                                          <p:spTgt spid="28"/>
-                                        </p:tgtEl>
-                                        <p:attrNameLst>
-                                          <p:attrName>style.visibility</p:attrName>
-                                        </p:attrNameLst>
-                                      </p:cBhvr>
-                                      <p:to>
-                                        <p:strVal val="visible"/>
-                                      </p:to>
-                                    </p:set>
-                                    <p:animEffect transition="in" filter="fade">
-                                      <p:cBhvr>
-                                        <p:cTn id="27" dur="1000"/>
-                                        <p:tgtEl>
-                                          <p:spTgt spid="28"/>
-                                        </p:tgtEl>
-                                      </p:cBhvr>
-                                    </p:animEffect>
-                                    <p:anim calcmode="lin" valueType="num">
-                                      <p:cBhvr>
-                                        <p:cTn id="28" dur="1000" fill="hold"/>
-                                        <p:tgtEl>
-                                          <p:spTgt spid="28"/>
-                                        </p:tgtEl>
-                                        <p:attrNameLst>
-                                          <p:attrName>ppt_x</p:attrName>
-                                        </p:attrNameLst>
-                                      </p:cBhvr>
-                                      <p:tavLst>
-                                        <p:tav tm="0">
-                                          <p:val>
-                                            <p:strVal val="#ppt_x"/>
-                                          </p:val>
-                                        </p:tav>
-                                        <p:tav tm="100000">
-                                          <p:val>
-                                            <p:strVal val="#ppt_x"/>
-                                          </p:val>
-                                        </p:tav>
-                                      </p:tavLst>
-                                    </p:anim>
-                                    <p:anim calcmode="lin" valueType="num">
-                                      <p:cBhvr>
-                                        <p:cTn id="29" dur="1000" fill="hold"/>
-                                        <p:tgtEl>
-                                          <p:spTgt spid="28"/>
-                                        </p:tgtEl>
-                                        <p:attrNameLst>
-                                          <p:attrName>ppt_y</p:attrName>
-                                        </p:attrNameLst>
-                                      </p:cBhvr>
-                                      <p:tavLst>
-                                        <p:tav tm="0">
-                                          <p:val>
-                                            <p:strVal val="#ppt_y+.1"/>
-                                          </p:val>
-                                        </p:tav>
-                                        <p:tav tm="100000">
-                                          <p:val>
-                                            <p:strVal val="#ppt_y"/>
-                                          </p:val>
-                                        </p:tav>
-                                      </p:tavLst>
-                                    </p:anim>
-                                  </p:childTnLst>
-                                </p:cTn>
-                              </p:par>
-                              <p:par>
-                                <p:cTn id="30" presetID="42" presetClass="entr" presetSubtype="0" fill="hold" grpId="0" nodeType="withEffect">
-                                  <p:stCondLst>
-                                    <p:cond delay="0"/>
-                                  </p:stCondLst>
-                                  <p:childTnLst>
-                                    <p:set>
-                                      <p:cBhvr>
-                                        <p:cTn id="31" dur="1" fill="hold">
-                                          <p:stCondLst>
-                                            <p:cond delay="0"/>
-                                          </p:stCondLst>
-                                        </p:cTn>
-                                        <p:tgtEl>
-                                          <p:spTgt spid="27"/>
-                                        </p:tgtEl>
-                                        <p:attrNameLst>
-                                          <p:attrName>style.visibility</p:attrName>
-                                        </p:attrNameLst>
-                                      </p:cBhvr>
-                                      <p:to>
-                                        <p:strVal val="visible"/>
-                                      </p:to>
-                                    </p:set>
-                                    <p:animEffect transition="in" filter="fade">
-                                      <p:cBhvr>
-                                        <p:cTn id="32" dur="1000"/>
-                                        <p:tgtEl>
-                                          <p:spTgt spid="27"/>
-                                        </p:tgtEl>
-                                      </p:cBhvr>
-                                    </p:animEffect>
-                                    <p:anim calcmode="lin" valueType="num">
-                                      <p:cBhvr>
-                                        <p:cTn id="33" dur="1000" fill="hold"/>
-                                        <p:tgtEl>
-                                          <p:spTgt spid="27"/>
-                                        </p:tgtEl>
-                                        <p:attrNameLst>
-                                          <p:attrName>ppt_x</p:attrName>
-                                        </p:attrNameLst>
-                                      </p:cBhvr>
-                                      <p:tavLst>
-                                        <p:tav tm="0">
-                                          <p:val>
-                                            <p:strVal val="#ppt_x"/>
-                                          </p:val>
-                                        </p:tav>
-                                        <p:tav tm="100000">
-                                          <p:val>
-                                            <p:strVal val="#ppt_x"/>
-                                          </p:val>
-                                        </p:tav>
-                                      </p:tavLst>
-                                    </p:anim>
-                                    <p:anim calcmode="lin" valueType="num">
-                                      <p:cBhvr>
-                                        <p:cTn id="34" dur="1000" fill="hold"/>
-                                        <p:tgtEl>
-                                          <p:spTgt spid="27"/>
-                                        </p:tgtEl>
-                                        <p:attrNameLst>
-                                          <p:attrName>ppt_y</p:attrName>
-                                        </p:attrNameLst>
-                                      </p:cBhvr>
-                                      <p:tavLst>
-                                        <p:tav tm="0">
-                                          <p:val>
-                                            <p:strVal val="#ppt_y+.1"/>
-                                          </p:val>
-                                        </p:tav>
-                                        <p:tav tm="100000">
-                                          <p:val>
-                                            <p:strVal val="#ppt_y"/>
-                                          </p:val>
-                                        </p:tav>
-                                      </p:tavLst>
-                                    </p:anim>
-                                  </p:childTnLst>
-                                </p:cTn>
-                              </p:par>
-                              <p:par>
-                                <p:cTn id="35" presetID="42" presetClass="entr" presetSubtype="0" fill="hold" grpId="0" nodeType="withEffect">
-                                  <p:stCondLst>
-                                    <p:cond delay="0"/>
-                                  </p:stCondLst>
-                                  <p:childTnLst>
-                                    <p:set>
-                                      <p:cBhvr>
-                                        <p:cTn id="36" dur="1" fill="hold">
-                                          <p:stCondLst>
-                                            <p:cond delay="0"/>
-                                          </p:stCondLst>
-                                        </p:cTn>
-                                        <p:tgtEl>
-                                          <p:spTgt spid="36"/>
-                                        </p:tgtEl>
-                                        <p:attrNameLst>
-                                          <p:attrName>style.visibility</p:attrName>
-                                        </p:attrNameLst>
-                                      </p:cBhvr>
-                                      <p:to>
-                                        <p:strVal val="visible"/>
-                                      </p:to>
-                                    </p:set>
-                                    <p:animEffect transition="in" filter="fade">
-                                      <p:cBhvr>
-                                        <p:cTn id="37" dur="1000"/>
-                                        <p:tgtEl>
-                                          <p:spTgt spid="36"/>
-                                        </p:tgtEl>
-                                      </p:cBhvr>
-                                    </p:animEffect>
-                                    <p:anim calcmode="lin" valueType="num">
-                                      <p:cBhvr>
-                                        <p:cTn id="38" dur="1000" fill="hold"/>
-                                        <p:tgtEl>
-                                          <p:spTgt spid="36"/>
-                                        </p:tgtEl>
-                                        <p:attrNameLst>
-                                          <p:attrName>ppt_x</p:attrName>
-                                        </p:attrNameLst>
-                                      </p:cBhvr>
-                                      <p:tavLst>
-                                        <p:tav tm="0">
-                                          <p:val>
-                                            <p:strVal val="#ppt_x"/>
-                                          </p:val>
-                                        </p:tav>
-                                        <p:tav tm="100000">
-                                          <p:val>
-                                            <p:strVal val="#ppt_x"/>
-                                          </p:val>
-                                        </p:tav>
-                                      </p:tavLst>
-                                    </p:anim>
-                                    <p:anim calcmode="lin" valueType="num">
-                                      <p:cBhvr>
-                                        <p:cTn id="39" dur="1000" fill="hold"/>
-                                        <p:tgtEl>
-                                          <p:spTgt spid="36"/>
-                                        </p:tgtEl>
-                                        <p:attrNameLst>
-                                          <p:attrName>ppt_y</p:attrName>
-                                        </p:attrNameLst>
-                                      </p:cBhvr>
-                                      <p:tavLst>
-                                        <p:tav tm="0">
-                                          <p:val>
-                                            <p:strVal val="#ppt_y+.1"/>
-                                          </p:val>
-                                        </p:tav>
-                                        <p:tav tm="100000">
-                                          <p:val>
-                                            <p:strVal val="#ppt_y"/>
-                                          </p:val>
-                                        </p:tav>
-                                      </p:tavLst>
-                                    </p:anim>
-                                  </p:childTnLst>
-                                </p:cTn>
-                              </p:par>
-                              <p:par>
-                                <p:cTn id="40" presetID="42" presetClass="entr" presetSubtype="0" fill="hold" grpId="0" nodeType="withEffect">
-                                  <p:stCondLst>
-                                    <p:cond delay="0"/>
-                                  </p:stCondLst>
-                                  <p:childTnLst>
-                                    <p:set>
-                                      <p:cBhvr>
-                                        <p:cTn id="41" dur="1" fill="hold">
-                                          <p:stCondLst>
-                                            <p:cond delay="0"/>
-                                          </p:stCondLst>
-                                        </p:cTn>
-                                        <p:tgtEl>
-                                          <p:spTgt spid="30"/>
-                                        </p:tgtEl>
-                                        <p:attrNameLst>
-                                          <p:attrName>style.visibility</p:attrName>
-                                        </p:attrNameLst>
-                                      </p:cBhvr>
-                                      <p:to>
-                                        <p:strVal val="visible"/>
-                                      </p:to>
-                                    </p:set>
-                                    <p:animEffect transition="in" filter="fade">
-                                      <p:cBhvr>
-                                        <p:cTn id="42" dur="1000"/>
-                                        <p:tgtEl>
-                                          <p:spTgt spid="30"/>
-                                        </p:tgtEl>
-                                      </p:cBhvr>
-                                    </p:animEffect>
-                                    <p:anim calcmode="lin" valueType="num">
-                                      <p:cBhvr>
-                                        <p:cTn id="43" dur="1000" fill="hold"/>
-                                        <p:tgtEl>
-                                          <p:spTgt spid="30"/>
-                                        </p:tgtEl>
-                                        <p:attrNameLst>
-                                          <p:attrName>ppt_x</p:attrName>
-                                        </p:attrNameLst>
-                                      </p:cBhvr>
-                                      <p:tavLst>
-                                        <p:tav tm="0">
-                                          <p:val>
-                                            <p:strVal val="#ppt_x"/>
-                                          </p:val>
-                                        </p:tav>
-                                        <p:tav tm="100000">
-                                          <p:val>
-                                            <p:strVal val="#ppt_x"/>
-                                          </p:val>
-                                        </p:tav>
-                                      </p:tavLst>
-                                    </p:anim>
-                                    <p:anim calcmode="lin" valueType="num">
-                                      <p:cBhvr>
-                                        <p:cTn id="44" dur="1000" fill="hold"/>
-                                        <p:tgtEl>
-                                          <p:spTgt spid="30"/>
-                                        </p:tgtEl>
-                                        <p:attrNameLst>
-                                          <p:attrName>ppt_y</p:attrName>
-                                        </p:attrNameLst>
-                                      </p:cBhvr>
-                                      <p:tavLst>
-                                        <p:tav tm="0">
-                                          <p:val>
-                                            <p:strVal val="#ppt_y+.1"/>
-                                          </p:val>
-                                        </p:tav>
-                                        <p:tav tm="100000">
-                                          <p:val>
-                                            <p:strVal val="#ppt_y"/>
-                                          </p:val>
-                                        </p:tav>
-                                      </p:tavLst>
-                                    </p:anim>
-                                  </p:childTnLst>
-                                </p:cTn>
-                              </p:par>
-                              <p:par>
-                                <p:cTn id="45" presetID="42" presetClass="entr" presetSubtype="0" fill="hold" grpId="0" nodeType="withEffect">
-                                  <p:stCondLst>
-                                    <p:cond delay="0"/>
-                                  </p:stCondLst>
-                                  <p:childTnLst>
-                                    <p:set>
-                                      <p:cBhvr>
-                                        <p:cTn id="46" dur="1" fill="hold">
-                                          <p:stCondLst>
-                                            <p:cond delay="0"/>
-                                          </p:stCondLst>
-                                        </p:cTn>
-                                        <p:tgtEl>
-                                          <p:spTgt spid="32"/>
-                                        </p:tgtEl>
-                                        <p:attrNameLst>
-                                          <p:attrName>style.visibility</p:attrName>
-                                        </p:attrNameLst>
-                                      </p:cBhvr>
-                                      <p:to>
-                                        <p:strVal val="visible"/>
-                                      </p:to>
-                                    </p:set>
-                                    <p:animEffect transition="in" filter="fade">
-                                      <p:cBhvr>
-                                        <p:cTn id="47" dur="1000"/>
-                                        <p:tgtEl>
-                                          <p:spTgt spid="32"/>
-                                        </p:tgtEl>
-                                      </p:cBhvr>
-                                    </p:animEffect>
-                                    <p:anim calcmode="lin" valueType="num">
-                                      <p:cBhvr>
-                                        <p:cTn id="48" dur="1000" fill="hold"/>
-                                        <p:tgtEl>
-                                          <p:spTgt spid="32"/>
-                                        </p:tgtEl>
-                                        <p:attrNameLst>
-                                          <p:attrName>ppt_x</p:attrName>
-                                        </p:attrNameLst>
-                                      </p:cBhvr>
-                                      <p:tavLst>
-                                        <p:tav tm="0">
-                                          <p:val>
-                                            <p:strVal val="#ppt_x"/>
-                                          </p:val>
-                                        </p:tav>
-                                        <p:tav tm="100000">
-                                          <p:val>
-                                            <p:strVal val="#ppt_x"/>
-                                          </p:val>
-                                        </p:tav>
-                                      </p:tavLst>
-                                    </p:anim>
-                                    <p:anim calcmode="lin" valueType="num">
-                                      <p:cBhvr>
-                                        <p:cTn id="49" dur="1000" fill="hold"/>
-                                        <p:tgtEl>
-                                          <p:spTgt spid="32"/>
-                                        </p:tgtEl>
-                                        <p:attrNameLst>
-                                          <p:attrName>ppt_y</p:attrName>
-                                        </p:attrNameLst>
-                                      </p:cBhvr>
-                                      <p:tavLst>
-                                        <p:tav tm="0">
-                                          <p:val>
-                                            <p:strVal val="#ppt_y+.1"/>
-                                          </p:val>
-                                        </p:tav>
-                                        <p:tav tm="100000">
-                                          <p:val>
-                                            <p:strVal val="#ppt_y"/>
-                                          </p:val>
-                                        </p:tav>
-                                      </p:tavLst>
-                                    </p:anim>
-                                  </p:childTnLst>
-                                </p:cTn>
-                              </p:par>
-                              <p:par>
-                                <p:cTn id="50" presetID="42" presetClass="entr" presetSubtype="0" fill="hold" grpId="0" nodeType="withEffect">
-                                  <p:stCondLst>
-                                    <p:cond delay="0"/>
-                                  </p:stCondLst>
-                                  <p:childTnLst>
-                                    <p:set>
-                                      <p:cBhvr>
-                                        <p:cTn id="51" dur="1" fill="hold">
-                                          <p:stCondLst>
-                                            <p:cond delay="0"/>
-                                          </p:stCondLst>
-                                        </p:cTn>
-                                        <p:tgtEl>
-                                          <p:spTgt spid="31"/>
-                                        </p:tgtEl>
-                                        <p:attrNameLst>
-                                          <p:attrName>style.visibility</p:attrName>
-                                        </p:attrNameLst>
-                                      </p:cBhvr>
-                                      <p:to>
-                                        <p:strVal val="visible"/>
-                                      </p:to>
-                                    </p:set>
-                                    <p:animEffect transition="in" filter="fade">
-                                      <p:cBhvr>
-                                        <p:cTn id="52" dur="1000"/>
-                                        <p:tgtEl>
-                                          <p:spTgt spid="31"/>
-                                        </p:tgtEl>
-                                      </p:cBhvr>
-                                    </p:animEffect>
-                                    <p:anim calcmode="lin" valueType="num">
-                                      <p:cBhvr>
-                                        <p:cTn id="53" dur="1000" fill="hold"/>
-                                        <p:tgtEl>
-                                          <p:spTgt spid="31"/>
-                                        </p:tgtEl>
-                                        <p:attrNameLst>
-                                          <p:attrName>ppt_x</p:attrName>
-                                        </p:attrNameLst>
-                                      </p:cBhvr>
-                                      <p:tavLst>
-                                        <p:tav tm="0">
-                                          <p:val>
-                                            <p:strVal val="#ppt_x"/>
-                                          </p:val>
-                                        </p:tav>
-                                        <p:tav tm="100000">
-                                          <p:val>
-                                            <p:strVal val="#ppt_x"/>
-                                          </p:val>
-                                        </p:tav>
-                                      </p:tavLst>
-                                    </p:anim>
-                                    <p:anim calcmode="lin" valueType="num">
-                                      <p:cBhvr>
-                                        <p:cTn id="54" dur="1000" fill="hold"/>
-                                        <p:tgtEl>
-                                          <p:spTgt spid="31"/>
-                                        </p:tgtEl>
-                                        <p:attrNameLst>
-                                          <p:attrName>ppt_y</p:attrName>
-                                        </p:attrNameLst>
-                                      </p:cBhvr>
-                                      <p:tavLst>
-                                        <p:tav tm="0">
-                                          <p:val>
-                                            <p:strVal val="#ppt_y+.1"/>
-                                          </p:val>
-                                        </p:tav>
-                                        <p:tav tm="100000">
-                                          <p:val>
-                                            <p:strVal val="#ppt_y"/>
-                                          </p:val>
-                                        </p:tav>
-                                      </p:tavLst>
-                                    </p:anim>
-                                  </p:childTnLst>
-                                </p:cTn>
-                              </p:par>
-                              <p:par>
-                                <p:cTn id="55" presetID="42" presetClass="entr" presetSubtype="0" fill="hold" grpId="0" nodeType="withEffect">
-                                  <p:stCondLst>
-                                    <p:cond delay="0"/>
-                                  </p:stCondLst>
-                                  <p:childTnLst>
-                                    <p:set>
-                                      <p:cBhvr>
-                                        <p:cTn id="56" dur="1" fill="hold">
-                                          <p:stCondLst>
-                                            <p:cond delay="0"/>
-                                          </p:stCondLst>
-                                        </p:cTn>
-                                        <p:tgtEl>
-                                          <p:spTgt spid="35"/>
-                                        </p:tgtEl>
-                                        <p:attrNameLst>
-                                          <p:attrName>style.visibility</p:attrName>
-                                        </p:attrNameLst>
-                                      </p:cBhvr>
-                                      <p:to>
-                                        <p:strVal val="visible"/>
-                                      </p:to>
-                                    </p:set>
-                                    <p:animEffect transition="in" filter="fade">
-                                      <p:cBhvr>
-                                        <p:cTn id="57" dur="1000"/>
-                                        <p:tgtEl>
-                                          <p:spTgt spid="35"/>
-                                        </p:tgtEl>
-                                      </p:cBhvr>
-                                    </p:animEffect>
-                                    <p:anim calcmode="lin" valueType="num">
-                                      <p:cBhvr>
-                                        <p:cTn id="58" dur="1000" fill="hold"/>
-                                        <p:tgtEl>
-                                          <p:spTgt spid="35"/>
-                                        </p:tgtEl>
-                                        <p:attrNameLst>
-                                          <p:attrName>ppt_x</p:attrName>
-                                        </p:attrNameLst>
-                                      </p:cBhvr>
-                                      <p:tavLst>
-                                        <p:tav tm="0">
-                                          <p:val>
-                                            <p:strVal val="#ppt_x"/>
-                                          </p:val>
-                                        </p:tav>
-                                        <p:tav tm="100000">
-                                          <p:val>
-                                            <p:strVal val="#ppt_x"/>
-                                          </p:val>
-                                        </p:tav>
-                                      </p:tavLst>
-                                    </p:anim>
-                                    <p:anim calcmode="lin" valueType="num">
-                                      <p:cBhvr>
-                                        <p:cTn id="59" dur="1000" fill="hold"/>
-                                        <p:tgtEl>
-                                          <p:spTgt spid="35"/>
-                                        </p:tgtEl>
-                                        <p:attrNameLst>
-                                          <p:attrName>ppt_y</p:attrName>
-                                        </p:attrNameLst>
-                                      </p:cBhvr>
-                                      <p:tavLst>
-                                        <p:tav tm="0">
-                                          <p:val>
-                                            <p:strVal val="#ppt_y+.1"/>
-                                          </p:val>
-                                        </p:tav>
-                                        <p:tav tm="100000">
-                                          <p:val>
-                                            <p:strVal val="#ppt_y"/>
-                                          </p:val>
-                                        </p:tav>
-                                      </p:tavLst>
-                                    </p:anim>
-                                  </p:childTnLst>
-                                </p:cTn>
-                              </p:par>
-                            </p:childTnLst>
-                          </p:cTn>
-                        </p:par>
-                      </p:childTnLst>
-                    </p:cTn>
-                  </p:par>
-                </p:childTnLst>
-              </p:cTn>
-              <p:prevCondLst>
-                <p:cond evt="onPrev" delay="0">
-                  <p:tgtEl>
-                    <p:sldTgt/>
-                  </p:tgtEl>
-                </p:cond>
-              </p:prevCondLst>
-              <p:nextCondLst>
-                <p:cond evt="onNext" delay="0">
-                  <p:tgtEl>
-                    <p:sldTgt/>
-                  </p:tgtEl>
-                </p:cond>
-              </p:nextCondLst>
-            </p:seq>
-          </p:childTnLst>
-        </p:cTn>
-      </p:par>
-    </p:tnLst>
-    <p:bldLst>
-      <p:bldP spid="16" grpId="0" bldLvl="0" animBg="1"/>
-      <p:bldP spid="27" grpId="0" animBg="1"/>
-      <p:bldP spid="28" grpId="0" animBg="1"/>
-      <p:bldP spid="29" grpId="0" animBg="1"/>
-      <p:bldP spid="30" grpId="0" animBg="1"/>
-      <p:bldP spid="31" grpId="0" animBg="1"/>
-      <p:bldP spid="32" grpId="0" animBg="1"/>
-      <p:bldP spid="33" grpId="0" animBg="1"/>
-      <p:bldP spid="34" grpId="0" animBg="1"/>
-      <p:bldP spid="35" grpId="0" animBg="1"/>
-      <p:bldP spid="36" grpId="0" animBg="1"/>
-    </p:bldLst>
-  </p:timing>
-</p:sld>
-</file>
-
 <file path=ppt/slides/slide3.xml><?xml version="1.0" encoding="utf-8"?>
 <p:sld xmlns:a="http://schemas.openxmlformats.org/drawingml/2006/main" xmlns:r="http://schemas.openxmlformats.org/officeDocument/2006/relationships" xmlns:p="http://schemas.openxmlformats.org/presentationml/2006/main">
   <p:cSld>
@@ -12518,7 +10419,7 @@
             </a:pPr>
             <a:r>
               <a:rPr lang="en-US" altLang="zh-CN" sz="2500" dirty="0"/>
-              <a:t>            template: '&lt;button class="</a:t>
+              <a:t>     template: '&lt;button class="</a:t>
             </a:r>
             <a:r>
               <a:rPr lang="en-US" altLang="zh-CN" sz="2500" dirty="0" err="1"/>
@@ -12546,7 +10447,7 @@
             </a:pPr>
             <a:r>
               <a:rPr lang="en-US" altLang="zh-CN" sz="2500" dirty="0"/>
-              <a:t>        });</a:t>
+              <a:t>});</a:t>
             </a:r>
           </a:p>
           <a:p>

--- a/vue-webpack/vue-webpack.pptx
+++ b/vue-webpack/vue-webpack.pptx
@@ -214,7 +214,7 @@
           <a:p>
             <a:fld id="{94EA9A77-0CE4-4E25-84E3-55E75407559E}" type="datetimeFigureOut">
               <a:rPr lang="zh-CN" altLang="en-US" smtClean="0"/>
-              <a:t>2018/4/18</a:t>
+              <a:t>2018/4/19</a:t>
             </a:fld>
             <a:endParaRPr lang="zh-CN" altLang="en-US"/>
           </a:p>
@@ -860,7 +860,7 @@
           <a:p>
             <a:fld id="{A94A5677-1990-4DEF-94A6-269AB3DAB6C5}" type="datetimeFigureOut">
               <a:rPr lang="zh-CN" altLang="en-US" smtClean="0"/>
-              <a:t>2018/4/18</a:t>
+              <a:t>2018/4/19</a:t>
             </a:fld>
             <a:endParaRPr lang="zh-CN" altLang="en-US"/>
           </a:p>
@@ -3337,7 +3337,11 @@
             </a:r>
             <a:r>
               <a:rPr lang="en-US" altLang="zh-CN" sz="4700" dirty="0"/>
-              <a:t>, scoped</a:t>
+              <a:t>, </a:t>
+            </a:r>
+            <a:r>
+              <a:rPr lang="en-US" altLang="zh-CN" sz="4700" dirty="0"/>
+              <a:t>scoped</a:t>
             </a:r>
             <a:r>
               <a:rPr lang="zh-CN" altLang="en-US" sz="4700" dirty="0"/>
@@ -4899,7 +4903,7 @@
               <a:t>本质上，</a:t>
             </a:r>
             <a:r>
-              <a:rPr lang="en-US" altLang="zh-CN" i="1" dirty="0"/>
+              <a:rPr lang="en-US" altLang="zh-CN" dirty="0"/>
               <a:t>webpack</a:t>
             </a:r>
             <a:r>
@@ -4912,14 +4916,10 @@
             </a:r>
             <a:r>
               <a:rPr lang="zh-CN" altLang="en-US" dirty="0"/>
-              <a:t>应用程序的</a:t>
-            </a:r>
-            <a:r>
-              <a:rPr lang="zh-CN" altLang="en-US" i="1" dirty="0"/>
-              <a:t>静态模块打包器</a:t>
-            </a:r>
-            <a:r>
-              <a:rPr lang="en-US" altLang="zh-CN" i="1" dirty="0"/>
+              <a:t>应用程序的静态模块打包器</a:t>
+            </a:r>
+            <a:r>
+              <a:rPr lang="en-US" altLang="zh-CN" dirty="0"/>
               <a:t>(module bundler)</a:t>
             </a:r>
             <a:r>
@@ -4932,14 +4932,10 @@
             </a:r>
             <a:r>
               <a:rPr lang="zh-CN" altLang="en-US" dirty="0"/>
-              <a:t>处理应用程序时，它会递归地构建一个</a:t>
-            </a:r>
-            <a:r>
-              <a:rPr lang="zh-CN" altLang="en-US" i="1" dirty="0"/>
-              <a:t>依赖关系图</a:t>
-            </a:r>
-            <a:r>
-              <a:rPr lang="en-US" altLang="zh-CN" i="1" dirty="0"/>
+              <a:t>处理应用程序时，它会递归地构建一个依赖关系图</a:t>
+            </a:r>
+            <a:r>
+              <a:rPr lang="en-US" altLang="zh-CN" dirty="0"/>
               <a:t>(dependency graph)</a:t>
             </a:r>
             <a:r>
@@ -4947,7 +4943,7 @@
               <a:t>，其中包含应用程序需要的每个模块，然后将所有这些模块打包成一个或多个 </a:t>
             </a:r>
             <a:r>
-              <a:rPr lang="en-US" altLang="zh-CN" i="1" dirty="0"/>
+              <a:rPr lang="en-US" altLang="zh-CN" dirty="0"/>
               <a:t>bundle</a:t>
             </a:r>
             <a:r>
@@ -5018,7 +5014,7 @@
           <p:cNvPr id="4" name="图片 3">
             <a:extLst>
               <a:ext uri="{FF2B5EF4-FFF2-40B4-BE49-F238E27FC236}">
-                <a16:creationId xmlns:a16="http://schemas.microsoft.com/office/drawing/2014/main" id="{DD7472EC-9493-4FF6-84F6-84E2DEDD4B95}"/>
+                <a16:creationId xmlns="" xmlns:a16="http://schemas.microsoft.com/office/drawing/2014/main" id="{DD7472EC-9493-4FF6-84F6-84E2DEDD4B95}"/>
               </a:ext>
             </a:extLst>
           </p:cNvPr>
@@ -5275,20 +5271,19 @@
               <a:rPr lang="en-US" altLang="zh-CN" sz="3600" dirty="0">
                 <a:hlinkClick r:id="rId2"/>
               </a:rPr>
-              <a:t>https://cn.vuejs.org/</a:t>
-            </a:r>
-            <a:endParaRPr lang="en-US" altLang="zh-CN" sz="3600" dirty="0"/>
-          </a:p>
-          <a:p>
-            <a:pPr lvl="1">
-              <a:lnSpc>
-                <a:spcPct val="130000"/>
-              </a:lnSpc>
-            </a:pPr>
-            <a:r>
-              <a:rPr lang="en-US" altLang="zh-CN" sz="1600" dirty="0"/>
+              <a:t>https://cn.vuejs.org</a:t>
+            </a:r>
+            <a:r>
+              <a:rPr lang="en-US" altLang="zh-CN" sz="3600" dirty="0" smtClean="0">
+                <a:hlinkClick r:id="rId2"/>
+              </a:rPr>
+              <a:t>/</a:t>
+            </a:r>
+            <a:r>
+              <a:rPr lang="en-US" altLang="zh-CN" sz="1600" dirty="0" smtClean="0"/>
               <a:t>  </a:t>
             </a:r>
+            <a:endParaRPr lang="en-US" altLang="zh-CN" sz="1600" dirty="0"/>
           </a:p>
           <a:p>
             <a:pPr>
@@ -5297,11 +5292,58 @@
               </a:lnSpc>
             </a:pPr>
             <a:r>
+              <a:rPr lang="en-US" altLang="zh-CN" sz="3600" dirty="0" err="1" smtClean="0"/>
+              <a:t>vue</a:t>
+            </a:r>
+            <a:r>
+              <a:rPr lang="zh-CN" altLang="en-US" sz="3600" dirty="0" smtClean="0"/>
+              <a:t>资源合集</a:t>
+            </a:r>
+            <a:endParaRPr lang="en-US" altLang="zh-CN" sz="3600" dirty="0" smtClean="0"/>
+          </a:p>
+          <a:p>
+            <a:pPr marL="0" indent="0">
+              <a:lnSpc>
+                <a:spcPct val="130000"/>
+              </a:lnSpc>
+              <a:buNone/>
+            </a:pPr>
+            <a:r>
+              <a:rPr lang="en-US" altLang="zh-CN" sz="3600" dirty="0" smtClean="0">
+                <a:hlinkClick r:id="rId3"/>
+              </a:rPr>
+              <a:t>https</a:t>
+            </a:r>
+            <a:r>
+              <a:rPr lang="en-US" altLang="zh-CN" sz="3600" dirty="0">
+                <a:hlinkClick r:id="rId3"/>
+              </a:rPr>
+              <a:t>://github.com/vuejs/awesome-vue</a:t>
+            </a:r>
+            <a:endParaRPr lang="en-US" altLang="zh-CN" sz="3600" dirty="0" smtClean="0">
+              <a:latin typeface="微软雅黑" panose="020B0503020204020204" pitchFamily="34" charset="-122"/>
+              <a:ea typeface="微软雅黑" panose="020B0503020204020204" pitchFamily="34" charset="-122"/>
+            </a:endParaRPr>
+          </a:p>
+          <a:p>
+            <a:pPr>
+              <a:lnSpc>
+                <a:spcPct val="130000"/>
+              </a:lnSpc>
+            </a:pPr>
+            <a:r>
+              <a:rPr lang="zh-CN" altLang="en-US" sz="3600" dirty="0" smtClean="0">
+                <a:latin typeface="微软雅黑" panose="020B0503020204020204" pitchFamily="34" charset="-122"/>
+                <a:ea typeface="微软雅黑" panose="020B0503020204020204" pitchFamily="34" charset="-122"/>
+              </a:rPr>
+              <a:t>自己</a:t>
+            </a:r>
+            <a:r>
               <a:rPr lang="zh-CN" altLang="en-US" sz="3600" dirty="0">
                 <a:latin typeface="微软雅黑" panose="020B0503020204020204" pitchFamily="34" charset="-122"/>
                 <a:ea typeface="微软雅黑" panose="020B0503020204020204" pitchFamily="34" charset="-122"/>
               </a:rPr>
-              <a:t>自己学着去写一个小的项目，不会的问题百度</a:t>
+              <a:t>学着去写一个小的项目，不会的问题百度</a:t>
             </a:r>
             <a:r>
               <a:rPr lang="en-US" altLang="zh-CN" sz="3600" dirty="0">
@@ -5311,11 +5353,25 @@
               <a:t>+</a:t>
             </a:r>
             <a:r>
-              <a:rPr lang="en-US" altLang="zh-CN" sz="3600" dirty="0" err="1">
+              <a:rPr lang="en-US" altLang="zh-CN" sz="3600" dirty="0" err="1" smtClean="0">
                 <a:latin typeface="微软雅黑" panose="020B0503020204020204" pitchFamily="34" charset="-122"/>
                 <a:ea typeface="微软雅黑" panose="020B0503020204020204" pitchFamily="34" charset="-122"/>
               </a:rPr>
               <a:t>Github</a:t>
+            </a:r>
+            <a:r>
+              <a:rPr lang="en-US" altLang="zh-CN" sz="3600" dirty="0" smtClean="0">
+                <a:latin typeface="微软雅黑" panose="020B0503020204020204" pitchFamily="34" charset="-122"/>
+                <a:ea typeface="微软雅黑" panose="020B0503020204020204" pitchFamily="34" charset="-122"/>
+              </a:rPr>
+              <a:t>,</a:t>
+            </a:r>
+            <a:r>
+              <a:rPr lang="zh-CN" altLang="en-US" sz="3600" dirty="0" smtClean="0">
+                <a:latin typeface="微软雅黑" panose="020B0503020204020204" pitchFamily="34" charset="-122"/>
+                <a:ea typeface="微软雅黑" panose="020B0503020204020204" pitchFamily="34" charset="-122"/>
+              </a:rPr>
+              <a:t>自己动手实践，才能发现更多的问题</a:t>
             </a:r>
             <a:endParaRPr lang="zh-CN" altLang="en-US" sz="3600" dirty="0">
               <a:latin typeface="微软雅黑" panose="020B0503020204020204" pitchFamily="34" charset="-122"/>
@@ -8347,7 +8403,7 @@
           <p:cNvPr id="8" name="文本框 7">
             <a:extLst>
               <a:ext uri="{FF2B5EF4-FFF2-40B4-BE49-F238E27FC236}">
-                <a16:creationId xmlns:a16="http://schemas.microsoft.com/office/drawing/2014/main" id="{3FB86320-B9BD-4410-A007-63786B773F71}"/>
+                <a16:creationId xmlns="" xmlns:a16="http://schemas.microsoft.com/office/drawing/2014/main" id="{3FB86320-B9BD-4410-A007-63786B773F71}"/>
               </a:ext>
             </a:extLst>
           </p:cNvPr>
@@ -10854,6 +10910,10 @@
             <a:pPr marL="0" indent="0">
               <a:buNone/>
             </a:pPr>
+            <a:r>
+              <a:rPr lang="en-US" altLang="zh-CN" sz="4700" dirty="0"/>
+              <a:t/>
+            </a:r>
             <a:br>
               <a:rPr lang="en-US" altLang="zh-CN" sz="4700" dirty="0"/>
             </a:br>
@@ -10911,6 +10971,10 @@
             <a:pPr marL="0" indent="0">
               <a:buNone/>
             </a:pPr>
+            <a:r>
+              <a:rPr lang="en-US" altLang="zh-CN" sz="4700" dirty="0"/>
+              <a:t/>
+            </a:r>
             <a:br>
               <a:rPr lang="en-US" altLang="zh-CN" sz="4700" dirty="0"/>
             </a:br>

--- a/vue-webpack/vue-webpack.pptx
+++ b/vue-webpack/vue-webpack.pptx
@@ -214,7 +214,7 @@
           <a:p>
             <a:fld id="{94EA9A77-0CE4-4E25-84E3-55E75407559E}" type="datetimeFigureOut">
               <a:rPr lang="zh-CN" altLang="en-US" smtClean="0"/>
-              <a:t>2018/4/19</a:t>
+              <a:t>2018/4/23</a:t>
             </a:fld>
             <a:endParaRPr lang="zh-CN" altLang="en-US"/>
           </a:p>
@@ -860,7 +860,7 @@
           <a:p>
             <a:fld id="{A94A5677-1990-4DEF-94A6-269AB3DAB6C5}" type="datetimeFigureOut">
               <a:rPr lang="zh-CN" altLang="en-US" smtClean="0"/>
-              <a:t>2018/4/19</a:t>
+              <a:t>2018/4/23</a:t>
             </a:fld>
             <a:endParaRPr lang="zh-CN" altLang="en-US"/>
           </a:p>
@@ -3337,11 +3337,7 @@
             </a:r>
             <a:r>
               <a:rPr lang="en-US" altLang="zh-CN" sz="4700" dirty="0"/>
-              <a:t>, </a:t>
-            </a:r>
-            <a:r>
-              <a:rPr lang="en-US" altLang="zh-CN" sz="4700" dirty="0"/>
-              <a:t>scoped</a:t>
+              <a:t>, scoped</a:t>
             </a:r>
             <a:r>
               <a:rPr lang="zh-CN" altLang="en-US" sz="4700" dirty="0"/>
@@ -5014,7 +5010,7 @@
           <p:cNvPr id="4" name="图片 3">
             <a:extLst>
               <a:ext uri="{FF2B5EF4-FFF2-40B4-BE49-F238E27FC236}">
-                <a16:creationId xmlns="" xmlns:a16="http://schemas.microsoft.com/office/drawing/2014/main" id="{DD7472EC-9493-4FF6-84F6-84E2DEDD4B95}"/>
+                <a16:creationId xmlns:a16="http://schemas.microsoft.com/office/drawing/2014/main" xmlns="" id="{DD7472EC-9493-4FF6-84F6-84E2DEDD4B95}"/>
               </a:ext>
             </a:extLst>
           </p:cNvPr>
@@ -5443,7 +5439,7 @@
         <p:spPr/>
         <p:txBody>
           <a:bodyPr>
-            <a:normAutofit fontScale="77500" lnSpcReduction="20000"/>
+            <a:normAutofit fontScale="70000" lnSpcReduction="20000"/>
           </a:bodyPr>
           <a:lstStyle/>
           <a:p>
@@ -5490,7 +5486,13 @@
               <a:rPr lang="zh-CN" altLang="en-US" sz="2600" dirty="0">
                 <a:sym typeface="+mn-ea"/>
               </a:rPr>
-              <a:t>可以新增待办任务</a:t>
+              <a:t>可以新增待办</a:t>
+            </a:r>
+            <a:r>
+              <a:rPr lang="zh-CN" altLang="en-US" sz="2600" dirty="0" smtClean="0">
+                <a:sym typeface="+mn-ea"/>
+              </a:rPr>
+              <a:t>任务</a:t>
             </a:r>
             <a:endParaRPr lang="en-US" altLang="zh-CN" sz="2600" dirty="0">
               <a:sym typeface="+mn-ea"/>
@@ -5520,9 +5522,15 @@
               <a:rPr lang="zh-CN" altLang="en-US" sz="2600" dirty="0">
                 <a:sym typeface="+mn-ea"/>
               </a:rPr>
-              <a:t>待办任务状态包含进行中、已完成，进行中任务可以转换成已完成，已完成可以转换为进行中</a:t>
-            </a:r>
-            <a:endParaRPr lang="en-US" altLang="zh-CN" sz="2600" dirty="0">
+              <a:t>待办任务状态包含进行中、已完成，进行中任务可以转换成已完成，已完成可以转换为进行</a:t>
+            </a:r>
+            <a:r>
+              <a:rPr lang="zh-CN" altLang="en-US" sz="2600" dirty="0" smtClean="0">
+                <a:sym typeface="+mn-ea"/>
+              </a:rPr>
+              <a:t>中</a:t>
+            </a:r>
+            <a:endParaRPr lang="en-US" altLang="zh-CN" sz="2600" dirty="0" smtClean="0">
               <a:sym typeface="+mn-ea"/>
             </a:endParaRPr>
           </a:p>
@@ -5532,10 +5540,67 @@
               <a:buAutoNum type="arabicPeriod"/>
             </a:pPr>
             <a:r>
+              <a:rPr lang="zh-CN" altLang="en-US" sz="2600" dirty="0" smtClean="0">
+                <a:sym typeface="+mn-ea"/>
+              </a:rPr>
+              <a:t>待办</a:t>
+            </a:r>
+            <a:r>
               <a:rPr lang="zh-CN" altLang="en-US" sz="2600" dirty="0">
                 <a:sym typeface="+mn-ea"/>
               </a:rPr>
-              <a:t>显示待办任务条数</a:t>
+              <a:t>任务</a:t>
+            </a:r>
+            <a:r>
+              <a:rPr lang="zh-CN" altLang="en-US" sz="2600" dirty="0" smtClean="0">
+                <a:sym typeface="+mn-ea"/>
+              </a:rPr>
+              <a:t>状态是列表的筛选条件</a:t>
+            </a:r>
+            <a:endParaRPr lang="en-US" altLang="zh-CN" sz="2600" dirty="0">
+              <a:sym typeface="+mn-ea"/>
+            </a:endParaRPr>
+          </a:p>
+          <a:p>
+            <a:pPr marL="742950" indent="-742950">
+              <a:buFont typeface="+mj-lt"/>
+              <a:buAutoNum type="arabicPeriod"/>
+            </a:pPr>
+            <a:r>
+              <a:rPr lang="zh-CN" altLang="en-US" sz="2600" dirty="0" smtClean="0">
+                <a:sym typeface="+mn-ea"/>
+              </a:rPr>
+              <a:t>显示</a:t>
+            </a:r>
+            <a:r>
+              <a:rPr lang="zh-CN" altLang="en-US" sz="2600" dirty="0">
+                <a:sym typeface="+mn-ea"/>
+              </a:rPr>
+              <a:t>各</a:t>
+            </a:r>
+            <a:r>
+              <a:rPr lang="zh-CN" altLang="en-US" sz="2600" dirty="0" smtClean="0">
+                <a:sym typeface="+mn-ea"/>
+              </a:rPr>
+              <a:t>待办</a:t>
+            </a:r>
+            <a:r>
+              <a:rPr lang="zh-CN" altLang="en-US" sz="2600" dirty="0">
+                <a:sym typeface="+mn-ea"/>
+              </a:rPr>
+              <a:t>任务</a:t>
+            </a:r>
+            <a:r>
+              <a:rPr lang="zh-CN" altLang="en-US" sz="2600" dirty="0" smtClean="0">
+                <a:sym typeface="+mn-ea"/>
+              </a:rPr>
+              <a:t>状态任务条</a:t>
+            </a:r>
+            <a:r>
+              <a:rPr lang="zh-CN" altLang="en-US" sz="2600" dirty="0">
+                <a:sym typeface="+mn-ea"/>
+              </a:rPr>
+              <a:t>数</a:t>
             </a:r>
             <a:endParaRPr lang="en-US" altLang="zh-CN" sz="2600" dirty="0">
               <a:sym typeface="+mn-ea"/>
@@ -8403,7 +8468,7 @@
           <p:cNvPr id="8" name="文本框 7">
             <a:extLst>
               <a:ext uri="{FF2B5EF4-FFF2-40B4-BE49-F238E27FC236}">
-                <a16:creationId xmlns="" xmlns:a16="http://schemas.microsoft.com/office/drawing/2014/main" id="{3FB86320-B9BD-4410-A007-63786B773F71}"/>
+                <a16:creationId xmlns:a16="http://schemas.microsoft.com/office/drawing/2014/main" xmlns="" id="{3FB86320-B9BD-4410-A007-63786B773F71}"/>
               </a:ext>
             </a:extLst>
           </p:cNvPr>

--- a/vue-webpack/vue-webpack.pptx
+++ b/vue-webpack/vue-webpack.pptx
@@ -5010,7 +5010,7 @@
           <p:cNvPr id="4" name="图片 3">
             <a:extLst>
               <a:ext uri="{FF2B5EF4-FFF2-40B4-BE49-F238E27FC236}">
-                <a16:creationId xmlns:a16="http://schemas.microsoft.com/office/drawing/2014/main" xmlns="" id="{DD7472EC-9493-4FF6-84F6-84E2DEDD4B95}"/>
+                <a16:creationId xmlns="" xmlns:a16="http://schemas.microsoft.com/office/drawing/2014/main" id="{DD7472EC-9493-4FF6-84F6-84E2DEDD4B95}"/>
               </a:ext>
             </a:extLst>
           </p:cNvPr>
@@ -5618,10 +5618,22 @@
               <a:t>不要使用</a:t>
             </a:r>
             <a:r>
-              <a:rPr lang="en-US" altLang="zh-CN" sz="2600" dirty="0">
+              <a:rPr lang="en-US" altLang="zh-CN" sz="2600" dirty="0" err="1" smtClean="0">
                 <a:sym typeface="+mn-ea"/>
               </a:rPr>
-              <a:t>webpack(</a:t>
+              <a:t>webpack</a:t>
+            </a:r>
+            <a:r>
+              <a:rPr lang="zh-CN" altLang="en-US" sz="2600" dirty="0" smtClean="0">
+                <a:sym typeface="+mn-ea"/>
+              </a:rPr>
+              <a:t>打包工具</a:t>
+            </a:r>
+            <a:r>
+              <a:rPr lang="en-US" altLang="zh-CN" sz="2600" dirty="0" smtClean="0">
+                <a:sym typeface="+mn-ea"/>
+              </a:rPr>
+              <a:t>(</a:t>
             </a:r>
             <a:r>
               <a:rPr lang="zh-CN" altLang="en-US" sz="2600" dirty="0">
@@ -8468,7 +8480,7 @@
           <p:cNvPr id="8" name="文本框 7">
             <a:extLst>
               <a:ext uri="{FF2B5EF4-FFF2-40B4-BE49-F238E27FC236}">
-                <a16:creationId xmlns:a16="http://schemas.microsoft.com/office/drawing/2014/main" xmlns="" id="{3FB86320-B9BD-4410-A007-63786B773F71}"/>
+                <a16:creationId xmlns="" xmlns:a16="http://schemas.microsoft.com/office/drawing/2014/main" id="{3FB86320-B9BD-4410-A007-63786B773F71}"/>
               </a:ext>
             </a:extLst>
           </p:cNvPr>

--- a/vue-webpack/vue-webpack.pptx
+++ b/vue-webpack/vue-webpack.pptx
@@ -5,7 +5,7 @@
     <p:sldMasterId id="2147483648" r:id="rId1"/>
   </p:sldMasterIdLst>
   <p:notesMasterIdLst>
-    <p:notesMasterId r:id="rId16"/>
+    <p:notesMasterId r:id="rId17"/>
   </p:notesMasterIdLst>
   <p:sldIdLst>
     <p:sldId id="256" r:id="rId2"/>
@@ -17,11 +17,12 @@
     <p:sldId id="331" r:id="rId8"/>
     <p:sldId id="304" r:id="rId9"/>
     <p:sldId id="338" r:id="rId10"/>
-    <p:sldId id="337" r:id="rId11"/>
-    <p:sldId id="327" r:id="rId12"/>
-    <p:sldId id="297" r:id="rId13"/>
-    <p:sldId id="324" r:id="rId14"/>
-    <p:sldId id="280" r:id="rId15"/>
+    <p:sldId id="339" r:id="rId11"/>
+    <p:sldId id="337" r:id="rId12"/>
+    <p:sldId id="327" r:id="rId13"/>
+    <p:sldId id="297" r:id="rId14"/>
+    <p:sldId id="324" r:id="rId15"/>
+    <p:sldId id="280" r:id="rId16"/>
   </p:sldIdLst>
   <p:sldSz cx="12192000" cy="6858000"/>
   <p:notesSz cx="6858000" cy="9144000"/>
@@ -3260,6 +3261,171 @@
           <a:lstStyle/>
           <a:p>
             <a:r>
+              <a:rPr lang="en-US" altLang="zh-CN" dirty="0" err="1"/>
+              <a:t>WebPack</a:t>
+            </a:r>
+            <a:r>
+              <a:rPr lang="zh-CN" altLang="en-US" dirty="0"/>
+              <a:t>作用</a:t>
+            </a:r>
+          </a:p>
+        </p:txBody>
+      </p:sp>
+      <p:sp>
+        <p:nvSpPr>
+          <p:cNvPr id="3" name="副标题 2"/>
+          <p:cNvSpPr>
+            <a:spLocks noGrp="1"/>
+          </p:cNvSpPr>
+          <p:nvPr>
+            <p:ph type="subTitle" idx="1"/>
+          </p:nvPr>
+        </p:nvSpPr>
+        <p:spPr/>
+        <p:txBody>
+          <a:bodyPr>
+            <a:normAutofit lnSpcReduction="10000"/>
+          </a:bodyPr>
+          <a:lstStyle/>
+          <a:p>
+            <a:r>
+              <a:rPr lang="en-US" altLang="zh-CN" dirty="0" err="1"/>
+              <a:t>Javascript</a:t>
+            </a:r>
+            <a:r>
+              <a:rPr lang="zh-CN" altLang="en-US" dirty="0"/>
+              <a:t>、</a:t>
+            </a:r>
+            <a:r>
+              <a:rPr lang="en-US" altLang="zh-CN" dirty="0" err="1"/>
+              <a:t>css</a:t>
+            </a:r>
+            <a:r>
+              <a:rPr lang="zh-CN" altLang="en-US" sz="3200" dirty="0">
+                <a:sym typeface="+mn-ea"/>
+              </a:rPr>
+              <a:t>代码的合并和压缩</a:t>
+            </a:r>
+            <a:endParaRPr lang="en-US" altLang="zh-CN" sz="3200" dirty="0">
+              <a:sym typeface="+mn-ea"/>
+            </a:endParaRPr>
+          </a:p>
+          <a:p>
+            <a:r>
+              <a:rPr lang="en-US" altLang="zh-CN" dirty="0" err="1"/>
+              <a:t>css</a:t>
+            </a:r>
+            <a:r>
+              <a:rPr lang="zh-CN" altLang="en-US" dirty="0"/>
+              <a:t>预处理器：</a:t>
+            </a:r>
+            <a:r>
+              <a:rPr lang="en-US" altLang="zh-CN" dirty="0" err="1"/>
+              <a:t>less,sass,stylus</a:t>
+            </a:r>
+            <a:r>
+              <a:rPr lang="zh-CN" altLang="en-US" dirty="0"/>
+              <a:t>的编译</a:t>
+            </a:r>
+            <a:endParaRPr lang="en-US" altLang="zh-CN" dirty="0"/>
+          </a:p>
+          <a:p>
+            <a:r>
+              <a:rPr lang="zh-CN" altLang="en-US" dirty="0"/>
+              <a:t>生成雪碧图</a:t>
+            </a:r>
+            <a:r>
+              <a:rPr lang="en-US" altLang="zh-CN" dirty="0"/>
+              <a:t>(</a:t>
+            </a:r>
+            <a:r>
+              <a:rPr lang="en-US" altLang="zh-CN" dirty="0" err="1"/>
+              <a:t>css</a:t>
+            </a:r>
+            <a:r>
+              <a:rPr lang="en-US" altLang="zh-CN" dirty="0"/>
+              <a:t> sprite)</a:t>
+            </a:r>
+          </a:p>
+          <a:p>
+            <a:r>
+              <a:rPr lang="en-US" altLang="zh-CN" dirty="0"/>
+              <a:t>es6 </a:t>
+            </a:r>
+            <a:r>
+              <a:rPr lang="zh-CN" altLang="en-US" dirty="0"/>
+              <a:t>转 </a:t>
+            </a:r>
+            <a:r>
+              <a:rPr lang="en-US" altLang="zh-CN" dirty="0"/>
+              <a:t>es5</a:t>
+            </a:r>
+          </a:p>
+          <a:p>
+            <a:r>
+              <a:rPr lang="zh-CN" altLang="en-US" dirty="0"/>
+              <a:t>模块化</a:t>
+            </a:r>
+            <a:endParaRPr lang="en-US" altLang="zh-CN" dirty="0"/>
+          </a:p>
+          <a:p>
+            <a:r>
+              <a:rPr lang="en-US" altLang="zh-CN" dirty="0"/>
+              <a:t>…</a:t>
+            </a:r>
+            <a:endParaRPr lang="zh-CN" altLang="en-US" dirty="0"/>
+          </a:p>
+        </p:txBody>
+      </p:sp>
+    </p:spTree>
+    <p:extLst>
+      <p:ext uri="{BB962C8B-B14F-4D97-AF65-F5344CB8AC3E}">
+        <p14:creationId xmlns:p14="http://schemas.microsoft.com/office/powerpoint/2010/main" val="1481532758"/>
+      </p:ext>
+    </p:extLst>
+  </p:cSld>
+  <p:clrMapOvr>
+    <a:masterClrMapping/>
+  </p:clrMapOvr>
+  <p:transition>
+    <p:wipe dir="r"/>
+  </p:transition>
+</p:sld>
+</file>
+
+<file path=ppt/slides/slide11.xml><?xml version="1.0" encoding="utf-8"?>
+<p:sld xmlns:a="http://schemas.openxmlformats.org/drawingml/2006/main" xmlns:r="http://schemas.openxmlformats.org/officeDocument/2006/relationships" xmlns:p="http://schemas.openxmlformats.org/presentationml/2006/main">
+  <p:cSld>
+    <p:spTree>
+      <p:nvGrpSpPr>
+        <p:cNvPr id="1" name=""/>
+        <p:cNvGrpSpPr/>
+        <p:nvPr/>
+      </p:nvGrpSpPr>
+      <p:grpSpPr>
+        <a:xfrm>
+          <a:off x="0" y="0"/>
+          <a:ext cx="0" cy="0"/>
+          <a:chOff x="0" y="0"/>
+          <a:chExt cx="0" cy="0"/>
+        </a:xfrm>
+      </p:grpSpPr>
+      <p:sp>
+        <p:nvSpPr>
+          <p:cNvPr id="2" name="标题 1"/>
+          <p:cNvSpPr>
+            <a:spLocks noGrp="1"/>
+          </p:cNvSpPr>
+          <p:nvPr>
+            <p:ph type="ctrTitle"/>
+          </p:nvPr>
+        </p:nvSpPr>
+        <p:spPr/>
+        <p:txBody>
+          <a:bodyPr/>
+          <a:lstStyle/>
+          <a:p>
+            <a:r>
               <a:rPr lang="en-US" altLang="zh-CN" dirty="0"/>
               <a:t>Webpack</a:t>
             </a:r>
@@ -3313,7 +3479,7 @@
 </p:sld>
 </file>
 
-<file path=ppt/slides/slide11.xml><?xml version="1.0" encoding="utf-8"?>
+<file path=ppt/slides/slide12.xml><?xml version="1.0" encoding="utf-8"?>
 <p:sld xmlns:a="http://schemas.openxmlformats.org/drawingml/2006/main" xmlns:r="http://schemas.openxmlformats.org/officeDocument/2006/relationships" xmlns:p="http://schemas.openxmlformats.org/presentationml/2006/main">
   <p:cSld>
     <p:spTree>
@@ -3443,7 +3609,7 @@
 </p:sld>
 </file>
 
-<file path=ppt/slides/slide12.xml><?xml version="1.0" encoding="utf-8"?>
+<file path=ppt/slides/slide13.xml><?xml version="1.0" encoding="utf-8"?>
 <p:sld xmlns:a="http://schemas.openxmlformats.org/drawingml/2006/main" xmlns:r="http://schemas.openxmlformats.org/officeDocument/2006/relationships" xmlns:p="http://schemas.openxmlformats.org/presentationml/2006/main">
   <p:cSld>
     <p:spTree>
@@ -3625,7 +3791,7 @@
 </p:sld>
 </file>
 
-<file path=ppt/slides/slide13.xml><?xml version="1.0" encoding="utf-8"?>
+<file path=ppt/slides/slide14.xml><?xml version="1.0" encoding="utf-8"?>
 <p:sld xmlns:a="http://schemas.openxmlformats.org/drawingml/2006/main" xmlns:r="http://schemas.openxmlformats.org/officeDocument/2006/relationships" xmlns:p="http://schemas.openxmlformats.org/presentationml/2006/main">
   <p:cSld>
     <p:spTree>
@@ -3978,7 +4144,7 @@
 </p:sld>
 </file>
 
-<file path=ppt/slides/slide14.xml><?xml version="1.0" encoding="utf-8"?>
+<file path=ppt/slides/slide15.xml><?xml version="1.0" encoding="utf-8"?>
 <p:sld xmlns:a="http://schemas.openxmlformats.org/drawingml/2006/main" xmlns:r="http://schemas.openxmlformats.org/officeDocument/2006/relationships" xmlns:p="http://schemas.openxmlformats.org/presentationml/2006/main">
   <p:cSld>
     <p:spTree>
